--- a/Slides-RPR/2019-H1-DAA-L03-Algo-Practice.pptx
+++ b/Slides-RPR/2019-H1-DAA-L03-Algo-Practice.pptx
@@ -2291,7 +2291,7 @@
       </p:grpSpPr>
       <p:sp>
         <p:nvSpPr>
-          <p:cNvPr id="86" name="Understanding Programs: 01"/>
+          <p:cNvPr id="86" name="Algo 04: Fibonacci Series"/>
           <p:cNvSpPr txBox="1"/>
           <p:nvPr>
             <p:ph type="title"/>
@@ -2308,14 +2308,14 @@
           <a:p>
             <a:pPr/>
             <a:r>
-              <a:t>Understanding Programs: 01</a:t>
+              <a:t>Algo 04: Fibonacci Series</a:t>
             </a:r>
           </a:p>
         </p:txBody>
       </p:sp>
       <p:sp>
         <p:nvSpPr>
-          <p:cNvPr id="87" name="What does following code segment outputs…"/>
+          <p:cNvPr id="87" name="Print first n terms of Fibonacci series starting from 1, 1…"/>
           <p:cNvSpPr txBox="1"/>
           <p:nvPr>
             <p:ph type="body" idx="1"/>
@@ -2330,147 +2330,307 @@
           <a:bodyPr/>
           <a:lstStyle/>
           <a:p>
-            <a:pPr/>
-            <a:r>
-              <a:t>What does following code segment outputs</a:t>
-            </a:r>
+            <a:pPr>
+              <a:spcBef>
+                <a:spcPts val="200"/>
+              </a:spcBef>
+            </a:pPr>
+            <a:r>
+              <a:t>Print first n terms of Fibonacci series starting from </a:t>
+            </a:r>
+            <a:r>
+              <a:rPr>
+                <a:latin typeface="Courier New"/>
+                <a:ea typeface="Courier New"/>
+                <a:cs typeface="Courier New"/>
+                <a:sym typeface="Courier New"/>
+              </a:rPr>
+              <a:t>1, 1</a:t>
+            </a:r>
+            <a:endParaRPr>
+              <a:latin typeface="Courier New"/>
+              <a:ea typeface="Courier New"/>
+              <a:cs typeface="Courier New"/>
+              <a:sym typeface="Courier New"/>
+            </a:endParaRPr>
           </a:p>
           <a:p>
             <a:pPr marL="0" indent="0">
-              <a:buSzTx/>
-              <a:buNone/>
-              <a:defRPr>
-                <a:latin typeface="Courier New"/>
-                <a:ea typeface="Courier New"/>
-                <a:cs typeface="Courier New"/>
-                <a:sym typeface="Courier New"/>
-              </a:defRPr>
-            </a:pPr>
-            <a:r>
-              <a:t>    </a:t>
-            </a:r>
-          </a:p>
-          <a:p>
-            <a:pPr lvl="4" marL="0" indent="914400">
               <a:spcBef>
-                <a:spcPts val="700"/>
+                <a:spcPts val="200"/>
               </a:spcBef>
               <a:buSzTx/>
               <a:buNone/>
-              <a:defRPr sz="3200">
-                <a:latin typeface="Courier New"/>
-                <a:ea typeface="Courier New"/>
-                <a:cs typeface="Courier New"/>
-                <a:sym typeface="Courier New"/>
-              </a:defRPr>
             </a:pPr>
             <a:r>
-              <a:t>int n = 987654321;</a:t>
-            </a:r>
+              <a:rPr>
+                <a:latin typeface="Courier New"/>
+                <a:ea typeface="Courier New"/>
+                <a:cs typeface="Courier New"/>
+                <a:sym typeface="Courier New"/>
+              </a:rPr>
+              <a:t>prev = 1</a:t>
+            </a:r>
+            <a:endParaRPr>
+              <a:latin typeface="Courier New"/>
+              <a:ea typeface="Courier New"/>
+              <a:cs typeface="Courier New"/>
+              <a:sym typeface="Courier New"/>
+            </a:endParaRPr>
           </a:p>
           <a:p>
             <a:pPr marL="0" indent="0">
+              <a:spcBef>
+                <a:spcPts val="200"/>
+              </a:spcBef>
               <a:buSzTx/>
               <a:buNone/>
-              <a:defRPr>
-                <a:latin typeface="Courier New"/>
-                <a:ea typeface="Courier New"/>
-                <a:cs typeface="Courier New"/>
-                <a:sym typeface="Courier New"/>
-              </a:defRPr>
             </a:pPr>
             <a:r>
-              <a:t>    int digits = 0;</a:t>
-            </a:r>
+              <a:rPr>
+                <a:latin typeface="Courier New"/>
+                <a:ea typeface="Courier New"/>
+                <a:cs typeface="Courier New"/>
+                <a:sym typeface="Courier New"/>
+              </a:rPr>
+              <a:t>curr = 1</a:t>
+            </a:r>
+            <a:endParaRPr>
+              <a:latin typeface="Courier New"/>
+              <a:ea typeface="Courier New"/>
+              <a:cs typeface="Courier New"/>
+              <a:sym typeface="Courier New"/>
+            </a:endParaRPr>
           </a:p>
           <a:p>
             <a:pPr marL="0" indent="0">
+              <a:spcBef>
+                <a:spcPts val="200"/>
+              </a:spcBef>
               <a:buSzTx/>
               <a:buNone/>
-              <a:defRPr>
-                <a:latin typeface="Courier New"/>
-                <a:ea typeface="Courier New"/>
-                <a:cs typeface="Courier New"/>
-                <a:sym typeface="Courier New"/>
-              </a:defRPr>
             </a:pPr>
             <a:r>
-              <a:t>    while (n &gt; 0) {</a:t>
-            </a:r>
+              <a:rPr>
+                <a:latin typeface="Gill Sans MT"/>
+                <a:ea typeface="Gill Sans MT"/>
+                <a:cs typeface="Gill Sans MT"/>
+                <a:sym typeface="Gill Sans MT"/>
+              </a:rPr>
+              <a:t>print</a:t>
+            </a:r>
+            <a:r>
+              <a:rPr>
+                <a:latin typeface="Courier New"/>
+                <a:ea typeface="Courier New"/>
+                <a:cs typeface="Courier New"/>
+                <a:sym typeface="Courier New"/>
+              </a:rPr>
+              <a:t>("1, 1")</a:t>
+            </a:r>
+            <a:endParaRPr>
+              <a:latin typeface="Courier New"/>
+              <a:ea typeface="Courier New"/>
+              <a:cs typeface="Courier New"/>
+              <a:sym typeface="Courier New"/>
+            </a:endParaRPr>
           </a:p>
           <a:p>
             <a:pPr marL="0" indent="0">
+              <a:spcBef>
+                <a:spcPts val="200"/>
+              </a:spcBef>
               <a:buSzTx/>
               <a:buNone/>
-              <a:defRPr>
-                <a:latin typeface="Courier New"/>
-                <a:ea typeface="Courier New"/>
-                <a:cs typeface="Courier New"/>
-                <a:sym typeface="Courier New"/>
-              </a:defRPr>
             </a:pPr>
             <a:r>
-              <a:t>        n = n / 10; </a:t>
-            </a:r>
+              <a:rPr>
+                <a:latin typeface="Gill Sans MT"/>
+                <a:ea typeface="Gill Sans MT"/>
+                <a:cs typeface="Gill Sans MT"/>
+                <a:sym typeface="Gill Sans MT"/>
+              </a:rPr>
+              <a:t>while</a:t>
+            </a:r>
+            <a:r>
+              <a:rPr>
+                <a:latin typeface="Courier New"/>
+                <a:ea typeface="Courier New"/>
+                <a:cs typeface="Courier New"/>
+                <a:sym typeface="Courier New"/>
+              </a:rPr>
+              <a:t> number &gt; 2:</a:t>
+            </a:r>
+            <a:endParaRPr>
+              <a:latin typeface="Courier New"/>
+              <a:ea typeface="Courier New"/>
+              <a:cs typeface="Courier New"/>
+              <a:sym typeface="Courier New"/>
+            </a:endParaRPr>
           </a:p>
           <a:p>
             <a:pPr marL="0" indent="0">
+              <a:spcBef>
+                <a:spcPts val="200"/>
+              </a:spcBef>
               <a:buSzTx/>
               <a:buNone/>
-              <a:defRPr>
-                <a:latin typeface="Courier New"/>
-                <a:ea typeface="Courier New"/>
-                <a:cs typeface="Courier New"/>
-                <a:sym typeface="Courier New"/>
-              </a:defRPr>
             </a:pPr>
             <a:r>
-              <a:t>        digits++;</a:t>
-            </a:r>
+              <a:rPr>
+                <a:latin typeface="Courier New"/>
+                <a:ea typeface="Courier New"/>
+                <a:cs typeface="Courier New"/>
+                <a:sym typeface="Courier New"/>
+              </a:rPr>
+              <a:t>  sum = prev + curr</a:t>
+            </a:r>
+            <a:endParaRPr>
+              <a:latin typeface="Courier New"/>
+              <a:ea typeface="Courier New"/>
+              <a:cs typeface="Courier New"/>
+              <a:sym typeface="Courier New"/>
+            </a:endParaRPr>
           </a:p>
           <a:p>
             <a:pPr marL="0" indent="0">
+              <a:spcBef>
+                <a:spcPts val="200"/>
+              </a:spcBef>
               <a:buSzTx/>
               <a:buNone/>
-              <a:defRPr>
-                <a:latin typeface="Courier New"/>
-                <a:ea typeface="Courier New"/>
-                <a:cs typeface="Courier New"/>
-                <a:sym typeface="Courier New"/>
-              </a:defRPr>
             </a:pPr>
             <a:r>
-              <a:t>    }   </a:t>
-            </a:r>
+              <a:rPr>
+                <a:latin typeface="Courier New"/>
+                <a:ea typeface="Courier New"/>
+                <a:cs typeface="Courier New"/>
+                <a:sym typeface="Courier New"/>
+              </a:rPr>
+              <a:t>  prev = curr</a:t>
+            </a:r>
+            <a:endParaRPr>
+              <a:latin typeface="Courier New"/>
+              <a:ea typeface="Courier New"/>
+              <a:cs typeface="Courier New"/>
+              <a:sym typeface="Courier New"/>
+            </a:endParaRPr>
           </a:p>
           <a:p>
             <a:pPr marL="0" indent="0">
+              <a:spcBef>
+                <a:spcPts val="200"/>
+              </a:spcBef>
               <a:buSzTx/>
               <a:buNone/>
-              <a:defRPr>
-                <a:latin typeface="Courier New"/>
-                <a:ea typeface="Courier New"/>
-                <a:cs typeface="Courier New"/>
-                <a:sym typeface="Courier New"/>
-              </a:defRPr>
             </a:pPr>
             <a:r>
-              <a:t>    System.out.println(digits);</a:t>
-            </a:r>
+              <a:rPr>
+                <a:latin typeface="Courier New"/>
+                <a:ea typeface="Courier New"/>
+                <a:cs typeface="Courier New"/>
+                <a:sym typeface="Courier New"/>
+              </a:rPr>
+              <a:t>  curr = sum</a:t>
+            </a:r>
+            <a:endParaRPr>
+              <a:latin typeface="Courier New"/>
+              <a:ea typeface="Courier New"/>
+              <a:cs typeface="Courier New"/>
+              <a:sym typeface="Courier New"/>
+            </a:endParaRPr>
           </a:p>
           <a:p>
             <a:pPr marL="0" indent="0">
+              <a:spcBef>
+                <a:spcPts val="200"/>
+              </a:spcBef>
               <a:buSzTx/>
               <a:buNone/>
-              <a:defRPr>
-                <a:latin typeface="Courier New"/>
-                <a:ea typeface="Courier New"/>
-                <a:cs typeface="Courier New"/>
-                <a:sym typeface="Courier New"/>
-              </a:defRPr>
             </a:pPr>
             <a:r>
-              <a:t> </a:t>
+              <a:rPr>
+                <a:latin typeface="Courier New"/>
+                <a:ea typeface="Courier New"/>
+                <a:cs typeface="Courier New"/>
+                <a:sym typeface="Courier New"/>
+              </a:rPr>
+              <a:t>  number = number - 1</a:t>
+            </a:r>
+            <a:endParaRPr>
+              <a:latin typeface="Courier New"/>
+              <a:ea typeface="Courier New"/>
+              <a:cs typeface="Courier New"/>
+              <a:sym typeface="Courier New"/>
+            </a:endParaRPr>
+          </a:p>
+          <a:p>
+            <a:pPr marL="0" indent="0">
+              <a:spcBef>
+                <a:spcPts val="200"/>
+              </a:spcBef>
+              <a:buSzTx/>
+              <a:buNone/>
+            </a:pPr>
+            <a:r>
+              <a:rPr>
+                <a:latin typeface="Courier New"/>
+                <a:ea typeface="Courier New"/>
+                <a:cs typeface="Courier New"/>
+                <a:sym typeface="Courier New"/>
+              </a:rPr>
+              <a:t>  </a:t>
+            </a:r>
+            <a:r>
+              <a:rPr>
+                <a:latin typeface="Gill Sans MT"/>
+                <a:ea typeface="Gill Sans MT"/>
+                <a:cs typeface="Gill Sans MT"/>
+                <a:sym typeface="Gill Sans MT"/>
+              </a:rPr>
+              <a:t>print</a:t>
+            </a:r>
+            <a:r>
+              <a:rPr>
+                <a:latin typeface="Courier New"/>
+                <a:ea typeface="Courier New"/>
+                <a:cs typeface="Courier New"/>
+                <a:sym typeface="Courier New"/>
+              </a:rPr>
+              <a:t>(",", sum)</a:t>
+            </a:r>
+            <a:endParaRPr>
+              <a:latin typeface="Courier New"/>
+              <a:ea typeface="Courier New"/>
+              <a:cs typeface="Courier New"/>
+              <a:sym typeface="Courier New"/>
+            </a:endParaRPr>
+          </a:p>
+          <a:p>
+            <a:pPr marL="0" indent="0">
+              <a:spcBef>
+                <a:spcPts val="200"/>
+              </a:spcBef>
+              <a:buSzTx/>
+              <a:buNone/>
+            </a:pPr>
+            <a:r>
+              <a:rPr>
+                <a:latin typeface="Gill Sans MT"/>
+                <a:ea typeface="Gill Sans MT"/>
+                <a:cs typeface="Gill Sans MT"/>
+                <a:sym typeface="Gill Sans MT"/>
+              </a:rPr>
+              <a:t>print</a:t>
+            </a:r>
+            <a:r>
+              <a:rPr>
+                <a:latin typeface="Courier New"/>
+                <a:ea typeface="Courier New"/>
+                <a:cs typeface="Courier New"/>
+                <a:sym typeface="Courier New"/>
+              </a:rPr>
+              <a:t>(“\n”)</a:t>
             </a:r>
           </a:p>
         </p:txBody>
@@ -2588,547 +2748,6 @@
     <a:masterClrMapping/>
   </p:clrMapOvr>
   <p:transition xmlns:p14="http://schemas.microsoft.com/office/powerpoint/2010/main" spd="med" advClick="1"/>
-  <p:timing>
-    <p:tnLst>
-      <p:par>
-        <p:cTn id="1" nodeType="tmRoot" restart="never" dur="indefinite" fill="hold">
-          <p:childTnLst>
-            <p:seq concurrent="1" prevAc="none" nextAc="seek">
-              <p:cTn id="2" nodeType="mainSeq" dur="indefinite" fill="hold">
-                <p:childTnLst>
-                  <p:par>
-                    <p:cTn id="3" fill="hold">
-                      <p:stCondLst>
-                        <p:cond delay="indefinite"/>
-                      </p:stCondLst>
-                      <p:childTnLst>
-                        <p:par>
-                          <p:cTn id="4" fill="hold">
-                            <p:stCondLst>
-                              <p:cond delay="0"/>
-                            </p:stCondLst>
-                            <p:childTnLst>
-                              <p:par>
-                                <p:cTn id="5" presetClass="entr" nodeType="clickEffect" presetSubtype="0" presetID="1" grpId="1" fill="hold">
-                                  <p:stCondLst>
-                                    <p:cond delay="0"/>
-                                  </p:stCondLst>
-                                  <p:iterate type="el" backwards="0">
-                                    <p:tmAbs val="0"/>
-                                  </p:iterate>
-                                  <p:childTnLst>
-                                    <p:set>
-                                      <p:cBhvr>
-                                        <p:cTn id="6" fill="hold"/>
-                                        <p:tgtEl>
-                                          <p:spTgt spid="87">
-                                            <p:bg/>
-                                          </p:spTgt>
-                                        </p:tgtEl>
-                                        <p:attrNameLst>
-                                          <p:attrName>style.visibility</p:attrName>
-                                        </p:attrNameLst>
-                                      </p:cBhvr>
-                                      <p:to>
-                                        <p:strVal val="visible"/>
-                                      </p:to>
-                                    </p:set>
-                                  </p:childTnLst>
-                                </p:cTn>
-                              </p:par>
-                              <p:par>
-                                <p:cTn id="7" presetClass="entr" nodeType="withEffect" presetSubtype="0" presetID="1" grpId="1" fill="hold">
-                                  <p:stCondLst>
-                                    <p:cond delay="0"/>
-                                  </p:stCondLst>
-                                  <p:iterate type="el" backwards="0">
-                                    <p:tmAbs val="0"/>
-                                  </p:iterate>
-                                  <p:childTnLst>
-                                    <p:set>
-                                      <p:cBhvr>
-                                        <p:cTn id="8" fill="hold"/>
-                                        <p:tgtEl>
-                                          <p:spTgt spid="87">
-                                            <p:txEl>
-                                              <p:pRg st="0" end="0"/>
-                                            </p:txEl>
-                                          </p:spTgt>
-                                        </p:tgtEl>
-                                        <p:attrNameLst>
-                                          <p:attrName>style.visibility</p:attrName>
-                                        </p:attrNameLst>
-                                      </p:cBhvr>
-                                      <p:to>
-                                        <p:strVal val="visible"/>
-                                      </p:to>
-                                    </p:set>
-                                  </p:childTnLst>
-                                </p:cTn>
-                              </p:par>
-                            </p:childTnLst>
-                          </p:cTn>
-                        </p:par>
-                      </p:childTnLst>
-                    </p:cTn>
-                  </p:par>
-                  <p:par>
-                    <p:cTn id="9" fill="hold">
-                      <p:stCondLst>
-                        <p:cond delay="indefinite"/>
-                      </p:stCondLst>
-                      <p:childTnLst>
-                        <p:par>
-                          <p:cTn id="10" fill="hold">
-                            <p:stCondLst>
-                              <p:cond delay="0"/>
-                            </p:stCondLst>
-                            <p:childTnLst>
-                              <p:par>
-                                <p:cTn id="11" presetClass="entr" nodeType="clickEffect" presetSubtype="0" presetID="1" grpId="1" fill="hold">
-                                  <p:stCondLst>
-                                    <p:cond delay="0"/>
-                                  </p:stCondLst>
-                                  <p:iterate type="el" backwards="0">
-                                    <p:tmAbs val="0"/>
-                                  </p:iterate>
-                                  <p:childTnLst>
-                                    <p:set>
-                                      <p:cBhvr>
-                                        <p:cTn id="12" fill="hold"/>
-                                        <p:tgtEl>
-                                          <p:spTgt spid="87">
-                                            <p:txEl>
-                                              <p:pRg st="1" end="1"/>
-                                            </p:txEl>
-                                          </p:spTgt>
-                                        </p:tgtEl>
-                                        <p:attrNameLst>
-                                          <p:attrName>style.visibility</p:attrName>
-                                        </p:attrNameLst>
-                                      </p:cBhvr>
-                                      <p:to>
-                                        <p:strVal val="visible"/>
-                                      </p:to>
-                                    </p:set>
-                                  </p:childTnLst>
-                                </p:cTn>
-                              </p:par>
-                            </p:childTnLst>
-                          </p:cTn>
-                        </p:par>
-                      </p:childTnLst>
-                    </p:cTn>
-                  </p:par>
-                  <p:par>
-                    <p:cTn id="13" fill="hold">
-                      <p:stCondLst>
-                        <p:cond delay="indefinite"/>
-                      </p:stCondLst>
-                      <p:childTnLst>
-                        <p:par>
-                          <p:cTn id="14" fill="hold">
-                            <p:stCondLst>
-                              <p:cond delay="0"/>
-                            </p:stCondLst>
-                            <p:childTnLst>
-                              <p:par>
-                                <p:cTn id="15" presetClass="entr" nodeType="clickEffect" presetSubtype="0" presetID="1" grpId="1" fill="hold">
-                                  <p:stCondLst>
-                                    <p:cond delay="0"/>
-                                  </p:stCondLst>
-                                  <p:iterate type="el" backwards="0">
-                                    <p:tmAbs val="0"/>
-                                  </p:iterate>
-                                  <p:childTnLst>
-                                    <p:set>
-                                      <p:cBhvr>
-                                        <p:cTn id="16" fill="hold"/>
-                                        <p:tgtEl>
-                                          <p:spTgt spid="87">
-                                            <p:txEl>
-                                              <p:pRg st="2" end="2"/>
-                                            </p:txEl>
-                                          </p:spTgt>
-                                        </p:tgtEl>
-                                        <p:attrNameLst>
-                                          <p:attrName>style.visibility</p:attrName>
-                                        </p:attrNameLst>
-                                      </p:cBhvr>
-                                      <p:to>
-                                        <p:strVal val="visible"/>
-                                      </p:to>
-                                    </p:set>
-                                  </p:childTnLst>
-                                </p:cTn>
-                              </p:par>
-                            </p:childTnLst>
-                          </p:cTn>
-                        </p:par>
-                      </p:childTnLst>
-                    </p:cTn>
-                  </p:par>
-                  <p:par>
-                    <p:cTn id="17" fill="hold">
-                      <p:stCondLst>
-                        <p:cond delay="indefinite"/>
-                      </p:stCondLst>
-                      <p:childTnLst>
-                        <p:par>
-                          <p:cTn id="18" fill="hold">
-                            <p:stCondLst>
-                              <p:cond delay="0"/>
-                            </p:stCondLst>
-                            <p:childTnLst>
-                              <p:par>
-                                <p:cTn id="19" presetClass="entr" nodeType="clickEffect" presetSubtype="0" presetID="1" grpId="1" fill="hold">
-                                  <p:stCondLst>
-                                    <p:cond delay="0"/>
-                                  </p:stCondLst>
-                                  <p:iterate type="el" backwards="0">
-                                    <p:tmAbs val="0"/>
-                                  </p:iterate>
-                                  <p:childTnLst>
-                                    <p:set>
-                                      <p:cBhvr>
-                                        <p:cTn id="20" fill="hold"/>
-                                        <p:tgtEl>
-                                          <p:spTgt spid="87">
-                                            <p:txEl>
-                                              <p:pRg st="3" end="3"/>
-                                            </p:txEl>
-                                          </p:spTgt>
-                                        </p:tgtEl>
-                                        <p:attrNameLst>
-                                          <p:attrName>style.visibility</p:attrName>
-                                        </p:attrNameLst>
-                                      </p:cBhvr>
-                                      <p:to>
-                                        <p:strVal val="visible"/>
-                                      </p:to>
-                                    </p:set>
-                                  </p:childTnLst>
-                                </p:cTn>
-                              </p:par>
-                            </p:childTnLst>
-                          </p:cTn>
-                        </p:par>
-                      </p:childTnLst>
-                    </p:cTn>
-                  </p:par>
-                  <p:par>
-                    <p:cTn id="21" fill="hold">
-                      <p:stCondLst>
-                        <p:cond delay="indefinite"/>
-                      </p:stCondLst>
-                      <p:childTnLst>
-                        <p:par>
-                          <p:cTn id="22" fill="hold">
-                            <p:stCondLst>
-                              <p:cond delay="0"/>
-                            </p:stCondLst>
-                            <p:childTnLst>
-                              <p:par>
-                                <p:cTn id="23" presetClass="entr" nodeType="clickEffect" presetSubtype="0" presetID="1" grpId="1" fill="hold">
-                                  <p:stCondLst>
-                                    <p:cond delay="0"/>
-                                  </p:stCondLst>
-                                  <p:iterate type="el" backwards="0">
-                                    <p:tmAbs val="0"/>
-                                  </p:iterate>
-                                  <p:childTnLst>
-                                    <p:set>
-                                      <p:cBhvr>
-                                        <p:cTn id="24" fill="hold"/>
-                                        <p:tgtEl>
-                                          <p:spTgt spid="87">
-                                            <p:txEl>
-                                              <p:pRg st="4" end="4"/>
-                                            </p:txEl>
-                                          </p:spTgt>
-                                        </p:tgtEl>
-                                        <p:attrNameLst>
-                                          <p:attrName>style.visibility</p:attrName>
-                                        </p:attrNameLst>
-                                      </p:cBhvr>
-                                      <p:to>
-                                        <p:strVal val="visible"/>
-                                      </p:to>
-                                    </p:set>
-                                  </p:childTnLst>
-                                </p:cTn>
-                              </p:par>
-                            </p:childTnLst>
-                          </p:cTn>
-                        </p:par>
-                      </p:childTnLst>
-                    </p:cTn>
-                  </p:par>
-                  <p:par>
-                    <p:cTn id="25" fill="hold">
-                      <p:stCondLst>
-                        <p:cond delay="indefinite"/>
-                      </p:stCondLst>
-                      <p:childTnLst>
-                        <p:par>
-                          <p:cTn id="26" fill="hold">
-                            <p:stCondLst>
-                              <p:cond delay="0"/>
-                            </p:stCondLst>
-                            <p:childTnLst>
-                              <p:par>
-                                <p:cTn id="27" presetClass="entr" nodeType="clickEffect" presetSubtype="0" presetID="1" grpId="1" fill="hold">
-                                  <p:stCondLst>
-                                    <p:cond delay="0"/>
-                                  </p:stCondLst>
-                                  <p:iterate type="el" backwards="0">
-                                    <p:tmAbs val="0"/>
-                                  </p:iterate>
-                                  <p:childTnLst>
-                                    <p:set>
-                                      <p:cBhvr>
-                                        <p:cTn id="28" fill="hold"/>
-                                        <p:tgtEl>
-                                          <p:spTgt spid="87">
-                                            <p:txEl>
-                                              <p:pRg st="5" end="5"/>
-                                            </p:txEl>
-                                          </p:spTgt>
-                                        </p:tgtEl>
-                                        <p:attrNameLst>
-                                          <p:attrName>style.visibility</p:attrName>
-                                        </p:attrNameLst>
-                                      </p:cBhvr>
-                                      <p:to>
-                                        <p:strVal val="visible"/>
-                                      </p:to>
-                                    </p:set>
-                                  </p:childTnLst>
-                                </p:cTn>
-                              </p:par>
-                            </p:childTnLst>
-                          </p:cTn>
-                        </p:par>
-                      </p:childTnLst>
-                    </p:cTn>
-                  </p:par>
-                  <p:par>
-                    <p:cTn id="29" fill="hold">
-                      <p:stCondLst>
-                        <p:cond delay="indefinite"/>
-                      </p:stCondLst>
-                      <p:childTnLst>
-                        <p:par>
-                          <p:cTn id="30" fill="hold">
-                            <p:stCondLst>
-                              <p:cond delay="0"/>
-                            </p:stCondLst>
-                            <p:childTnLst>
-                              <p:par>
-                                <p:cTn id="31" presetClass="entr" nodeType="clickEffect" presetSubtype="0" presetID="1" grpId="1" fill="hold">
-                                  <p:stCondLst>
-                                    <p:cond delay="0"/>
-                                  </p:stCondLst>
-                                  <p:iterate type="el" backwards="0">
-                                    <p:tmAbs val="0"/>
-                                  </p:iterate>
-                                  <p:childTnLst>
-                                    <p:set>
-                                      <p:cBhvr>
-                                        <p:cTn id="32" fill="hold"/>
-                                        <p:tgtEl>
-                                          <p:spTgt spid="87">
-                                            <p:txEl>
-                                              <p:pRg st="6" end="6"/>
-                                            </p:txEl>
-                                          </p:spTgt>
-                                        </p:tgtEl>
-                                        <p:attrNameLst>
-                                          <p:attrName>style.visibility</p:attrName>
-                                        </p:attrNameLst>
-                                      </p:cBhvr>
-                                      <p:to>
-                                        <p:strVal val="visible"/>
-                                      </p:to>
-                                    </p:set>
-                                  </p:childTnLst>
-                                </p:cTn>
-                              </p:par>
-                            </p:childTnLst>
-                          </p:cTn>
-                        </p:par>
-                      </p:childTnLst>
-                    </p:cTn>
-                  </p:par>
-                  <p:par>
-                    <p:cTn id="33" fill="hold">
-                      <p:stCondLst>
-                        <p:cond delay="indefinite"/>
-                      </p:stCondLst>
-                      <p:childTnLst>
-                        <p:par>
-                          <p:cTn id="34" fill="hold">
-                            <p:stCondLst>
-                              <p:cond delay="0"/>
-                            </p:stCondLst>
-                            <p:childTnLst>
-                              <p:par>
-                                <p:cTn id="35" presetClass="entr" nodeType="clickEffect" presetSubtype="0" presetID="1" grpId="1" fill="hold">
-                                  <p:stCondLst>
-                                    <p:cond delay="0"/>
-                                  </p:stCondLst>
-                                  <p:iterate type="el" backwards="0">
-                                    <p:tmAbs val="0"/>
-                                  </p:iterate>
-                                  <p:childTnLst>
-                                    <p:set>
-                                      <p:cBhvr>
-                                        <p:cTn id="36" fill="hold"/>
-                                        <p:tgtEl>
-                                          <p:spTgt spid="87">
-                                            <p:txEl>
-                                              <p:pRg st="7" end="7"/>
-                                            </p:txEl>
-                                          </p:spTgt>
-                                        </p:tgtEl>
-                                        <p:attrNameLst>
-                                          <p:attrName>style.visibility</p:attrName>
-                                        </p:attrNameLst>
-                                      </p:cBhvr>
-                                      <p:to>
-                                        <p:strVal val="visible"/>
-                                      </p:to>
-                                    </p:set>
-                                  </p:childTnLst>
-                                </p:cTn>
-                              </p:par>
-                            </p:childTnLst>
-                          </p:cTn>
-                        </p:par>
-                      </p:childTnLst>
-                    </p:cTn>
-                  </p:par>
-                  <p:par>
-                    <p:cTn id="37" fill="hold">
-                      <p:stCondLst>
-                        <p:cond delay="indefinite"/>
-                      </p:stCondLst>
-                      <p:childTnLst>
-                        <p:par>
-                          <p:cTn id="38" fill="hold">
-                            <p:stCondLst>
-                              <p:cond delay="0"/>
-                            </p:stCondLst>
-                            <p:childTnLst>
-                              <p:par>
-                                <p:cTn id="39" presetClass="entr" nodeType="clickEffect" presetSubtype="0" presetID="1" grpId="1" fill="hold">
-                                  <p:stCondLst>
-                                    <p:cond delay="0"/>
-                                  </p:stCondLst>
-                                  <p:iterate type="el" backwards="0">
-                                    <p:tmAbs val="0"/>
-                                  </p:iterate>
-                                  <p:childTnLst>
-                                    <p:set>
-                                      <p:cBhvr>
-                                        <p:cTn id="40" fill="hold"/>
-                                        <p:tgtEl>
-                                          <p:spTgt spid="87">
-                                            <p:txEl>
-                                              <p:pRg st="8" end="8"/>
-                                            </p:txEl>
-                                          </p:spTgt>
-                                        </p:tgtEl>
-                                        <p:attrNameLst>
-                                          <p:attrName>style.visibility</p:attrName>
-                                        </p:attrNameLst>
-                                      </p:cBhvr>
-                                      <p:to>
-                                        <p:strVal val="visible"/>
-                                      </p:to>
-                                    </p:set>
-                                  </p:childTnLst>
-                                </p:cTn>
-                              </p:par>
-                            </p:childTnLst>
-                          </p:cTn>
-                        </p:par>
-                      </p:childTnLst>
-                    </p:cTn>
-                  </p:par>
-                  <p:par>
-                    <p:cTn id="41" fill="hold">
-                      <p:stCondLst>
-                        <p:cond delay="indefinite"/>
-                      </p:stCondLst>
-                      <p:childTnLst>
-                        <p:par>
-                          <p:cTn id="42" fill="hold">
-                            <p:stCondLst>
-                              <p:cond delay="0"/>
-                            </p:stCondLst>
-                            <p:childTnLst>
-                              <p:par>
-                                <p:cTn id="43" presetClass="entr" nodeType="clickEffect" presetSubtype="0" presetID="1" grpId="1" fill="hold">
-                                  <p:stCondLst>
-                                    <p:cond delay="0"/>
-                                  </p:stCondLst>
-                                  <p:iterate type="el" backwards="0">
-                                    <p:tmAbs val="0"/>
-                                  </p:iterate>
-                                  <p:childTnLst>
-                                    <p:set>
-                                      <p:cBhvr>
-                                        <p:cTn id="44" fill="hold"/>
-                                        <p:tgtEl>
-                                          <p:spTgt spid="87">
-                                            <p:txEl>
-                                              <p:pRg st="9" end="9"/>
-                                            </p:txEl>
-                                          </p:spTgt>
-                                        </p:tgtEl>
-                                        <p:attrNameLst>
-                                          <p:attrName>style.visibility</p:attrName>
-                                        </p:attrNameLst>
-                                      </p:cBhvr>
-                                      <p:to>
-                                        <p:strVal val="visible"/>
-                                      </p:to>
-                                    </p:set>
-                                  </p:childTnLst>
-                                </p:cTn>
-                              </p:par>
-                            </p:childTnLst>
-                          </p:cTn>
-                        </p:par>
-                      </p:childTnLst>
-                    </p:cTn>
-                  </p:par>
-                </p:childTnLst>
-              </p:cTn>
-              <p:prevCondLst>
-                <p:cond evt="onPrev">
-                  <p:tgtEl>
-                    <p:sldTgt/>
-                  </p:tgtEl>
-                </p:cond>
-              </p:prevCondLst>
-              <p:nextCondLst>
-                <p:cond evt="onNext">
-                  <p:tgtEl>
-                    <p:sldTgt/>
-                  </p:tgtEl>
-                </p:cond>
-              </p:nextCondLst>
-            </p:seq>
-          </p:childTnLst>
-        </p:cTn>
-      </p:par>
-    </p:tnLst>
-    <p:bldLst>
-      <p:bldP build="p" bldLvl="5" animBg="1" rev="0" advAuto="0" spid="87" grpId="1"/>
-    </p:bldLst>
-  </p:timing>
 </p:sld>
 </file>
 
@@ -3151,7 +2770,7 @@
       </p:grpSpPr>
       <p:sp>
         <p:nvSpPr>
-          <p:cNvPr id="92" name="Understanding Programs: 02"/>
+          <p:cNvPr id="92" name="Algo 05: Ramanujan 1729"/>
           <p:cNvSpPr txBox="1"/>
           <p:nvPr>
             <p:ph type="title"/>
@@ -3168,14 +2787,14 @@
           <a:p>
             <a:pPr/>
             <a:r>
-              <a:t>Understanding Programs: 02</a:t>
+              <a:t>Algo 05: Ramanujan 1729</a:t>
             </a:r>
           </a:p>
         </p:txBody>
       </p:sp>
       <p:sp>
         <p:nvSpPr>
-          <p:cNvPr id="93" name="What does following code segment outputs…"/>
+          <p:cNvPr id="93" name="Given n, find all possible values of a, b, c and d such that a3+b3=c3+d3 ≤ n,e.g.…"/>
           <p:cNvSpPr txBox="1"/>
           <p:nvPr>
             <p:ph type="body" idx="1"/>
@@ -3192,14 +2811,113 @@
           <a:p>
             <a:pPr/>
             <a:r>
-              <a:t>What does following code segment outputs</a:t>
-            </a:r>
-          </a:p>
-          <a:p>
-            <a:pPr marL="0" indent="0">
+              <a:t>Given n, find all possible values of a, b, c and d such that </a:t>
+            </a:r>
+            <a:r>
+              <a:rPr>
+                <a:latin typeface="Courier New"/>
+                <a:ea typeface="Courier New"/>
+                <a:cs typeface="Courier New"/>
+                <a:sym typeface="Courier New"/>
+              </a:rPr>
+              <a:t>a</a:t>
+            </a:r>
+            <a:r>
+              <a:rPr baseline="31999">
+                <a:latin typeface="Courier New"/>
+                <a:ea typeface="Courier New"/>
+                <a:cs typeface="Courier New"/>
+                <a:sym typeface="Courier New"/>
+              </a:rPr>
+              <a:t>3</a:t>
+            </a:r>
+            <a:r>
+              <a:rPr>
+                <a:latin typeface="Courier New"/>
+                <a:ea typeface="Courier New"/>
+                <a:cs typeface="Courier New"/>
+                <a:sym typeface="Courier New"/>
+              </a:rPr>
+              <a:t>+b</a:t>
+            </a:r>
+            <a:r>
+              <a:rPr baseline="31999">
+                <a:latin typeface="Courier New"/>
+                <a:ea typeface="Courier New"/>
+                <a:cs typeface="Courier New"/>
+                <a:sym typeface="Courier New"/>
+              </a:rPr>
+              <a:t>3</a:t>
+            </a:r>
+            <a:r>
+              <a:rPr>
+                <a:latin typeface="Courier New"/>
+                <a:ea typeface="Courier New"/>
+                <a:cs typeface="Courier New"/>
+                <a:sym typeface="Courier New"/>
+              </a:rPr>
+              <a:t>=c</a:t>
+            </a:r>
+            <a:r>
+              <a:rPr baseline="31999">
+                <a:latin typeface="Courier New"/>
+                <a:ea typeface="Courier New"/>
+                <a:cs typeface="Courier New"/>
+                <a:sym typeface="Courier New"/>
+              </a:rPr>
+              <a:t>3</a:t>
+            </a:r>
+            <a:r>
+              <a:rPr>
+                <a:latin typeface="Courier New"/>
+                <a:ea typeface="Courier New"/>
+                <a:cs typeface="Courier New"/>
+                <a:sym typeface="Courier New"/>
+              </a:rPr>
+              <a:t>+d</a:t>
+            </a:r>
+            <a:r>
+              <a:rPr baseline="31999">
+                <a:latin typeface="Courier New"/>
+                <a:ea typeface="Courier New"/>
+                <a:cs typeface="Courier New"/>
+                <a:sym typeface="Courier New"/>
+              </a:rPr>
+              <a:t>3</a:t>
+            </a:r>
+            <a:r>
+              <a:rPr>
+                <a:latin typeface="Courier New"/>
+                <a:ea typeface="Courier New"/>
+                <a:cs typeface="Courier New"/>
+                <a:sym typeface="Courier New"/>
+              </a:rPr>
+              <a:t> ≤ n,</a:t>
+            </a:r>
+            <a:r>
+              <a:rPr>
+                <a:latin typeface="Gill Sans MT"/>
+                <a:ea typeface="Gill Sans MT"/>
+                <a:cs typeface="Gill Sans MT"/>
+                <a:sym typeface="Gill Sans MT"/>
+              </a:rPr>
+              <a:t>e.g.</a:t>
+            </a:r>
+            <a:endParaRPr>
+              <a:latin typeface="Gill Sans MT"/>
+              <a:ea typeface="Gill Sans MT"/>
+              <a:cs typeface="Gill Sans MT"/>
+              <a:sym typeface="Gill Sans MT"/>
+            </a:endParaRPr>
+          </a:p>
+          <a:p>
+            <a:pPr lvl="3" marL="0" indent="685800">
+              <a:spcBef>
+                <a:spcPts val="600"/>
+              </a:spcBef>
               <a:buSzTx/>
               <a:buNone/>
-              <a:defRPr>
+              <a:defRPr sz="3000">
                 <a:latin typeface="Courier New"/>
                 <a:ea typeface="Courier New"/>
                 <a:cs typeface="Courier New"/>
@@ -3207,127 +2925,482 @@
               </a:defRPr>
             </a:pPr>
             <a:r>
-              <a:t>    </a:t>
-            </a:r>
-          </a:p>
-          <a:p>
-            <a:pPr marL="0" indent="0">
-              <a:buSzTx/>
-              <a:buNone/>
-              <a:defRPr>
-                <a:latin typeface="Courier New"/>
-                <a:ea typeface="Courier New"/>
-                <a:cs typeface="Courier New"/>
-                <a:sym typeface="Courier New"/>
+              <a:t>1</a:t>
+            </a:r>
+            <a:r>
+              <a:rPr baseline="31999"/>
+              <a:t>3</a:t>
+            </a:r>
+            <a:r>
+              <a:t>+12</a:t>
+            </a:r>
+            <a:r>
+              <a:rPr baseline="31999"/>
+              <a:t>3 </a:t>
+            </a:r>
+            <a:r>
+              <a:t>= 10</a:t>
+            </a:r>
+            <a:r>
+              <a:rPr baseline="31999"/>
+              <a:t>3</a:t>
+            </a:r>
+            <a:r>
+              <a:t>+9</a:t>
+            </a:r>
+            <a:r>
+              <a:rPr baseline="31999"/>
+              <a:t>3 </a:t>
+            </a:r>
+            <a:r>
+              <a:t>= 1729</a:t>
+            </a:r>
+          </a:p>
+          <a:p>
+            <a:pPr marL="342246" indent="-302558">
+              <a:spcBef>
+                <a:spcPts val="600"/>
+              </a:spcBef>
+              <a:defRPr sz="3000">
+                <a:latin typeface="Gill Sans MT"/>
+                <a:ea typeface="Gill Sans MT"/>
+                <a:cs typeface="Gill Sans MT"/>
+                <a:sym typeface="Gill Sans MT"/>
               </a:defRPr>
             </a:pPr>
             <a:r>
-              <a:t>    int n = 987654321;</a:t>
-            </a:r>
-          </a:p>
-          <a:p>
-            <a:pPr marL="0" indent="0">
-              <a:buSzTx/>
-              <a:buNone/>
+              <a:t>How should you proceed.</a:t>
+            </a:r>
+          </a:p>
+          <a:p>
+            <a:pPr lvl="1" marL="663178" indent="-267890">
+              <a:buChar char="•"/>
               <a:defRPr>
-                <a:latin typeface="Courier New"/>
-                <a:ea typeface="Courier New"/>
-                <a:cs typeface="Courier New"/>
-                <a:sym typeface="Courier New"/>
+                <a:latin typeface="Gill Sans MT"/>
+                <a:ea typeface="Gill Sans MT"/>
+                <a:cs typeface="Gill Sans MT"/>
+                <a:sym typeface="Gill Sans MT"/>
               </a:defRPr>
             </a:pPr>
             <a:r>
-              <a:t>    String s = "";</a:t>
-            </a:r>
-          </a:p>
-          <a:p>
-            <a:pPr marL="0" indent="0">
-              <a:buSzTx/>
-              <a:buNone/>
+              <a:t>Need 4 for loops</a:t>
+            </a:r>
+          </a:p>
+          <a:p>
+            <a:pPr lvl="1" marL="663178" indent="-267890">
+              <a:buChar char="•"/>
               <a:defRPr>
-                <a:latin typeface="Courier New"/>
-                <a:ea typeface="Courier New"/>
-                <a:cs typeface="Courier New"/>
-                <a:sym typeface="Courier New"/>
+                <a:latin typeface="Gill Sans MT"/>
+                <a:ea typeface="Gill Sans MT"/>
+                <a:cs typeface="Gill Sans MT"/>
+                <a:sym typeface="Gill Sans MT"/>
               </a:defRPr>
             </a:pPr>
             <a:r>
-              <a:t>    while (n &gt; 0) { </a:t>
-            </a:r>
-          </a:p>
-          <a:p>
-            <a:pPr marL="0" indent="0">
-              <a:buSzTx/>
-              <a:buNone/>
+              <a:t>First : </a:t>
+            </a:r>
+            <a:r>
+              <a:rPr>
+                <a:latin typeface="Courier New"/>
+                <a:ea typeface="Courier New"/>
+                <a:cs typeface="Courier New"/>
+                <a:sym typeface="Courier New"/>
+              </a:rPr>
+              <a:t>a=1</a:t>
+            </a:r>
+            <a:r>
+              <a:t> to </a:t>
+            </a:r>
+            <a:r>
+              <a:rPr>
+                <a:latin typeface="Courier New"/>
+                <a:ea typeface="Courier New"/>
+                <a:cs typeface="Courier New"/>
+                <a:sym typeface="Courier New"/>
+              </a:rPr>
+              <a:t>n</a:t>
+            </a:r>
+            <a:r>
+              <a:rPr baseline="31999">
+                <a:latin typeface="Courier New"/>
+                <a:ea typeface="Courier New"/>
+                <a:cs typeface="Courier New"/>
+                <a:sym typeface="Courier New"/>
+              </a:rPr>
+              <a:t>1/3</a:t>
+            </a:r>
+            <a:endParaRPr baseline="31999">
+              <a:latin typeface="Courier New"/>
+              <a:ea typeface="Courier New"/>
+              <a:cs typeface="Courier New"/>
+              <a:sym typeface="Courier New"/>
+            </a:endParaRPr>
+          </a:p>
+          <a:p>
+            <a:pPr lvl="1" marL="663178" indent="-267890">
+              <a:buChar char="•"/>
               <a:defRPr>
-                <a:latin typeface="Courier New"/>
-                <a:ea typeface="Courier New"/>
-                <a:cs typeface="Courier New"/>
-                <a:sym typeface="Courier New"/>
+                <a:latin typeface="Gill Sans MT"/>
+                <a:ea typeface="Gill Sans MT"/>
+                <a:cs typeface="Gill Sans MT"/>
+                <a:sym typeface="Gill Sans MT"/>
               </a:defRPr>
             </a:pPr>
             <a:r>
-              <a:t>        int digit = n % 10;</a:t>
-            </a:r>
-          </a:p>
-          <a:p>
-            <a:pPr marL="0" indent="0">
-              <a:buSzTx/>
-              <a:buNone/>
+              <a:t>Second: </a:t>
+            </a:r>
+            <a:r>
+              <a:rPr>
+                <a:latin typeface="Courier New"/>
+                <a:ea typeface="Courier New"/>
+                <a:cs typeface="Courier New"/>
+                <a:sym typeface="Courier New"/>
+              </a:rPr>
+              <a:t>b=a</a:t>
+            </a:r>
+            <a:r>
+              <a:t> to </a:t>
+            </a:r>
+            <a:r>
+              <a:rPr>
+                <a:latin typeface="Courier New"/>
+                <a:ea typeface="Courier New"/>
+                <a:cs typeface="Courier New"/>
+                <a:sym typeface="Courier New"/>
+              </a:rPr>
+              <a:t>n</a:t>
+            </a:r>
+            <a:r>
+              <a:rPr baseline="31999">
+                <a:latin typeface="Courier New"/>
+                <a:ea typeface="Courier New"/>
+                <a:cs typeface="Courier New"/>
+                <a:sym typeface="Courier New"/>
+              </a:rPr>
+              <a:t>1/3 </a:t>
+            </a:r>
+            <a:r>
+              <a:t>and</a:t>
+            </a:r>
+            <a:r>
+              <a:rPr>
+                <a:latin typeface="Courier New"/>
+                <a:ea typeface="Courier New"/>
+                <a:cs typeface="Courier New"/>
+                <a:sym typeface="Courier New"/>
+              </a:rPr>
+              <a:t> a</a:t>
+            </a:r>
+            <a:r>
+              <a:rPr baseline="31999">
+                <a:latin typeface="Courier New"/>
+                <a:ea typeface="Courier New"/>
+                <a:cs typeface="Courier New"/>
+                <a:sym typeface="Courier New"/>
+              </a:rPr>
+              <a:t>3</a:t>
+            </a:r>
+            <a:r>
+              <a:rPr>
+                <a:latin typeface="Courier New"/>
+                <a:ea typeface="Courier New"/>
+                <a:cs typeface="Courier New"/>
+                <a:sym typeface="Courier New"/>
+              </a:rPr>
+              <a:t>+b</a:t>
+            </a:r>
+            <a:r>
+              <a:rPr baseline="31999">
+                <a:latin typeface="Courier New"/>
+                <a:ea typeface="Courier New"/>
+                <a:cs typeface="Courier New"/>
+                <a:sym typeface="Courier New"/>
+              </a:rPr>
+              <a:t>3</a:t>
+            </a:r>
+            <a:r>
+              <a:rPr>
+                <a:latin typeface="Courier New"/>
+                <a:ea typeface="Courier New"/>
+                <a:cs typeface="Courier New"/>
+                <a:sym typeface="Courier New"/>
+              </a:rPr>
+              <a:t>&lt;=n</a:t>
+            </a:r>
+          </a:p>
+          <a:p>
+            <a:pPr lvl="1" marL="663178" indent="-267890">
+              <a:buChar char="•"/>
               <a:defRPr>
-                <a:latin typeface="Courier New"/>
-                <a:ea typeface="Courier New"/>
-                <a:cs typeface="Courier New"/>
-                <a:sym typeface="Courier New"/>
+                <a:latin typeface="Gill Sans MT"/>
+                <a:ea typeface="Gill Sans MT"/>
+                <a:cs typeface="Gill Sans MT"/>
+                <a:sym typeface="Gill Sans MT"/>
               </a:defRPr>
             </a:pPr>
             <a:r>
-              <a:t>        s = s + digit;</a:t>
-            </a:r>
-          </a:p>
-          <a:p>
-            <a:pPr marL="0" indent="0">
-              <a:buSzTx/>
-              <a:buNone/>
+              <a:t>Third: </a:t>
+            </a:r>
+            <a:r>
+              <a:rPr>
+                <a:latin typeface="Courier New"/>
+                <a:ea typeface="Courier New"/>
+                <a:cs typeface="Courier New"/>
+                <a:sym typeface="Courier New"/>
+              </a:rPr>
+              <a:t>c=a+1</a:t>
+            </a:r>
+            <a:r>
+              <a:t> to </a:t>
+            </a:r>
+            <a:r>
+              <a:rPr>
+                <a:latin typeface="Courier New"/>
+                <a:ea typeface="Courier New"/>
+                <a:cs typeface="Courier New"/>
+                <a:sym typeface="Courier New"/>
+              </a:rPr>
+              <a:t>n</a:t>
+            </a:r>
+            <a:r>
+              <a:rPr baseline="31999">
+                <a:latin typeface="Courier New"/>
+                <a:ea typeface="Courier New"/>
+                <a:cs typeface="Courier New"/>
+                <a:sym typeface="Courier New"/>
+              </a:rPr>
+              <a:t>1/3</a:t>
+            </a:r>
+          </a:p>
+          <a:p>
+            <a:pPr lvl="1" marL="663178" indent="-267890">
+              <a:buChar char="•"/>
               <a:defRPr>
-                <a:latin typeface="Courier New"/>
-                <a:ea typeface="Courier New"/>
-                <a:cs typeface="Courier New"/>
-                <a:sym typeface="Courier New"/>
+                <a:latin typeface="Gill Sans MT"/>
+                <a:ea typeface="Gill Sans MT"/>
+                <a:cs typeface="Gill Sans MT"/>
+                <a:sym typeface="Gill Sans MT"/>
               </a:defRPr>
             </a:pPr>
             <a:r>
-              <a:t>        n = n / 10;</a:t>
-            </a:r>
-          </a:p>
-          <a:p>
-            <a:pPr marL="0" indent="0">
-              <a:buSzTx/>
-              <a:buNone/>
+              <a:t>Fourth: </a:t>
+            </a:r>
+            <a:r>
+              <a:rPr>
+                <a:latin typeface="Courier New"/>
+                <a:ea typeface="Courier New"/>
+                <a:cs typeface="Courier New"/>
+                <a:sym typeface="Courier New"/>
+              </a:rPr>
+              <a:t>d=c</a:t>
+            </a:r>
+            <a:r>
+              <a:t> to </a:t>
+            </a:r>
+            <a:r>
+              <a:rPr>
+                <a:latin typeface="Courier New"/>
+                <a:ea typeface="Courier New"/>
+                <a:cs typeface="Courier New"/>
+                <a:sym typeface="Courier New"/>
+              </a:rPr>
+              <a:t>n</a:t>
+            </a:r>
+            <a:r>
+              <a:rPr baseline="31999">
+                <a:latin typeface="Courier New"/>
+                <a:ea typeface="Courier New"/>
+                <a:cs typeface="Courier New"/>
+                <a:sym typeface="Courier New"/>
+              </a:rPr>
+              <a:t>1/3 </a:t>
+            </a:r>
+            <a:r>
+              <a:t>and </a:t>
+            </a:r>
+            <a:r>
+              <a:rPr>
+                <a:latin typeface="Courier New"/>
+                <a:ea typeface="Courier New"/>
+                <a:cs typeface="Courier New"/>
+                <a:sym typeface="Courier New"/>
+              </a:rPr>
+              <a:t>c</a:t>
+            </a:r>
+            <a:r>
+              <a:rPr baseline="31999">
+                <a:latin typeface="Courier New"/>
+                <a:ea typeface="Courier New"/>
+                <a:cs typeface="Courier New"/>
+                <a:sym typeface="Courier New"/>
+              </a:rPr>
+              <a:t>3</a:t>
+            </a:r>
+            <a:r>
+              <a:rPr>
+                <a:latin typeface="Courier New"/>
+                <a:ea typeface="Courier New"/>
+                <a:cs typeface="Courier New"/>
+                <a:sym typeface="Courier New"/>
+              </a:rPr>
+              <a:t>+d</a:t>
+            </a:r>
+            <a:r>
+              <a:rPr baseline="31999">
+                <a:latin typeface="Courier New"/>
+                <a:ea typeface="Courier New"/>
+                <a:cs typeface="Courier New"/>
+                <a:sym typeface="Courier New"/>
+              </a:rPr>
+              <a:t>3</a:t>
+            </a:r>
+            <a:r>
+              <a:rPr>
+                <a:latin typeface="Courier New"/>
+                <a:ea typeface="Courier New"/>
+                <a:cs typeface="Courier New"/>
+                <a:sym typeface="Courier New"/>
+              </a:rPr>
+              <a:t> &lt; a</a:t>
+            </a:r>
+            <a:r>
+              <a:rPr baseline="31999">
+                <a:latin typeface="Courier New"/>
+                <a:ea typeface="Courier New"/>
+                <a:cs typeface="Courier New"/>
+                <a:sym typeface="Courier New"/>
+              </a:rPr>
+              <a:t>3</a:t>
+            </a:r>
+            <a:r>
+              <a:rPr>
+                <a:latin typeface="Courier New"/>
+                <a:ea typeface="Courier New"/>
+                <a:cs typeface="Courier New"/>
+                <a:sym typeface="Courier New"/>
+              </a:rPr>
+              <a:t>+b</a:t>
+            </a:r>
+            <a:r>
+              <a:rPr baseline="31999">
+                <a:latin typeface="Courier New"/>
+                <a:ea typeface="Courier New"/>
+                <a:cs typeface="Courier New"/>
+                <a:sym typeface="Courier New"/>
+              </a:rPr>
+              <a:t>3</a:t>
+            </a:r>
+          </a:p>
+          <a:p>
+            <a:pPr lvl="1" marL="663178" indent="-267890">
+              <a:buChar char="•"/>
               <a:defRPr>
-                <a:latin typeface="Courier New"/>
-                <a:ea typeface="Courier New"/>
-                <a:cs typeface="Courier New"/>
-                <a:sym typeface="Courier New"/>
+                <a:latin typeface="Gill Sans MT"/>
+                <a:ea typeface="Gill Sans MT"/>
+                <a:cs typeface="Gill Sans MT"/>
+                <a:sym typeface="Gill Sans MT"/>
               </a:defRPr>
             </a:pPr>
             <a:r>
-              <a:t>    }   </a:t>
-            </a:r>
-          </a:p>
-          <a:p>
-            <a:pPr marL="0" indent="0">
-              <a:buSzTx/>
-              <a:buNone/>
-              <a:defRPr>
-                <a:latin typeface="Courier New"/>
-                <a:ea typeface="Courier New"/>
-                <a:cs typeface="Courier New"/>
-                <a:sym typeface="Courier New"/>
+              <a:t>Output line:</a:t>
+            </a:r>
+          </a:p>
+          <a:p>
+            <a:pPr lvl="3" marL="1554616" indent="-244928">
+              <a:spcBef>
+                <a:spcPts val="600"/>
+              </a:spcBef>
+              <a:buChar char="•"/>
+              <a:defRPr sz="3000">
+                <a:latin typeface="Gill Sans MT"/>
+                <a:ea typeface="Gill Sans MT"/>
+                <a:cs typeface="Gill Sans MT"/>
+                <a:sym typeface="Gill Sans MT"/>
               </a:defRPr>
             </a:pPr>
             <a:r>
-              <a:t>    System.out.println(s);</a:t>
+              <a:rPr>
+                <a:latin typeface="Courier New"/>
+                <a:ea typeface="Courier New"/>
+                <a:cs typeface="Courier New"/>
+                <a:sym typeface="Courier New"/>
+              </a:rPr>
+              <a:t>c</a:t>
+            </a:r>
+            <a:r>
+              <a:rPr baseline="31999">
+                <a:latin typeface="Courier New"/>
+                <a:ea typeface="Courier New"/>
+                <a:cs typeface="Courier New"/>
+                <a:sym typeface="Courier New"/>
+              </a:rPr>
+              <a:t>3</a:t>
+            </a:r>
+            <a:r>
+              <a:rPr>
+                <a:latin typeface="Courier New"/>
+                <a:ea typeface="Courier New"/>
+                <a:cs typeface="Courier New"/>
+                <a:sym typeface="Courier New"/>
+              </a:rPr>
+              <a:t>+d</a:t>
+            </a:r>
+            <a:r>
+              <a:rPr baseline="31999">
+                <a:latin typeface="Courier New"/>
+                <a:ea typeface="Courier New"/>
+                <a:cs typeface="Courier New"/>
+                <a:sym typeface="Courier New"/>
+              </a:rPr>
+              <a:t>3</a:t>
+            </a:r>
+            <a:r>
+              <a:rPr>
+                <a:latin typeface="Courier New"/>
+                <a:ea typeface="Courier New"/>
+                <a:cs typeface="Courier New"/>
+                <a:sym typeface="Courier New"/>
+              </a:rPr>
+              <a:t> </a:t>
+            </a:r>
+            <a:r>
+              <a:t>equals</a:t>
+            </a:r>
+            <a:r>
+              <a:rPr>
+                <a:latin typeface="Courier New"/>
+                <a:ea typeface="Courier New"/>
+                <a:cs typeface="Courier New"/>
+                <a:sym typeface="Courier New"/>
+              </a:rPr>
+              <a:t> a</a:t>
+            </a:r>
+            <a:r>
+              <a:rPr baseline="31999">
+                <a:latin typeface="Courier New"/>
+                <a:ea typeface="Courier New"/>
+                <a:cs typeface="Courier New"/>
+                <a:sym typeface="Courier New"/>
+              </a:rPr>
+              <a:t>3</a:t>
+            </a:r>
+            <a:r>
+              <a:rPr>
+                <a:latin typeface="Courier New"/>
+                <a:ea typeface="Courier New"/>
+                <a:cs typeface="Courier New"/>
+                <a:sym typeface="Courier New"/>
+              </a:rPr>
+              <a:t>+b</a:t>
+            </a:r>
+            <a:r>
+              <a:rPr baseline="31999">
+                <a:latin typeface="Courier New"/>
+                <a:ea typeface="Courier New"/>
+                <a:cs typeface="Courier New"/>
+                <a:sym typeface="Courier New"/>
+              </a:rPr>
+              <a:t>3</a:t>
             </a:r>
           </a:p>
         </p:txBody>
@@ -4008,7 +4081,7 @@
       </p:grpSpPr>
       <p:sp>
         <p:nvSpPr>
-          <p:cNvPr id="98" name="Understanding Programs: 03"/>
+          <p:cNvPr id="98" name="Algo 05: Ramanujan 1729"/>
           <p:cNvSpPr txBox="1"/>
           <p:nvPr>
             <p:ph type="title"/>
@@ -4025,14 +4098,14 @@
           <a:p>
             <a:pPr/>
             <a:r>
-              <a:t>Understanding Programs: 03</a:t>
+              <a:t>Algo 05: Ramanujan 1729</a:t>
             </a:r>
           </a:p>
         </p:txBody>
       </p:sp>
       <p:sp>
         <p:nvSpPr>
-          <p:cNvPr id="99" name="What does following code segment outputs…"/>
+          <p:cNvPr id="99" name="for a=1; a3 ≤ n; a++…"/>
           <p:cNvSpPr txBox="1"/>
           <p:nvPr>
             <p:ph type="body" idx="1"/>
@@ -4047,144 +4120,468 @@
           <a:bodyPr/>
           <a:lstStyle/>
           <a:p>
-            <a:pPr/>
-            <a:r>
-              <a:t>What does following code segment outputs   </a:t>
-            </a:r>
-          </a:p>
-          <a:p>
             <a:pPr marL="0" indent="0">
+              <a:spcBef>
+                <a:spcPts val="600"/>
+              </a:spcBef>
+              <a:buSzTx/>
+              <a:buNone/>
+              <a:defRPr sz="3000">
+                <a:latin typeface="Gill Sans MT"/>
+                <a:ea typeface="Gill Sans MT"/>
+                <a:cs typeface="Gill Sans MT"/>
+                <a:sym typeface="Gill Sans MT"/>
+              </a:defRPr>
+            </a:pPr>
+            <a:r>
+              <a:t>for </a:t>
+            </a:r>
+            <a:r>
+              <a:rPr>
+                <a:latin typeface="Courier New"/>
+                <a:ea typeface="Courier New"/>
+                <a:cs typeface="Courier New"/>
+                <a:sym typeface="Courier New"/>
+              </a:rPr>
+              <a:t>a=1; a</a:t>
+            </a:r>
+            <a:r>
+              <a:rPr baseline="31999">
+                <a:latin typeface="Courier New"/>
+                <a:ea typeface="Courier New"/>
+                <a:cs typeface="Courier New"/>
+                <a:sym typeface="Courier New"/>
+              </a:rPr>
+              <a:t>3</a:t>
+            </a:r>
+            <a:r>
+              <a:t> </a:t>
+            </a:r>
+            <a:r>
+              <a:rPr>
+                <a:latin typeface="Courier New"/>
+                <a:ea typeface="Courier New"/>
+                <a:cs typeface="Courier New"/>
+                <a:sym typeface="Courier New"/>
+              </a:rPr>
+              <a:t>≤ n; a++</a:t>
+            </a:r>
+            <a:r>
+              <a:t> </a:t>
+            </a:r>
+          </a:p>
+          <a:p>
+            <a:pPr lvl="1" marL="0" indent="228600">
               <a:buSzTx/>
               <a:buNone/>
               <a:defRPr>
-                <a:latin typeface="Courier New"/>
-                <a:ea typeface="Courier New"/>
-                <a:cs typeface="Courier New"/>
-                <a:sym typeface="Courier New"/>
+                <a:latin typeface="Gill Sans MT"/>
+                <a:ea typeface="Gill Sans MT"/>
+                <a:cs typeface="Gill Sans MT"/>
+                <a:sym typeface="Gill Sans MT"/>
               </a:defRPr>
             </a:pPr>
             <a:r>
-              <a:t>    int num = 100;</a:t>
-            </a:r>
-          </a:p>
-          <a:p>
-            <a:pPr marL="0" indent="0">
+              <a:t>for </a:t>
+            </a:r>
+            <a:r>
+              <a:rPr>
+                <a:latin typeface="Courier New"/>
+                <a:ea typeface="Courier New"/>
+                <a:cs typeface="Courier New"/>
+                <a:sym typeface="Courier New"/>
+              </a:rPr>
+              <a:t>b=a; a</a:t>
+            </a:r>
+            <a:r>
+              <a:rPr baseline="31999">
+                <a:latin typeface="Courier New"/>
+                <a:ea typeface="Courier New"/>
+                <a:cs typeface="Courier New"/>
+                <a:sym typeface="Courier New"/>
+              </a:rPr>
+              <a:t>3</a:t>
+            </a:r>
+            <a:r>
+              <a:rPr>
+                <a:latin typeface="Courier New"/>
+                <a:ea typeface="Courier New"/>
+                <a:cs typeface="Courier New"/>
+                <a:sym typeface="Courier New"/>
+              </a:rPr>
+              <a:t>+b</a:t>
+            </a:r>
+            <a:r>
+              <a:rPr baseline="31999">
+                <a:latin typeface="Courier New"/>
+                <a:ea typeface="Courier New"/>
+                <a:cs typeface="Courier New"/>
+                <a:sym typeface="Courier New"/>
+              </a:rPr>
+              <a:t>3</a:t>
+            </a:r>
+            <a:r>
+              <a:t> </a:t>
+            </a:r>
+            <a:r>
+              <a:rPr>
+                <a:latin typeface="Courier New"/>
+                <a:ea typeface="Courier New"/>
+                <a:cs typeface="Courier New"/>
+                <a:sym typeface="Courier New"/>
+              </a:rPr>
+              <a:t>≤ n; b++</a:t>
+            </a:r>
+          </a:p>
+          <a:p>
+            <a:pPr lvl="2" marL="0" indent="457200">
+              <a:spcBef>
+                <a:spcPts val="600"/>
+              </a:spcBef>
               <a:buSzTx/>
               <a:buNone/>
-              <a:defRPr>
-                <a:latin typeface="Courier New"/>
-                <a:ea typeface="Courier New"/>
-                <a:cs typeface="Courier New"/>
-                <a:sym typeface="Courier New"/>
+              <a:defRPr sz="3000">
+                <a:latin typeface="Gill Sans MT"/>
+                <a:ea typeface="Gill Sans MT"/>
+                <a:cs typeface="Gill Sans MT"/>
+                <a:sym typeface="Gill Sans MT"/>
               </a:defRPr>
             </a:pPr>
             <a:r>
-              <a:t>    num = num++;</a:t>
-            </a:r>
-          </a:p>
-          <a:p>
-            <a:pPr marL="0" indent="0">
+              <a:t>for </a:t>
+            </a:r>
+            <a:r>
+              <a:rPr>
+                <a:latin typeface="Courier New"/>
+                <a:ea typeface="Courier New"/>
+                <a:cs typeface="Courier New"/>
+                <a:sym typeface="Courier New"/>
+              </a:rPr>
+              <a:t>c=a+1; c</a:t>
+            </a:r>
+            <a:r>
+              <a:rPr baseline="31999">
+                <a:latin typeface="Courier New"/>
+                <a:ea typeface="Courier New"/>
+                <a:cs typeface="Courier New"/>
+                <a:sym typeface="Courier New"/>
+              </a:rPr>
+              <a:t>3</a:t>
+            </a:r>
+            <a:r>
+              <a:t> </a:t>
+            </a:r>
+            <a:r>
+              <a:rPr>
+                <a:latin typeface="Courier New"/>
+                <a:ea typeface="Courier New"/>
+                <a:cs typeface="Courier New"/>
+                <a:sym typeface="Courier New"/>
+              </a:rPr>
+              <a:t>≤ n; c++</a:t>
+            </a:r>
+            <a:endParaRPr>
+              <a:latin typeface="Courier New"/>
+              <a:ea typeface="Courier New"/>
+              <a:cs typeface="Courier New"/>
+              <a:sym typeface="Courier New"/>
+            </a:endParaRPr>
+          </a:p>
+          <a:p>
+            <a:pPr lvl="3" marL="0" indent="685800">
+              <a:spcBef>
+                <a:spcPts val="600"/>
+              </a:spcBef>
               <a:buSzTx/>
               <a:buNone/>
-              <a:defRPr>
-                <a:latin typeface="Courier New"/>
-                <a:ea typeface="Courier New"/>
-                <a:cs typeface="Courier New"/>
-                <a:sym typeface="Courier New"/>
+              <a:defRPr sz="3000">
+                <a:latin typeface="Gill Sans MT"/>
+                <a:ea typeface="Gill Sans MT"/>
+                <a:cs typeface="Gill Sans MT"/>
+                <a:sym typeface="Gill Sans MT"/>
               </a:defRPr>
             </a:pPr>
             <a:r>
-              <a:t>    System.out.println(num);</a:t>
-            </a:r>
-          </a:p>
-          <a:p>
-            <a:pPr marL="0" indent="0">
+              <a:t>for </a:t>
+            </a:r>
+            <a:r>
+              <a:rPr>
+                <a:latin typeface="Courier New"/>
+                <a:ea typeface="Courier New"/>
+                <a:cs typeface="Courier New"/>
+                <a:sym typeface="Courier New"/>
+              </a:rPr>
+              <a:t>d=c;</a:t>
+            </a:r>
+            <a:r>
+              <a:t> </a:t>
+            </a:r>
+            <a:r>
+              <a:rPr>
+                <a:latin typeface="Courier New"/>
+                <a:ea typeface="Courier New"/>
+                <a:cs typeface="Courier New"/>
+                <a:sym typeface="Courier New"/>
+              </a:rPr>
+              <a:t>c</a:t>
+            </a:r>
+            <a:r>
+              <a:rPr baseline="31999">
+                <a:latin typeface="Courier New"/>
+                <a:ea typeface="Courier New"/>
+                <a:cs typeface="Courier New"/>
+                <a:sym typeface="Courier New"/>
+              </a:rPr>
+              <a:t>3</a:t>
+            </a:r>
+            <a:r>
+              <a:rPr>
+                <a:latin typeface="Courier New"/>
+                <a:ea typeface="Courier New"/>
+                <a:cs typeface="Courier New"/>
+                <a:sym typeface="Courier New"/>
+              </a:rPr>
+              <a:t>+d</a:t>
+            </a:r>
+            <a:r>
+              <a:rPr baseline="31999">
+                <a:latin typeface="Courier New"/>
+                <a:ea typeface="Courier New"/>
+                <a:cs typeface="Courier New"/>
+                <a:sym typeface="Courier New"/>
+              </a:rPr>
+              <a:t>3</a:t>
+            </a:r>
+            <a:r>
+              <a:t> </a:t>
+            </a:r>
+            <a:r>
+              <a:rPr>
+                <a:latin typeface="Courier New"/>
+                <a:ea typeface="Courier New"/>
+                <a:cs typeface="Courier New"/>
+                <a:sym typeface="Courier New"/>
+              </a:rPr>
+              <a:t>≤ a</a:t>
+            </a:r>
+            <a:r>
+              <a:rPr baseline="31999">
+                <a:latin typeface="Courier New"/>
+                <a:ea typeface="Courier New"/>
+                <a:cs typeface="Courier New"/>
+                <a:sym typeface="Courier New"/>
+              </a:rPr>
+              <a:t>3</a:t>
+            </a:r>
+            <a:r>
+              <a:rPr>
+                <a:latin typeface="Courier New"/>
+                <a:ea typeface="Courier New"/>
+                <a:cs typeface="Courier New"/>
+                <a:sym typeface="Courier New"/>
+              </a:rPr>
+              <a:t>+b</a:t>
+            </a:r>
+            <a:r>
+              <a:rPr baseline="31999">
+                <a:latin typeface="Courier New"/>
+                <a:ea typeface="Courier New"/>
+                <a:cs typeface="Courier New"/>
+                <a:sym typeface="Courier New"/>
+              </a:rPr>
+              <a:t>3</a:t>
+            </a:r>
+            <a:r>
+              <a:rPr>
+                <a:latin typeface="Courier New"/>
+                <a:ea typeface="Courier New"/>
+                <a:cs typeface="Courier New"/>
+                <a:sym typeface="Courier New"/>
+              </a:rPr>
+              <a:t>; d++</a:t>
+            </a:r>
+          </a:p>
+          <a:p>
+            <a:pPr lvl="4" marL="0" indent="914400">
+              <a:spcBef>
+                <a:spcPts val="600"/>
+              </a:spcBef>
               <a:buSzTx/>
               <a:buNone/>
-              <a:defRPr>
-                <a:latin typeface="Courier New"/>
-                <a:ea typeface="Courier New"/>
-                <a:cs typeface="Courier New"/>
-                <a:sym typeface="Courier New"/>
+              <a:defRPr sz="3000">
+                <a:latin typeface="Gill Sans MT"/>
+                <a:ea typeface="Gill Sans MT"/>
+                <a:cs typeface="Gill Sans MT"/>
+                <a:sym typeface="Gill Sans MT"/>
               </a:defRPr>
             </a:pPr>
             <a:r>
-              <a:t>    num = ++num;</a:t>
-            </a:r>
-          </a:p>
-          <a:p>
-            <a:pPr marL="0" indent="0">
+              <a:t>if </a:t>
+            </a:r>
+            <a:r>
+              <a:rPr>
+                <a:latin typeface="Courier New"/>
+                <a:ea typeface="Courier New"/>
+                <a:cs typeface="Courier New"/>
+                <a:sym typeface="Courier New"/>
+              </a:rPr>
+              <a:t>c</a:t>
+            </a:r>
+            <a:r>
+              <a:rPr baseline="31999">
+                <a:latin typeface="Courier New"/>
+                <a:ea typeface="Courier New"/>
+                <a:cs typeface="Courier New"/>
+                <a:sym typeface="Courier New"/>
+              </a:rPr>
+              <a:t>3</a:t>
+            </a:r>
+            <a:r>
+              <a:rPr>
+                <a:latin typeface="Courier New"/>
+                <a:ea typeface="Courier New"/>
+                <a:cs typeface="Courier New"/>
+                <a:sym typeface="Courier New"/>
+              </a:rPr>
+              <a:t>+d</a:t>
+            </a:r>
+            <a:r>
+              <a:rPr baseline="31999">
+                <a:latin typeface="Courier New"/>
+                <a:ea typeface="Courier New"/>
+                <a:cs typeface="Courier New"/>
+                <a:sym typeface="Courier New"/>
+              </a:rPr>
+              <a:t>3</a:t>
+            </a:r>
+            <a:r>
+              <a:rPr>
+                <a:latin typeface="Courier New"/>
+                <a:ea typeface="Courier New"/>
+                <a:cs typeface="Courier New"/>
+                <a:sym typeface="Courier New"/>
+              </a:rPr>
+              <a:t> == a</a:t>
+            </a:r>
+            <a:r>
+              <a:rPr baseline="31999">
+                <a:latin typeface="Courier New"/>
+                <a:ea typeface="Courier New"/>
+                <a:cs typeface="Courier New"/>
+                <a:sym typeface="Courier New"/>
+              </a:rPr>
+              <a:t>3</a:t>
+            </a:r>
+            <a:r>
+              <a:rPr>
+                <a:latin typeface="Courier New"/>
+                <a:ea typeface="Courier New"/>
+                <a:cs typeface="Courier New"/>
+                <a:sym typeface="Courier New"/>
+              </a:rPr>
+              <a:t>+b</a:t>
+            </a:r>
+            <a:r>
+              <a:rPr baseline="31999">
+                <a:latin typeface="Courier New"/>
+                <a:ea typeface="Courier New"/>
+                <a:cs typeface="Courier New"/>
+                <a:sym typeface="Courier New"/>
+              </a:rPr>
+              <a:t>3</a:t>
+            </a:r>
+            <a:r>
+              <a:t> then</a:t>
+            </a:r>
+          </a:p>
+          <a:p>
+            <a:pPr lvl="5" marL="0" indent="1143000">
+              <a:spcBef>
+                <a:spcPts val="600"/>
+              </a:spcBef>
               <a:buSzTx/>
               <a:buNone/>
-              <a:defRPr>
-                <a:latin typeface="Courier New"/>
-                <a:ea typeface="Courier New"/>
-                <a:cs typeface="Courier New"/>
-                <a:sym typeface="Courier New"/>
+              <a:defRPr sz="3000">
+                <a:latin typeface="Gill Sans MT"/>
+                <a:ea typeface="Gill Sans MT"/>
+                <a:cs typeface="Gill Sans MT"/>
+                <a:sym typeface="Gill Sans MT"/>
               </a:defRPr>
             </a:pPr>
             <a:r>
-              <a:t>    System.out.println(num);</a:t>
-            </a:r>
-          </a:p>
-          <a:p>
-            <a:pPr marL="0" indent="0">
-              <a:buSzTx/>
-              <a:buNone/>
-              <a:defRPr>
-                <a:latin typeface="Courier New"/>
-                <a:ea typeface="Courier New"/>
-                <a:cs typeface="Courier New"/>
-                <a:sym typeface="Courier New"/>
-              </a:defRPr>
-            </a:pPr>
-            <a:r>
-              <a:t>    num = num++ + num++;</a:t>
-            </a:r>
-          </a:p>
-          <a:p>
-            <a:pPr marL="0" indent="0">
-              <a:buSzTx/>
-              <a:buNone/>
-              <a:defRPr>
-                <a:latin typeface="Courier New"/>
-                <a:ea typeface="Courier New"/>
-                <a:cs typeface="Courier New"/>
-                <a:sym typeface="Courier New"/>
-              </a:defRPr>
-            </a:pPr>
-            <a:r>
-              <a:t>    System.out.println(num);</a:t>
-            </a:r>
-          </a:p>
-          <a:p>
-            <a:pPr marL="0" indent="0">
-              <a:buSzTx/>
-              <a:buNone/>
-              <a:defRPr>
-                <a:latin typeface="Courier New"/>
-                <a:ea typeface="Courier New"/>
-                <a:cs typeface="Courier New"/>
-                <a:sym typeface="Courier New"/>
-              </a:defRPr>
-            </a:pPr>
-            <a:r>
-              <a:t>    num = num++ + ++num;</a:t>
-            </a:r>
-          </a:p>
-          <a:p>
-            <a:pPr marL="0" indent="0">
-              <a:buSzTx/>
-              <a:buNone/>
-              <a:defRPr>
-                <a:latin typeface="Courier New"/>
-                <a:ea typeface="Courier New"/>
-                <a:cs typeface="Courier New"/>
-                <a:sym typeface="Courier New"/>
-              </a:defRPr>
-            </a:pPr>
-            <a:r>
-              <a:t>    System.out.println(num);</a:t>
+              <a:t>print </a:t>
+            </a:r>
+            <a:r>
+              <a:rPr>
+                <a:latin typeface="Courier New"/>
+                <a:ea typeface="Courier New"/>
+                <a:cs typeface="Courier New"/>
+                <a:sym typeface="Courier New"/>
+              </a:rPr>
+              <a:t>a</a:t>
+            </a:r>
+            <a:r>
+              <a:rPr baseline="31999">
+                <a:latin typeface="Courier New"/>
+                <a:ea typeface="Courier New"/>
+                <a:cs typeface="Courier New"/>
+                <a:sym typeface="Courier New"/>
+              </a:rPr>
+              <a:t>3 </a:t>
+            </a:r>
+            <a:r>
+              <a:rPr>
+                <a:latin typeface="Courier New"/>
+                <a:ea typeface="Courier New"/>
+                <a:cs typeface="Courier New"/>
+                <a:sym typeface="Courier New"/>
+              </a:rPr>
+              <a:t>+ b</a:t>
+            </a:r>
+            <a:r>
+              <a:rPr baseline="31999">
+                <a:latin typeface="Courier New"/>
+                <a:ea typeface="Courier New"/>
+                <a:cs typeface="Courier New"/>
+                <a:sym typeface="Courier New"/>
+              </a:rPr>
+              <a:t>3 </a:t>
+            </a:r>
+            <a:r>
+              <a:rPr>
+                <a:latin typeface="Courier New"/>
+                <a:ea typeface="Courier New"/>
+                <a:cs typeface="Courier New"/>
+                <a:sym typeface="Courier New"/>
+              </a:rPr>
+              <a:t>= c</a:t>
+            </a:r>
+            <a:r>
+              <a:rPr baseline="31999">
+                <a:latin typeface="Courier New"/>
+                <a:ea typeface="Courier New"/>
+                <a:cs typeface="Courier New"/>
+                <a:sym typeface="Courier New"/>
+              </a:rPr>
+              <a:t>3 </a:t>
+            </a:r>
+            <a:r>
+              <a:rPr>
+                <a:latin typeface="Courier New"/>
+                <a:ea typeface="Courier New"/>
+                <a:cs typeface="Courier New"/>
+                <a:sym typeface="Courier New"/>
+              </a:rPr>
+              <a:t>+ d</a:t>
+            </a:r>
+            <a:r>
+              <a:rPr baseline="31999">
+                <a:latin typeface="Courier New"/>
+                <a:ea typeface="Courier New"/>
+                <a:cs typeface="Courier New"/>
+                <a:sym typeface="Courier New"/>
+              </a:rPr>
+              <a:t>3</a:t>
             </a:r>
           </a:p>
         </p:txBody>
@@ -4626,246 +5023,6 @@
                       </p:childTnLst>
                     </p:cTn>
                   </p:par>
-                  <p:par>
-                    <p:cTn id="29" fill="hold">
-                      <p:stCondLst>
-                        <p:cond delay="indefinite"/>
-                      </p:stCondLst>
-                      <p:childTnLst>
-                        <p:par>
-                          <p:cTn id="30" fill="hold">
-                            <p:stCondLst>
-                              <p:cond delay="0"/>
-                            </p:stCondLst>
-                            <p:childTnLst>
-                              <p:par>
-                                <p:cTn id="31" presetClass="entr" nodeType="clickEffect" presetSubtype="0" presetID="1" grpId="1" fill="hold">
-                                  <p:stCondLst>
-                                    <p:cond delay="0"/>
-                                  </p:stCondLst>
-                                  <p:iterate type="el" backwards="0">
-                                    <p:tmAbs val="0"/>
-                                  </p:iterate>
-                                  <p:childTnLst>
-                                    <p:set>
-                                      <p:cBhvr>
-                                        <p:cTn id="32" fill="hold"/>
-                                        <p:tgtEl>
-                                          <p:spTgt spid="99">
-                                            <p:txEl>
-                                              <p:pRg st="6" end="6"/>
-                                            </p:txEl>
-                                          </p:spTgt>
-                                        </p:tgtEl>
-                                        <p:attrNameLst>
-                                          <p:attrName>style.visibility</p:attrName>
-                                        </p:attrNameLst>
-                                      </p:cBhvr>
-                                      <p:to>
-                                        <p:strVal val="visible"/>
-                                      </p:to>
-                                    </p:set>
-                                  </p:childTnLst>
-                                </p:cTn>
-                              </p:par>
-                            </p:childTnLst>
-                          </p:cTn>
-                        </p:par>
-                      </p:childTnLst>
-                    </p:cTn>
-                  </p:par>
-                  <p:par>
-                    <p:cTn id="33" fill="hold">
-                      <p:stCondLst>
-                        <p:cond delay="indefinite"/>
-                      </p:stCondLst>
-                      <p:childTnLst>
-                        <p:par>
-                          <p:cTn id="34" fill="hold">
-                            <p:stCondLst>
-                              <p:cond delay="0"/>
-                            </p:stCondLst>
-                            <p:childTnLst>
-                              <p:par>
-                                <p:cTn id="35" presetClass="entr" nodeType="clickEffect" presetSubtype="0" presetID="1" grpId="1" fill="hold">
-                                  <p:stCondLst>
-                                    <p:cond delay="0"/>
-                                  </p:stCondLst>
-                                  <p:iterate type="el" backwards="0">
-                                    <p:tmAbs val="0"/>
-                                  </p:iterate>
-                                  <p:childTnLst>
-                                    <p:set>
-                                      <p:cBhvr>
-                                        <p:cTn id="36" fill="hold"/>
-                                        <p:tgtEl>
-                                          <p:spTgt spid="99">
-                                            <p:txEl>
-                                              <p:pRg st="7" end="7"/>
-                                            </p:txEl>
-                                          </p:spTgt>
-                                        </p:tgtEl>
-                                        <p:attrNameLst>
-                                          <p:attrName>style.visibility</p:attrName>
-                                        </p:attrNameLst>
-                                      </p:cBhvr>
-                                      <p:to>
-                                        <p:strVal val="visible"/>
-                                      </p:to>
-                                    </p:set>
-                                  </p:childTnLst>
-                                </p:cTn>
-                              </p:par>
-                            </p:childTnLst>
-                          </p:cTn>
-                        </p:par>
-                      </p:childTnLst>
-                    </p:cTn>
-                  </p:par>
-                  <p:par>
-                    <p:cTn id="37" fill="hold">
-                      <p:stCondLst>
-                        <p:cond delay="indefinite"/>
-                      </p:stCondLst>
-                      <p:childTnLst>
-                        <p:par>
-                          <p:cTn id="38" fill="hold">
-                            <p:stCondLst>
-                              <p:cond delay="0"/>
-                            </p:stCondLst>
-                            <p:childTnLst>
-                              <p:par>
-                                <p:cTn id="39" presetClass="entr" nodeType="clickEffect" presetSubtype="0" presetID="1" grpId="1" fill="hold">
-                                  <p:stCondLst>
-                                    <p:cond delay="0"/>
-                                  </p:stCondLst>
-                                  <p:iterate type="el" backwards="0">
-                                    <p:tmAbs val="0"/>
-                                  </p:iterate>
-                                  <p:childTnLst>
-                                    <p:set>
-                                      <p:cBhvr>
-                                        <p:cTn id="40" fill="hold"/>
-                                        <p:tgtEl>
-                                          <p:spTgt spid="99">
-                                            <p:txEl>
-                                              <p:pRg st="8" end="8"/>
-                                            </p:txEl>
-                                          </p:spTgt>
-                                        </p:tgtEl>
-                                        <p:attrNameLst>
-                                          <p:attrName>style.visibility</p:attrName>
-                                        </p:attrNameLst>
-                                      </p:cBhvr>
-                                      <p:to>
-                                        <p:strVal val="visible"/>
-                                      </p:to>
-                                    </p:set>
-                                  </p:childTnLst>
-                                </p:cTn>
-                              </p:par>
-                            </p:childTnLst>
-                          </p:cTn>
-                        </p:par>
-                      </p:childTnLst>
-                    </p:cTn>
-                  </p:par>
-                  <p:par>
-                    <p:cTn id="41" fill="hold">
-                      <p:stCondLst>
-                        <p:cond delay="indefinite"/>
-                      </p:stCondLst>
-                      <p:childTnLst>
-                        <p:par>
-                          <p:cTn id="42" fill="hold">
-                            <p:stCondLst>
-                              <p:cond delay="0"/>
-                            </p:stCondLst>
-                            <p:childTnLst>
-                              <p:par>
-                                <p:cTn id="43" presetClass="entr" nodeType="clickEffect" presetSubtype="0" presetID="1" grpId="1" fill="hold">
-                                  <p:stCondLst>
-                                    <p:cond delay="0"/>
-                                  </p:stCondLst>
-                                  <p:iterate type="el" backwards="0">
-                                    <p:tmAbs val="0"/>
-                                  </p:iterate>
-                                  <p:childTnLst>
-                                    <p:set>
-                                      <p:cBhvr>
-                                        <p:cTn id="44" fill="hold"/>
-                                        <p:tgtEl>
-                                          <p:spTgt spid="99">
-                                            <p:txEl>
-                                              <p:pRg st="9" end="9"/>
-                                            </p:txEl>
-                                          </p:spTgt>
-                                        </p:tgtEl>
-                                        <p:attrNameLst>
-                                          <p:attrName>style.visibility</p:attrName>
-                                        </p:attrNameLst>
-                                      </p:cBhvr>
-                                      <p:to>
-                                        <p:strVal val="visible"/>
-                                      </p:to>
-                                    </p:set>
-                                  </p:childTnLst>
-                                </p:cTn>
-                              </p:par>
-                            </p:childTnLst>
-                          </p:cTn>
-                        </p:par>
-                      </p:childTnLst>
-                    </p:cTn>
-                  </p:par>
-                  <p:par>
-                    <p:cTn id="45" fill="hold">
-                      <p:stCondLst>
-                        <p:cond delay="indefinite"/>
-                      </p:stCondLst>
-                      <p:childTnLst>
-                        <p:par>
-                          <p:cTn id="46" fill="hold">
-                            <p:stCondLst>
-                              <p:cond delay="0"/>
-                            </p:stCondLst>
-                            <p:childTnLst>
-                              <p:par>
-                                <p:cTn id="47" presetClass="entr" nodeType="clickEffect" presetSubtype="0" presetID="1" grpId="1" fill="hold">
-                                  <p:stCondLst>
-                                    <p:cond delay="0"/>
-                                  </p:stCondLst>
-                                  <p:iterate type="el" backwards="0">
-                                    <p:tmAbs val="0"/>
-                                  </p:iterate>
-                                  <p:childTnLst>
-                                    <p:set>
-                                      <p:cBhvr>
-                                        <p:cTn id="48" fill="hold"/>
-                                        <p:tgtEl>
-                                          <p:spTgt spid="99">
-                                            <p:txEl>
-                                              <p:pRg st="10" end="10"/>
-                                            </p:txEl>
-                                          </p:spTgt>
-                                        </p:tgtEl>
-                                        <p:attrNameLst>
-                                          <p:attrName>style.visibility</p:attrName>
-                                        </p:attrNameLst>
-                                      </p:cBhvr>
-                                      <p:to>
-                                        <p:strVal val="visible"/>
-                                      </p:to>
-                                    </p:set>
-                                  </p:childTnLst>
-                                </p:cTn>
-                              </p:par>
-                            </p:childTnLst>
-                          </p:cTn>
-                        </p:par>
-                      </p:childTnLst>
-                    </p:cTn>
-                  </p:par>
                 </p:childTnLst>
               </p:cTn>
               <p:prevCondLst>
@@ -5301,7 +5458,7 @@
       </p:grpSpPr>
       <p:sp>
         <p:nvSpPr>
-          <p:cNvPr id="44" name="Algo 01a: Prime Factors"/>
+          <p:cNvPr id="44" name="Understanding Programs: 01"/>
           <p:cNvSpPr txBox="1"/>
           <p:nvPr>
             <p:ph type="title"/>
@@ -5318,14 +5475,14 @@
           <a:p>
             <a:pPr/>
             <a:r>
-              <a:t>Algo 01a: Prime Factors</a:t>
+              <a:t>Understanding Programs: 01</a:t>
             </a:r>
           </a:p>
         </p:txBody>
       </p:sp>
       <p:sp>
         <p:nvSpPr>
-          <p:cNvPr id="45" name="Given an integer n, find its prime factors…"/>
+          <p:cNvPr id="45" name="What does following code segment outputs…"/>
           <p:cNvSpPr txBox="1"/>
           <p:nvPr>
             <p:ph type="body" idx="1"/>
@@ -5342,7 +5499,7 @@
           <a:p>
             <a:pPr/>
             <a:r>
-              <a:t>Given an integer n, find its prime factors</a:t>
+              <a:t>What does following code segment outputs</a:t>
             </a:r>
           </a:p>
           <a:p>
@@ -5357,29 +5514,17 @@
               </a:defRPr>
             </a:pPr>
             <a:r>
-              <a:t>for </a:t>
-            </a:r>
-            <a:r>
-              <a:rPr>
-                <a:latin typeface="Gill Sans MT"/>
-                <a:ea typeface="Gill Sans MT"/>
-                <a:cs typeface="Gill Sans MT"/>
-                <a:sym typeface="Gill Sans MT"/>
-              </a:rPr>
-              <a:t>factor = 2 to n,</a:t>
-            </a:r>
-            <a:r>
-              <a:t> do</a:t>
-            </a:r>
-          </a:p>
-          <a:p>
-            <a:pPr lvl="2" marL="0" indent="457200">
+              <a:t>    </a:t>
+            </a:r>
+          </a:p>
+          <a:p>
+            <a:pPr lvl="4" marL="0" indent="914400">
               <a:spcBef>
-                <a:spcPts val="600"/>
+                <a:spcPts val="700"/>
               </a:spcBef>
               <a:buSzTx/>
               <a:buNone/>
-              <a:defRPr sz="3000">
+              <a:defRPr sz="3200">
                 <a:latin typeface="Courier New"/>
                 <a:ea typeface="Courier New"/>
                 <a:cs typeface="Courier New"/>
@@ -5387,29 +5532,14 @@
               </a:defRPr>
             </a:pPr>
             <a:r>
-              <a:t>while </a:t>
-            </a:r>
-            <a:r>
-              <a:rPr>
-                <a:latin typeface="Gill Sans MT"/>
-                <a:ea typeface="Gill Sans MT"/>
-                <a:cs typeface="Gill Sans MT"/>
-                <a:sym typeface="Gill Sans MT"/>
-              </a:rPr>
-              <a:t>remainder(n,factor) eq 0,</a:t>
-            </a:r>
-            <a:r>
-              <a:t> do</a:t>
-            </a:r>
-          </a:p>
-          <a:p>
-            <a:pPr lvl="4" marL="0" indent="914400">
-              <a:spcBef>
-                <a:spcPts val="600"/>
-              </a:spcBef>
+              <a:t>int n = 987654321;</a:t>
+            </a:r>
+          </a:p>
+          <a:p>
+            <a:pPr marL="0" indent="0">
               <a:buSzTx/>
               <a:buNone/>
-              <a:defRPr sz="3000">
+              <a:defRPr>
                 <a:latin typeface="Courier New"/>
                 <a:ea typeface="Courier New"/>
                 <a:cs typeface="Courier New"/>
@@ -5417,44 +5547,29 @@
               </a:defRPr>
             </a:pPr>
             <a:r>
-              <a:t>print </a:t>
-            </a:r>
-            <a:r>
-              <a:rPr>
-                <a:latin typeface="Gill Sans MT"/>
-                <a:ea typeface="Gill Sans MT"/>
-                <a:cs typeface="Gill Sans MT"/>
-                <a:sym typeface="Gill Sans MT"/>
-              </a:rPr>
-              <a:t>factor</a:t>
-            </a:r>
-          </a:p>
-          <a:p>
-            <a:pPr lvl="4" marL="0" indent="914400">
-              <a:spcBef>
-                <a:spcPts val="600"/>
-              </a:spcBef>
+              <a:t>    int digits = 0;</a:t>
+            </a:r>
+          </a:p>
+          <a:p>
+            <a:pPr marL="0" indent="0">
               <a:buSzTx/>
               <a:buNone/>
-              <a:defRPr sz="3000">
-                <a:latin typeface="Gill Sans MT"/>
-                <a:ea typeface="Gill Sans MT"/>
-                <a:cs typeface="Gill Sans MT"/>
-                <a:sym typeface="Gill Sans MT"/>
+              <a:defRPr>
+                <a:latin typeface="Courier New"/>
+                <a:ea typeface="Courier New"/>
+                <a:cs typeface="Courier New"/>
+                <a:sym typeface="Courier New"/>
               </a:defRPr>
             </a:pPr>
             <a:r>
-              <a:t>replace n by n/factor</a:t>
-            </a:r>
-          </a:p>
-          <a:p>
-            <a:pPr lvl="2" marL="0" indent="457200">
-              <a:spcBef>
-                <a:spcPts val="600"/>
-              </a:spcBef>
+              <a:t>    while (n &gt; 0) {</a:t>
+            </a:r>
+          </a:p>
+          <a:p>
+            <a:pPr marL="0" indent="0">
               <a:buSzTx/>
               <a:buNone/>
-              <a:defRPr sz="3000">
+              <a:defRPr>
                 <a:latin typeface="Courier New"/>
                 <a:ea typeface="Courier New"/>
                 <a:cs typeface="Courier New"/>
@@ -5462,32 +5577,14 @@
               </a:defRPr>
             </a:pPr>
             <a:r>
-              <a:t>done </a:t>
-            </a:r>
-            <a:r>
-              <a:rPr>
-                <a:latin typeface="Gill Sans MT"/>
-                <a:ea typeface="Gill Sans MT"/>
-                <a:cs typeface="Gill Sans MT"/>
-                <a:sym typeface="Gill Sans MT"/>
-              </a:rPr>
-              <a:t>//while</a:t>
-            </a:r>
-            <a:endParaRPr>
-              <a:latin typeface="Gill Sans MT"/>
-              <a:ea typeface="Gill Sans MT"/>
-              <a:cs typeface="Gill Sans MT"/>
-              <a:sym typeface="Gill Sans MT"/>
-            </a:endParaRPr>
+              <a:t>        n = n / 10; </a:t>
+            </a:r>
           </a:p>
           <a:p>
             <a:pPr marL="0" indent="0">
-              <a:spcBef>
-                <a:spcPts val="600"/>
-              </a:spcBef>
               <a:buSzTx/>
               <a:buNone/>
-              <a:defRPr sz="3000">
+              <a:defRPr>
                 <a:latin typeface="Courier New"/>
                 <a:ea typeface="Courier New"/>
                 <a:cs typeface="Courier New"/>
@@ -5495,41 +5592,44 @@
               </a:defRPr>
             </a:pPr>
             <a:r>
-              <a:t>done </a:t>
-            </a:r>
-            <a:r>
-              <a:rPr>
-                <a:latin typeface="Gill Sans MT"/>
-                <a:ea typeface="Gill Sans MT"/>
-                <a:cs typeface="Gill Sans MT"/>
-                <a:sym typeface="Gill Sans MT"/>
-              </a:rPr>
-              <a:t>//for</a:t>
+              <a:t>        digits++;</a:t>
             </a:r>
           </a:p>
           <a:p>
             <a:pPr marL="0" indent="0">
-              <a:spcBef>
-                <a:spcPts val="600"/>
-              </a:spcBef>
               <a:buSzTx/>
               <a:buNone/>
-              <a:defRPr sz="3000">
+              <a:defRPr>
                 <a:latin typeface="Courier New"/>
                 <a:ea typeface="Courier New"/>
                 <a:cs typeface="Courier New"/>
                 <a:sym typeface="Courier New"/>
               </a:defRPr>
             </a:pPr>
-          </a:p>
-          <a:p>
-            <a:pPr lvl="3" marL="0" indent="685800">
-              <a:spcBef>
-                <a:spcPts val="600"/>
-              </a:spcBef>
+            <a:r>
+              <a:t>    }   </a:t>
+            </a:r>
+          </a:p>
+          <a:p>
+            <a:pPr marL="0" indent="0">
               <a:buSzTx/>
               <a:buNone/>
-              <a:defRPr sz="3000">
+              <a:defRPr>
+                <a:latin typeface="Courier New"/>
+                <a:ea typeface="Courier New"/>
+                <a:cs typeface="Courier New"/>
+                <a:sym typeface="Courier New"/>
+              </a:defRPr>
+            </a:pPr>
+            <a:r>
+              <a:t>    System.out.println(digits);</a:t>
+            </a:r>
+          </a:p>
+          <a:p>
+            <a:pPr marL="0" indent="0">
+              <a:buSzTx/>
+              <a:buNone/>
+              <a:defRPr>
                 <a:latin typeface="Courier New"/>
                 <a:ea typeface="Courier New"/>
                 <a:cs typeface="Courier New"/>
@@ -6123,6 +6223,54 @@
                       </p:childTnLst>
                     </p:cTn>
                   </p:par>
+                  <p:par>
+                    <p:cTn id="41" fill="hold">
+                      <p:stCondLst>
+                        <p:cond delay="indefinite"/>
+                      </p:stCondLst>
+                      <p:childTnLst>
+                        <p:par>
+                          <p:cTn id="42" fill="hold">
+                            <p:stCondLst>
+                              <p:cond delay="0"/>
+                            </p:stCondLst>
+                            <p:childTnLst>
+                              <p:par>
+                                <p:cTn id="43" presetClass="entr" nodeType="clickEffect" presetSubtype="0" presetID="1" grpId="1" fill="hold">
+                                  <p:stCondLst>
+                                    <p:cond delay="0"/>
+                                  </p:stCondLst>
+                                  <p:iterate type="el" backwards="0">
+                                    <p:tmAbs val="0"/>
+                                  </p:iterate>
+                                  <p:childTnLst>
+                                    <p:set>
+                                      <p:cBhvr>
+                                        <p:cTn id="44" fill="hold"/>
+                                        <p:tgtEl>
+                                          <p:spTgt spid="45">
+                                            <p:txEl>
+                                              <p:pRg st="9" end="9"/>
+                                            </p:txEl>
+                                          </p:spTgt>
+                                        </p:tgtEl>
+                                        <p:attrNameLst>
+                                          <p:attrName>style.visibility</p:attrName>
+                                        </p:attrNameLst>
+                                      </p:cBhvr>
+                                      <p:to>
+                                        <p:strVal val="visible"/>
+                                      </p:to>
+                                    </p:set>
+                                  </p:childTnLst>
+                                </p:cTn>
+                              </p:par>
+                            </p:childTnLst>
+                          </p:cTn>
+                        </p:par>
+                      </p:childTnLst>
+                    </p:cTn>
+                  </p:par>
                 </p:childTnLst>
               </p:cTn>
               <p:prevCondLst>
@@ -6170,17 +6318,13 @@
       </p:grpSpPr>
       <p:sp>
         <p:nvSpPr>
-          <p:cNvPr id="50" name="Algo 01b: Prime Factors (improved)"/>
+          <p:cNvPr id="50" name="Understanding Programs: 02"/>
           <p:cNvSpPr txBox="1"/>
           <p:nvPr>
             <p:ph type="title"/>
           </p:nvPr>
         </p:nvSpPr>
         <p:spPr>
-          <a:xfrm>
-            <a:off x="762000" y="60325"/>
-            <a:ext cx="9097368" cy="952500"/>
-          </a:xfrm>
           <a:prstGeom prst="rect">
             <a:avLst/>
           </a:prstGeom>
@@ -6191,24 +6335,20 @@
           <a:p>
             <a:pPr/>
             <a:r>
-              <a:t>Algo 01b: Prime Factors (improved)</a:t>
+              <a:t>Understanding Programs: 02</a:t>
             </a:r>
           </a:p>
         </p:txBody>
       </p:sp>
       <p:sp>
         <p:nvSpPr>
-          <p:cNvPr id="51" name="Given an integer n, find its prime factors…"/>
+          <p:cNvPr id="51" name="What does following code segment outputs…"/>
           <p:cNvSpPr txBox="1"/>
           <p:nvPr>
             <p:ph type="body" idx="1"/>
           </p:nvPr>
         </p:nvSpPr>
         <p:spPr>
-          <a:xfrm>
-            <a:off x="426417" y="938113"/>
-            <a:ext cx="9307166" cy="5891610"/>
-          </a:xfrm>
           <a:prstGeom prst="rect">
             <a:avLst/>
           </a:prstGeom>
@@ -6219,7 +6359,7 @@
           <a:p>
             <a:pPr/>
             <a:r>
-              <a:t>Given an integer n, find its prime factors</a:t>
+              <a:t>What does following code segment outputs</a:t>
             </a:r>
           </a:p>
           <a:p>
@@ -6234,29 +6374,14 @@
               </a:defRPr>
             </a:pPr>
             <a:r>
-              <a:t>for </a:t>
-            </a:r>
-            <a:r>
-              <a:rPr>
-                <a:latin typeface="Gill Sans MT"/>
-                <a:ea typeface="Gill Sans MT"/>
-                <a:cs typeface="Gill Sans MT"/>
-                <a:sym typeface="Gill Sans MT"/>
-              </a:rPr>
-              <a:t>factor = 2 to sqrt(n)</a:t>
-            </a:r>
-            <a:r>
-              <a:t>, do</a:t>
-            </a:r>
-          </a:p>
-          <a:p>
-            <a:pPr lvl="2" marL="0" indent="457200">
-              <a:spcBef>
-                <a:spcPts val="600"/>
-              </a:spcBef>
+              <a:t>    </a:t>
+            </a:r>
+          </a:p>
+          <a:p>
+            <a:pPr marL="0" indent="0">
               <a:buSzTx/>
               <a:buNone/>
-              <a:defRPr sz="3000">
+              <a:defRPr>
                 <a:latin typeface="Courier New"/>
                 <a:ea typeface="Courier New"/>
                 <a:cs typeface="Courier New"/>
@@ -6264,29 +6389,14 @@
               </a:defRPr>
             </a:pPr>
             <a:r>
-              <a:t>while </a:t>
-            </a:r>
-            <a:r>
-              <a:rPr>
-                <a:latin typeface="Gill Sans MT"/>
-                <a:ea typeface="Gill Sans MT"/>
-                <a:cs typeface="Gill Sans MT"/>
-                <a:sym typeface="Gill Sans MT"/>
-              </a:rPr>
-              <a:t>remainder(n, factor)</a:t>
-            </a:r>
-            <a:r>
-              <a:t> eq 0, do</a:t>
-            </a:r>
-          </a:p>
-          <a:p>
-            <a:pPr lvl="4" marL="0" indent="914400">
-              <a:spcBef>
-                <a:spcPts val="600"/>
-              </a:spcBef>
+              <a:t>    int n = 987654321;</a:t>
+            </a:r>
+          </a:p>
+          <a:p>
+            <a:pPr marL="0" indent="0">
               <a:buSzTx/>
               <a:buNone/>
-              <a:defRPr sz="3000">
+              <a:defRPr>
                 <a:latin typeface="Courier New"/>
                 <a:ea typeface="Courier New"/>
                 <a:cs typeface="Courier New"/>
@@ -6294,26 +6404,14 @@
               </a:defRPr>
             </a:pPr>
             <a:r>
-              <a:t>print </a:t>
-            </a:r>
-            <a:r>
-              <a:rPr>
-                <a:latin typeface="Gill Sans MT"/>
-                <a:ea typeface="Gill Sans MT"/>
-                <a:cs typeface="Gill Sans MT"/>
-                <a:sym typeface="Gill Sans MT"/>
-              </a:rPr>
-              <a:t>factor</a:t>
-            </a:r>
-          </a:p>
-          <a:p>
-            <a:pPr lvl="4" marL="0" indent="914400">
-              <a:spcBef>
-                <a:spcPts val="600"/>
-              </a:spcBef>
+              <a:t>    String s = "";</a:t>
+            </a:r>
+          </a:p>
+          <a:p>
+            <a:pPr marL="0" indent="0">
               <a:buSzTx/>
               <a:buNone/>
-              <a:defRPr sz="3000">
+              <a:defRPr>
                 <a:latin typeface="Courier New"/>
                 <a:ea typeface="Courier New"/>
                 <a:cs typeface="Courier New"/>
@@ -6321,38 +6419,14 @@
               </a:defRPr>
             </a:pPr>
             <a:r>
-              <a:rPr>
-                <a:latin typeface="Gill Sans MT"/>
-                <a:ea typeface="Gill Sans MT"/>
-                <a:cs typeface="Gill Sans MT"/>
-                <a:sym typeface="Gill Sans MT"/>
-              </a:rPr>
-              <a:t>replace</a:t>
-            </a:r>
-            <a:r>
-              <a:t> n </a:t>
-            </a:r>
-            <a:r>
-              <a:rPr>
-                <a:latin typeface="Gill Sans MT"/>
-                <a:ea typeface="Gill Sans MT"/>
-                <a:cs typeface="Gill Sans MT"/>
-                <a:sym typeface="Gill Sans MT"/>
-              </a:rPr>
-              <a:t>by</a:t>
-            </a:r>
-            <a:r>
-              <a:t> n/factor</a:t>
-            </a:r>
-          </a:p>
-          <a:p>
-            <a:pPr lvl="2" marL="0" indent="457200">
-              <a:spcBef>
-                <a:spcPts val="600"/>
-              </a:spcBef>
+              <a:t>    while (n &gt; 0) { </a:t>
+            </a:r>
+          </a:p>
+          <a:p>
+            <a:pPr marL="0" indent="0">
               <a:buSzTx/>
               <a:buNone/>
-              <a:defRPr sz="3000">
+              <a:defRPr>
                 <a:latin typeface="Courier New"/>
                 <a:ea typeface="Courier New"/>
                 <a:cs typeface="Courier New"/>
@@ -6360,26 +6434,14 @@
               </a:defRPr>
             </a:pPr>
             <a:r>
-              <a:t>done </a:t>
-            </a:r>
-            <a:r>
-              <a:rPr>
-                <a:latin typeface="Gill Sans MT"/>
-                <a:ea typeface="Gill Sans MT"/>
-                <a:cs typeface="Gill Sans MT"/>
-                <a:sym typeface="Gill Sans MT"/>
-              </a:rPr>
-              <a:t>//while</a:t>
+              <a:t>        int digit = n % 10;</a:t>
             </a:r>
           </a:p>
           <a:p>
             <a:pPr marL="0" indent="0">
-              <a:spcBef>
-                <a:spcPts val="600"/>
-              </a:spcBef>
               <a:buSzTx/>
               <a:buNone/>
-              <a:defRPr sz="3000">
+              <a:defRPr>
                 <a:latin typeface="Courier New"/>
                 <a:ea typeface="Courier New"/>
                 <a:cs typeface="Courier New"/>
@@ -6387,26 +6449,14 @@
               </a:defRPr>
             </a:pPr>
             <a:r>
-              <a:t>done </a:t>
-            </a:r>
-            <a:r>
-              <a:rPr>
-                <a:latin typeface="Gill Sans MT"/>
-                <a:ea typeface="Gill Sans MT"/>
-                <a:cs typeface="Gill Sans MT"/>
-                <a:sym typeface="Gill Sans MT"/>
-              </a:rPr>
-              <a:t>// for</a:t>
+              <a:t>        s = s + digit;</a:t>
             </a:r>
           </a:p>
           <a:p>
             <a:pPr marL="0" indent="0">
-              <a:spcBef>
-                <a:spcPts val="600"/>
-              </a:spcBef>
               <a:buSzTx/>
               <a:buNone/>
-              <a:defRPr sz="3000">
+              <a:defRPr>
                 <a:latin typeface="Courier New"/>
                 <a:ea typeface="Courier New"/>
                 <a:cs typeface="Courier New"/>
@@ -6414,47 +6464,14 @@
               </a:defRPr>
             </a:pPr>
             <a:r>
-              <a:t>if </a:t>
-            </a:r>
-            <a:r>
-              <a:rPr>
-                <a:latin typeface="Gill Sans MT"/>
-                <a:ea typeface="Gill Sans MT"/>
-                <a:cs typeface="Gill Sans MT"/>
-                <a:sym typeface="Gill Sans MT"/>
-              </a:rPr>
-              <a:t>n is greater than </a:t>
-            </a:r>
-            <a:r>
-              <a:rPr>
-                <a:latin typeface="Arial"/>
-                <a:ea typeface="Arial"/>
-                <a:cs typeface="Arial"/>
-                <a:sym typeface="Arial"/>
-              </a:rPr>
-              <a:t>1</a:t>
-            </a:r>
-            <a:r>
-              <a:rPr>
-                <a:latin typeface="Gill Sans MT"/>
-                <a:ea typeface="Gill Sans MT"/>
-                <a:cs typeface="Gill Sans MT"/>
-                <a:sym typeface="Gill Sans MT"/>
-              </a:rPr>
-              <a:t>,</a:t>
-            </a:r>
-            <a:r>
-              <a:t> then</a:t>
-            </a:r>
-          </a:p>
-          <a:p>
-            <a:pPr lvl="2" marL="0" indent="457200">
-              <a:spcBef>
-                <a:spcPts val="600"/>
-              </a:spcBef>
+              <a:t>        n = n / 10;</a:t>
+            </a:r>
+          </a:p>
+          <a:p>
+            <a:pPr marL="0" indent="0">
               <a:buSzTx/>
               <a:buNone/>
-              <a:defRPr sz="3000">
+              <a:defRPr>
                 <a:latin typeface="Courier New"/>
                 <a:ea typeface="Courier New"/>
                 <a:cs typeface="Courier New"/>
@@ -6462,17 +6479,14 @@
               </a:defRPr>
             </a:pPr>
             <a:r>
-              <a:t>print n</a:t>
+              <a:t>    }   </a:t>
             </a:r>
           </a:p>
           <a:p>
             <a:pPr marL="0" indent="0">
-              <a:spcBef>
-                <a:spcPts val="600"/>
-              </a:spcBef>
               <a:buSzTx/>
               <a:buNone/>
-              <a:defRPr sz="3000">
+              <a:defRPr>
                 <a:latin typeface="Courier New"/>
                 <a:ea typeface="Courier New"/>
                 <a:cs typeface="Courier New"/>
@@ -6480,43 +6494,7 @@
               </a:defRPr>
             </a:pPr>
             <a:r>
-              <a:t>fi</a:t>
-            </a:r>
-          </a:p>
-          <a:p>
-            <a:pPr marL="0" indent="0">
-              <a:spcBef>
-                <a:spcPts val="600"/>
-              </a:spcBef>
-              <a:buSzTx/>
-              <a:buNone/>
-              <a:defRPr sz="3000">
-                <a:latin typeface="Courier New"/>
-                <a:ea typeface="Courier New"/>
-                <a:cs typeface="Courier New"/>
-                <a:sym typeface="Courier New"/>
-              </a:defRPr>
-            </a:pPr>
-            <a:r>
-              <a:t> </a:t>
-            </a:r>
-          </a:p>
-          <a:p>
-            <a:pPr lvl="3" marL="0" indent="685800">
-              <a:spcBef>
-                <a:spcPts val="600"/>
-              </a:spcBef>
-              <a:buSzTx/>
-              <a:buNone/>
-              <a:defRPr sz="3000">
-                <a:latin typeface="Courier New"/>
-                <a:ea typeface="Courier New"/>
-                <a:cs typeface="Courier New"/>
-                <a:sym typeface="Courier New"/>
-              </a:defRPr>
-            </a:pPr>
-            <a:r>
-              <a:t> </a:t>
+              <a:t>    System.out.println(s);</a:t>
             </a:r>
           </a:p>
         </p:txBody>
@@ -7150,6 +7128,863 @@
                       </p:childTnLst>
                     </p:cTn>
                   </p:par>
+                </p:childTnLst>
+              </p:cTn>
+              <p:prevCondLst>
+                <p:cond evt="onPrev">
+                  <p:tgtEl>
+                    <p:sldTgt/>
+                  </p:tgtEl>
+                </p:cond>
+              </p:prevCondLst>
+              <p:nextCondLst>
+                <p:cond evt="onNext">
+                  <p:tgtEl>
+                    <p:sldTgt/>
+                  </p:tgtEl>
+                </p:cond>
+              </p:nextCondLst>
+            </p:seq>
+          </p:childTnLst>
+        </p:cTn>
+      </p:par>
+    </p:tnLst>
+    <p:bldLst>
+      <p:bldP build="p" bldLvl="5" animBg="1" rev="0" advAuto="0" spid="51" grpId="1"/>
+    </p:bldLst>
+  </p:timing>
+</p:sld>
+</file>
+
+<file path=ppt/slides/slide5.xml><?xml version="1.0" encoding="utf-8"?>
+<p:sld xmlns:a="http://schemas.openxmlformats.org/drawingml/2006/main" xmlns:r="http://schemas.openxmlformats.org/officeDocument/2006/relationships" xmlns:p="http://schemas.openxmlformats.org/presentationml/2006/main" xmlns:m="http://schemas.openxmlformats.org/officeDocument/2006/math" xmlns:a14="http://schemas.microsoft.com/office/drawing/2010/main" showMasterSp="1" showMasterPhAnim="1">
+  <p:cSld>
+    <p:spTree>
+      <p:nvGrpSpPr>
+        <p:cNvPr id="1" name=""/>
+        <p:cNvGrpSpPr/>
+        <p:nvPr/>
+      </p:nvGrpSpPr>
+      <p:grpSpPr>
+        <a:xfrm>
+          <a:off x="0" y="0"/>
+          <a:ext cx="0" cy="0"/>
+          <a:chOff x="0" y="0"/>
+          <a:chExt cx="0" cy="0"/>
+        </a:xfrm>
+      </p:grpSpPr>
+      <p:sp>
+        <p:nvSpPr>
+          <p:cNvPr id="56" name="Understanding Programs: 03"/>
+          <p:cNvSpPr txBox="1"/>
+          <p:nvPr>
+            <p:ph type="title"/>
+          </p:nvPr>
+        </p:nvSpPr>
+        <p:spPr>
+          <a:prstGeom prst="rect">
+            <a:avLst/>
+          </a:prstGeom>
+        </p:spPr>
+        <p:txBody>
+          <a:bodyPr/>
+          <a:lstStyle/>
+          <a:p>
+            <a:pPr/>
+            <a:r>
+              <a:t>Understanding Programs: 03</a:t>
+            </a:r>
+          </a:p>
+        </p:txBody>
+      </p:sp>
+      <p:sp>
+        <p:nvSpPr>
+          <p:cNvPr id="57" name="What does following code segment outputs…"/>
+          <p:cNvSpPr txBox="1"/>
+          <p:nvPr>
+            <p:ph type="body" idx="1"/>
+          </p:nvPr>
+        </p:nvSpPr>
+        <p:spPr>
+          <a:prstGeom prst="rect">
+            <a:avLst/>
+          </a:prstGeom>
+        </p:spPr>
+        <p:txBody>
+          <a:bodyPr/>
+          <a:lstStyle/>
+          <a:p>
+            <a:pPr/>
+            <a:r>
+              <a:t>What does following code segment outputs   </a:t>
+            </a:r>
+          </a:p>
+          <a:p>
+            <a:pPr marL="0" indent="0">
+              <a:buSzTx/>
+              <a:buNone/>
+              <a:defRPr>
+                <a:latin typeface="Courier New"/>
+                <a:ea typeface="Courier New"/>
+                <a:cs typeface="Courier New"/>
+                <a:sym typeface="Courier New"/>
+              </a:defRPr>
+            </a:pPr>
+            <a:r>
+              <a:t>    int num = 100;</a:t>
+            </a:r>
+          </a:p>
+          <a:p>
+            <a:pPr marL="0" indent="0">
+              <a:buSzTx/>
+              <a:buNone/>
+              <a:defRPr>
+                <a:latin typeface="Courier New"/>
+                <a:ea typeface="Courier New"/>
+                <a:cs typeface="Courier New"/>
+                <a:sym typeface="Courier New"/>
+              </a:defRPr>
+            </a:pPr>
+            <a:r>
+              <a:t>    num = num++;</a:t>
+            </a:r>
+          </a:p>
+          <a:p>
+            <a:pPr marL="0" indent="0">
+              <a:buSzTx/>
+              <a:buNone/>
+              <a:defRPr>
+                <a:latin typeface="Courier New"/>
+                <a:ea typeface="Courier New"/>
+                <a:cs typeface="Courier New"/>
+                <a:sym typeface="Courier New"/>
+              </a:defRPr>
+            </a:pPr>
+            <a:r>
+              <a:t>    System.out.println(num);</a:t>
+            </a:r>
+          </a:p>
+          <a:p>
+            <a:pPr marL="0" indent="0">
+              <a:buSzTx/>
+              <a:buNone/>
+              <a:defRPr>
+                <a:latin typeface="Courier New"/>
+                <a:ea typeface="Courier New"/>
+                <a:cs typeface="Courier New"/>
+                <a:sym typeface="Courier New"/>
+              </a:defRPr>
+            </a:pPr>
+            <a:r>
+              <a:t>    num = ++num;</a:t>
+            </a:r>
+          </a:p>
+          <a:p>
+            <a:pPr marL="0" indent="0">
+              <a:buSzTx/>
+              <a:buNone/>
+              <a:defRPr>
+                <a:latin typeface="Courier New"/>
+                <a:ea typeface="Courier New"/>
+                <a:cs typeface="Courier New"/>
+                <a:sym typeface="Courier New"/>
+              </a:defRPr>
+            </a:pPr>
+            <a:r>
+              <a:t>    System.out.println(num);</a:t>
+            </a:r>
+          </a:p>
+          <a:p>
+            <a:pPr marL="0" indent="0">
+              <a:buSzTx/>
+              <a:buNone/>
+              <a:defRPr>
+                <a:latin typeface="Courier New"/>
+                <a:ea typeface="Courier New"/>
+                <a:cs typeface="Courier New"/>
+                <a:sym typeface="Courier New"/>
+              </a:defRPr>
+            </a:pPr>
+            <a:r>
+              <a:t>    num = num++ + num++;</a:t>
+            </a:r>
+          </a:p>
+          <a:p>
+            <a:pPr marL="0" indent="0">
+              <a:buSzTx/>
+              <a:buNone/>
+              <a:defRPr>
+                <a:latin typeface="Courier New"/>
+                <a:ea typeface="Courier New"/>
+                <a:cs typeface="Courier New"/>
+                <a:sym typeface="Courier New"/>
+              </a:defRPr>
+            </a:pPr>
+            <a:r>
+              <a:t>    System.out.println(num);</a:t>
+            </a:r>
+          </a:p>
+          <a:p>
+            <a:pPr marL="0" indent="0">
+              <a:buSzTx/>
+              <a:buNone/>
+              <a:defRPr>
+                <a:latin typeface="Courier New"/>
+                <a:ea typeface="Courier New"/>
+                <a:cs typeface="Courier New"/>
+                <a:sym typeface="Courier New"/>
+              </a:defRPr>
+            </a:pPr>
+            <a:r>
+              <a:t>    num = num++ + ++num;</a:t>
+            </a:r>
+          </a:p>
+          <a:p>
+            <a:pPr marL="0" indent="0">
+              <a:buSzTx/>
+              <a:buNone/>
+              <a:defRPr>
+                <a:latin typeface="Courier New"/>
+                <a:ea typeface="Courier New"/>
+                <a:cs typeface="Courier New"/>
+                <a:sym typeface="Courier New"/>
+              </a:defRPr>
+            </a:pPr>
+            <a:r>
+              <a:t>    System.out.println(num);</a:t>
+            </a:r>
+          </a:p>
+        </p:txBody>
+      </p:sp>
+      <p:sp>
+        <p:nvSpPr>
+          <p:cNvPr id="58" name="Slide Number"/>
+          <p:cNvSpPr txBox="1"/>
+          <p:nvPr>
+            <p:ph type="sldNum" sz="quarter" idx="2"/>
+          </p:nvPr>
+        </p:nvSpPr>
+        <p:spPr>
+          <a:prstGeom prst="rect">
+            <a:avLst/>
+          </a:prstGeom>
+          <a:extLst>
+            <a:ext uri="{C572A759-6A51-4108-AA02-DFA0A04FC94B}">
+              <ma14:wrappingTextBoxFlag xmlns:ma14="http://schemas.microsoft.com/office/mac/drawingml/2011/main" val="1"/>
+            </a:ext>
+          </a:extLst>
+        </p:spPr>
+        <p:txBody>
+          <a:bodyPr/>
+          <a:lstStyle/>
+          <a:p>
+            <a:pPr/>
+            <a:fld id="{86CB4B4D-7CA3-9044-876B-883B54F8677D}" type="slidenum"/>
+          </a:p>
+        </p:txBody>
+      </p:sp>
+      <p:sp>
+        <p:nvSpPr>
+          <p:cNvPr id="59" name="DAA/Algorithm Practice Exercises"/>
+          <p:cNvSpPr txBox="1"/>
+          <p:nvPr/>
+        </p:nvSpPr>
+        <p:spPr>
+          <a:xfrm>
+            <a:off x="423212" y="6963885"/>
+            <a:ext cx="4471701" cy="431552"/>
+          </a:xfrm>
+          <a:prstGeom prst="rect">
+            <a:avLst/>
+          </a:prstGeom>
+          <a:ln w="12700">
+            <a:miter lim="400000"/>
+          </a:ln>
+          <a:extLst>
+            <a:ext uri="{C572A759-6A51-4108-AA02-DFA0A04FC94B}">
+              <ma14:wrappingTextBoxFlag xmlns:ma14="http://schemas.microsoft.com/office/mac/drawingml/2011/main" val="1"/>
+            </a:ext>
+          </a:extLst>
+        </p:spPr>
+        <p:txBody>
+          <a:bodyPr wrap="none" lIns="50800" tIns="50800" rIns="50800" bIns="50800" anchor="ctr">
+            <a:spAutoFit/>
+          </a:bodyPr>
+          <a:lstStyle>
+            <a:lvl1pPr>
+              <a:defRPr sz="2400"/>
+            </a:lvl1pPr>
+          </a:lstStyle>
+          <a:p>
+            <a:pPr/>
+            <a:r>
+              <a:t>DAA/Algorithm Practice Exercises</a:t>
+            </a:r>
+          </a:p>
+        </p:txBody>
+      </p:sp>
+      <p:sp>
+        <p:nvSpPr>
+          <p:cNvPr id="60" name="RPR/"/>
+          <p:cNvSpPr txBox="1"/>
+          <p:nvPr/>
+        </p:nvSpPr>
+        <p:spPr>
+          <a:xfrm>
+            <a:off x="7535212" y="6988206"/>
+            <a:ext cx="705605" cy="382910"/>
+          </a:xfrm>
+          <a:prstGeom prst="rect">
+            <a:avLst/>
+          </a:prstGeom>
+          <a:ln w="12700">
+            <a:miter lim="400000"/>
+          </a:ln>
+          <a:extLst>
+            <a:ext uri="{C572A759-6A51-4108-AA02-DFA0A04FC94B}">
+              <ma14:wrappingTextBoxFlag xmlns:ma14="http://schemas.microsoft.com/office/mac/drawingml/2011/main" val="1"/>
+            </a:ext>
+          </a:extLst>
+        </p:spPr>
+        <p:txBody>
+          <a:bodyPr wrap="none" lIns="50800" tIns="50800" rIns="50800" bIns="50800" anchor="ctr">
+            <a:spAutoFit/>
+          </a:bodyPr>
+          <a:lstStyle>
+            <a:lvl1pPr>
+              <a:defRPr sz="2000"/>
+            </a:lvl1pPr>
+          </a:lstStyle>
+          <a:p>
+            <a:pPr/>
+            <a:r>
+              <a:t>RPR/</a:t>
+            </a:r>
+          </a:p>
+        </p:txBody>
+      </p:sp>
+    </p:spTree>
+  </p:cSld>
+  <p:clrMapOvr>
+    <a:masterClrMapping/>
+  </p:clrMapOvr>
+  <p:transition xmlns:p14="http://schemas.microsoft.com/office/powerpoint/2010/main" spd="med" advClick="1"/>
+  <p:timing>
+    <p:tnLst>
+      <p:par>
+        <p:cTn id="1" nodeType="tmRoot" restart="never" dur="indefinite" fill="hold">
+          <p:childTnLst>
+            <p:seq concurrent="1" prevAc="none" nextAc="seek">
+              <p:cTn id="2" nodeType="mainSeq" dur="indefinite" fill="hold">
+                <p:childTnLst>
+                  <p:par>
+                    <p:cTn id="3" fill="hold">
+                      <p:stCondLst>
+                        <p:cond delay="indefinite"/>
+                      </p:stCondLst>
+                      <p:childTnLst>
+                        <p:par>
+                          <p:cTn id="4" fill="hold">
+                            <p:stCondLst>
+                              <p:cond delay="0"/>
+                            </p:stCondLst>
+                            <p:childTnLst>
+                              <p:par>
+                                <p:cTn id="5" presetClass="entr" nodeType="clickEffect" presetSubtype="0" presetID="1" grpId="1" fill="hold">
+                                  <p:stCondLst>
+                                    <p:cond delay="0"/>
+                                  </p:stCondLst>
+                                  <p:iterate type="el" backwards="0">
+                                    <p:tmAbs val="0"/>
+                                  </p:iterate>
+                                  <p:childTnLst>
+                                    <p:set>
+                                      <p:cBhvr>
+                                        <p:cTn id="6" fill="hold"/>
+                                        <p:tgtEl>
+                                          <p:spTgt spid="57">
+                                            <p:bg/>
+                                          </p:spTgt>
+                                        </p:tgtEl>
+                                        <p:attrNameLst>
+                                          <p:attrName>style.visibility</p:attrName>
+                                        </p:attrNameLst>
+                                      </p:cBhvr>
+                                      <p:to>
+                                        <p:strVal val="visible"/>
+                                      </p:to>
+                                    </p:set>
+                                  </p:childTnLst>
+                                </p:cTn>
+                              </p:par>
+                              <p:par>
+                                <p:cTn id="7" presetClass="entr" nodeType="withEffect" presetSubtype="0" presetID="1" grpId="1" fill="hold">
+                                  <p:stCondLst>
+                                    <p:cond delay="0"/>
+                                  </p:stCondLst>
+                                  <p:iterate type="el" backwards="0">
+                                    <p:tmAbs val="0"/>
+                                  </p:iterate>
+                                  <p:childTnLst>
+                                    <p:set>
+                                      <p:cBhvr>
+                                        <p:cTn id="8" fill="hold"/>
+                                        <p:tgtEl>
+                                          <p:spTgt spid="57">
+                                            <p:txEl>
+                                              <p:pRg st="0" end="0"/>
+                                            </p:txEl>
+                                          </p:spTgt>
+                                        </p:tgtEl>
+                                        <p:attrNameLst>
+                                          <p:attrName>style.visibility</p:attrName>
+                                        </p:attrNameLst>
+                                      </p:cBhvr>
+                                      <p:to>
+                                        <p:strVal val="visible"/>
+                                      </p:to>
+                                    </p:set>
+                                  </p:childTnLst>
+                                </p:cTn>
+                              </p:par>
+                            </p:childTnLst>
+                          </p:cTn>
+                        </p:par>
+                      </p:childTnLst>
+                    </p:cTn>
+                  </p:par>
+                  <p:par>
+                    <p:cTn id="9" fill="hold">
+                      <p:stCondLst>
+                        <p:cond delay="indefinite"/>
+                      </p:stCondLst>
+                      <p:childTnLst>
+                        <p:par>
+                          <p:cTn id="10" fill="hold">
+                            <p:stCondLst>
+                              <p:cond delay="0"/>
+                            </p:stCondLst>
+                            <p:childTnLst>
+                              <p:par>
+                                <p:cTn id="11" presetClass="entr" nodeType="clickEffect" presetSubtype="0" presetID="1" grpId="1" fill="hold">
+                                  <p:stCondLst>
+                                    <p:cond delay="0"/>
+                                  </p:stCondLst>
+                                  <p:iterate type="el" backwards="0">
+                                    <p:tmAbs val="0"/>
+                                  </p:iterate>
+                                  <p:childTnLst>
+                                    <p:set>
+                                      <p:cBhvr>
+                                        <p:cTn id="12" fill="hold"/>
+                                        <p:tgtEl>
+                                          <p:spTgt spid="57">
+                                            <p:txEl>
+                                              <p:pRg st="1" end="1"/>
+                                            </p:txEl>
+                                          </p:spTgt>
+                                        </p:tgtEl>
+                                        <p:attrNameLst>
+                                          <p:attrName>style.visibility</p:attrName>
+                                        </p:attrNameLst>
+                                      </p:cBhvr>
+                                      <p:to>
+                                        <p:strVal val="visible"/>
+                                      </p:to>
+                                    </p:set>
+                                  </p:childTnLst>
+                                </p:cTn>
+                              </p:par>
+                            </p:childTnLst>
+                          </p:cTn>
+                        </p:par>
+                      </p:childTnLst>
+                    </p:cTn>
+                  </p:par>
+                  <p:par>
+                    <p:cTn id="13" fill="hold">
+                      <p:stCondLst>
+                        <p:cond delay="indefinite"/>
+                      </p:stCondLst>
+                      <p:childTnLst>
+                        <p:par>
+                          <p:cTn id="14" fill="hold">
+                            <p:stCondLst>
+                              <p:cond delay="0"/>
+                            </p:stCondLst>
+                            <p:childTnLst>
+                              <p:par>
+                                <p:cTn id="15" presetClass="entr" nodeType="clickEffect" presetSubtype="0" presetID="1" grpId="1" fill="hold">
+                                  <p:stCondLst>
+                                    <p:cond delay="0"/>
+                                  </p:stCondLst>
+                                  <p:iterate type="el" backwards="0">
+                                    <p:tmAbs val="0"/>
+                                  </p:iterate>
+                                  <p:childTnLst>
+                                    <p:set>
+                                      <p:cBhvr>
+                                        <p:cTn id="16" fill="hold"/>
+                                        <p:tgtEl>
+                                          <p:spTgt spid="57">
+                                            <p:txEl>
+                                              <p:pRg st="2" end="2"/>
+                                            </p:txEl>
+                                          </p:spTgt>
+                                        </p:tgtEl>
+                                        <p:attrNameLst>
+                                          <p:attrName>style.visibility</p:attrName>
+                                        </p:attrNameLst>
+                                      </p:cBhvr>
+                                      <p:to>
+                                        <p:strVal val="visible"/>
+                                      </p:to>
+                                    </p:set>
+                                  </p:childTnLst>
+                                </p:cTn>
+                              </p:par>
+                            </p:childTnLst>
+                          </p:cTn>
+                        </p:par>
+                      </p:childTnLst>
+                    </p:cTn>
+                  </p:par>
+                  <p:par>
+                    <p:cTn id="17" fill="hold">
+                      <p:stCondLst>
+                        <p:cond delay="indefinite"/>
+                      </p:stCondLst>
+                      <p:childTnLst>
+                        <p:par>
+                          <p:cTn id="18" fill="hold">
+                            <p:stCondLst>
+                              <p:cond delay="0"/>
+                            </p:stCondLst>
+                            <p:childTnLst>
+                              <p:par>
+                                <p:cTn id="19" presetClass="entr" nodeType="clickEffect" presetSubtype="0" presetID="1" grpId="1" fill="hold">
+                                  <p:stCondLst>
+                                    <p:cond delay="0"/>
+                                  </p:stCondLst>
+                                  <p:iterate type="el" backwards="0">
+                                    <p:tmAbs val="0"/>
+                                  </p:iterate>
+                                  <p:childTnLst>
+                                    <p:set>
+                                      <p:cBhvr>
+                                        <p:cTn id="20" fill="hold"/>
+                                        <p:tgtEl>
+                                          <p:spTgt spid="57">
+                                            <p:txEl>
+                                              <p:pRg st="3" end="3"/>
+                                            </p:txEl>
+                                          </p:spTgt>
+                                        </p:tgtEl>
+                                        <p:attrNameLst>
+                                          <p:attrName>style.visibility</p:attrName>
+                                        </p:attrNameLst>
+                                      </p:cBhvr>
+                                      <p:to>
+                                        <p:strVal val="visible"/>
+                                      </p:to>
+                                    </p:set>
+                                  </p:childTnLst>
+                                </p:cTn>
+                              </p:par>
+                            </p:childTnLst>
+                          </p:cTn>
+                        </p:par>
+                      </p:childTnLst>
+                    </p:cTn>
+                  </p:par>
+                  <p:par>
+                    <p:cTn id="21" fill="hold">
+                      <p:stCondLst>
+                        <p:cond delay="indefinite"/>
+                      </p:stCondLst>
+                      <p:childTnLst>
+                        <p:par>
+                          <p:cTn id="22" fill="hold">
+                            <p:stCondLst>
+                              <p:cond delay="0"/>
+                            </p:stCondLst>
+                            <p:childTnLst>
+                              <p:par>
+                                <p:cTn id="23" presetClass="entr" nodeType="clickEffect" presetSubtype="0" presetID="1" grpId="1" fill="hold">
+                                  <p:stCondLst>
+                                    <p:cond delay="0"/>
+                                  </p:stCondLst>
+                                  <p:iterate type="el" backwards="0">
+                                    <p:tmAbs val="0"/>
+                                  </p:iterate>
+                                  <p:childTnLst>
+                                    <p:set>
+                                      <p:cBhvr>
+                                        <p:cTn id="24" fill="hold"/>
+                                        <p:tgtEl>
+                                          <p:spTgt spid="57">
+                                            <p:txEl>
+                                              <p:pRg st="4" end="4"/>
+                                            </p:txEl>
+                                          </p:spTgt>
+                                        </p:tgtEl>
+                                        <p:attrNameLst>
+                                          <p:attrName>style.visibility</p:attrName>
+                                        </p:attrNameLst>
+                                      </p:cBhvr>
+                                      <p:to>
+                                        <p:strVal val="visible"/>
+                                      </p:to>
+                                    </p:set>
+                                  </p:childTnLst>
+                                </p:cTn>
+                              </p:par>
+                            </p:childTnLst>
+                          </p:cTn>
+                        </p:par>
+                      </p:childTnLst>
+                    </p:cTn>
+                  </p:par>
+                  <p:par>
+                    <p:cTn id="25" fill="hold">
+                      <p:stCondLst>
+                        <p:cond delay="indefinite"/>
+                      </p:stCondLst>
+                      <p:childTnLst>
+                        <p:par>
+                          <p:cTn id="26" fill="hold">
+                            <p:stCondLst>
+                              <p:cond delay="0"/>
+                            </p:stCondLst>
+                            <p:childTnLst>
+                              <p:par>
+                                <p:cTn id="27" presetClass="entr" nodeType="clickEffect" presetSubtype="0" presetID="1" grpId="1" fill="hold">
+                                  <p:stCondLst>
+                                    <p:cond delay="0"/>
+                                  </p:stCondLst>
+                                  <p:iterate type="el" backwards="0">
+                                    <p:tmAbs val="0"/>
+                                  </p:iterate>
+                                  <p:childTnLst>
+                                    <p:set>
+                                      <p:cBhvr>
+                                        <p:cTn id="28" fill="hold"/>
+                                        <p:tgtEl>
+                                          <p:spTgt spid="57">
+                                            <p:txEl>
+                                              <p:pRg st="5" end="5"/>
+                                            </p:txEl>
+                                          </p:spTgt>
+                                        </p:tgtEl>
+                                        <p:attrNameLst>
+                                          <p:attrName>style.visibility</p:attrName>
+                                        </p:attrNameLst>
+                                      </p:cBhvr>
+                                      <p:to>
+                                        <p:strVal val="visible"/>
+                                      </p:to>
+                                    </p:set>
+                                  </p:childTnLst>
+                                </p:cTn>
+                              </p:par>
+                            </p:childTnLst>
+                          </p:cTn>
+                        </p:par>
+                      </p:childTnLst>
+                    </p:cTn>
+                  </p:par>
+                  <p:par>
+                    <p:cTn id="29" fill="hold">
+                      <p:stCondLst>
+                        <p:cond delay="indefinite"/>
+                      </p:stCondLst>
+                      <p:childTnLst>
+                        <p:par>
+                          <p:cTn id="30" fill="hold">
+                            <p:stCondLst>
+                              <p:cond delay="0"/>
+                            </p:stCondLst>
+                            <p:childTnLst>
+                              <p:par>
+                                <p:cTn id="31" presetClass="entr" nodeType="clickEffect" presetSubtype="0" presetID="1" grpId="1" fill="hold">
+                                  <p:stCondLst>
+                                    <p:cond delay="0"/>
+                                  </p:stCondLst>
+                                  <p:iterate type="el" backwards="0">
+                                    <p:tmAbs val="0"/>
+                                  </p:iterate>
+                                  <p:childTnLst>
+                                    <p:set>
+                                      <p:cBhvr>
+                                        <p:cTn id="32" fill="hold"/>
+                                        <p:tgtEl>
+                                          <p:spTgt spid="57">
+                                            <p:txEl>
+                                              <p:pRg st="6" end="6"/>
+                                            </p:txEl>
+                                          </p:spTgt>
+                                        </p:tgtEl>
+                                        <p:attrNameLst>
+                                          <p:attrName>style.visibility</p:attrName>
+                                        </p:attrNameLst>
+                                      </p:cBhvr>
+                                      <p:to>
+                                        <p:strVal val="visible"/>
+                                      </p:to>
+                                    </p:set>
+                                  </p:childTnLst>
+                                </p:cTn>
+                              </p:par>
+                            </p:childTnLst>
+                          </p:cTn>
+                        </p:par>
+                      </p:childTnLst>
+                    </p:cTn>
+                  </p:par>
+                  <p:par>
+                    <p:cTn id="33" fill="hold">
+                      <p:stCondLst>
+                        <p:cond delay="indefinite"/>
+                      </p:stCondLst>
+                      <p:childTnLst>
+                        <p:par>
+                          <p:cTn id="34" fill="hold">
+                            <p:stCondLst>
+                              <p:cond delay="0"/>
+                            </p:stCondLst>
+                            <p:childTnLst>
+                              <p:par>
+                                <p:cTn id="35" presetClass="entr" nodeType="clickEffect" presetSubtype="0" presetID="1" grpId="1" fill="hold">
+                                  <p:stCondLst>
+                                    <p:cond delay="0"/>
+                                  </p:stCondLst>
+                                  <p:iterate type="el" backwards="0">
+                                    <p:tmAbs val="0"/>
+                                  </p:iterate>
+                                  <p:childTnLst>
+                                    <p:set>
+                                      <p:cBhvr>
+                                        <p:cTn id="36" fill="hold"/>
+                                        <p:tgtEl>
+                                          <p:spTgt spid="57">
+                                            <p:txEl>
+                                              <p:pRg st="7" end="7"/>
+                                            </p:txEl>
+                                          </p:spTgt>
+                                        </p:tgtEl>
+                                        <p:attrNameLst>
+                                          <p:attrName>style.visibility</p:attrName>
+                                        </p:attrNameLst>
+                                      </p:cBhvr>
+                                      <p:to>
+                                        <p:strVal val="visible"/>
+                                      </p:to>
+                                    </p:set>
+                                  </p:childTnLst>
+                                </p:cTn>
+                              </p:par>
+                            </p:childTnLst>
+                          </p:cTn>
+                        </p:par>
+                      </p:childTnLst>
+                    </p:cTn>
+                  </p:par>
+                  <p:par>
+                    <p:cTn id="37" fill="hold">
+                      <p:stCondLst>
+                        <p:cond delay="indefinite"/>
+                      </p:stCondLst>
+                      <p:childTnLst>
+                        <p:par>
+                          <p:cTn id="38" fill="hold">
+                            <p:stCondLst>
+                              <p:cond delay="0"/>
+                            </p:stCondLst>
+                            <p:childTnLst>
+                              <p:par>
+                                <p:cTn id="39" presetClass="entr" nodeType="clickEffect" presetSubtype="0" presetID="1" grpId="1" fill="hold">
+                                  <p:stCondLst>
+                                    <p:cond delay="0"/>
+                                  </p:stCondLst>
+                                  <p:iterate type="el" backwards="0">
+                                    <p:tmAbs val="0"/>
+                                  </p:iterate>
+                                  <p:childTnLst>
+                                    <p:set>
+                                      <p:cBhvr>
+                                        <p:cTn id="40" fill="hold"/>
+                                        <p:tgtEl>
+                                          <p:spTgt spid="57">
+                                            <p:txEl>
+                                              <p:pRg st="8" end="8"/>
+                                            </p:txEl>
+                                          </p:spTgt>
+                                        </p:tgtEl>
+                                        <p:attrNameLst>
+                                          <p:attrName>style.visibility</p:attrName>
+                                        </p:attrNameLst>
+                                      </p:cBhvr>
+                                      <p:to>
+                                        <p:strVal val="visible"/>
+                                      </p:to>
+                                    </p:set>
+                                  </p:childTnLst>
+                                </p:cTn>
+                              </p:par>
+                            </p:childTnLst>
+                          </p:cTn>
+                        </p:par>
+                      </p:childTnLst>
+                    </p:cTn>
+                  </p:par>
+                  <p:par>
+                    <p:cTn id="41" fill="hold">
+                      <p:stCondLst>
+                        <p:cond delay="indefinite"/>
+                      </p:stCondLst>
+                      <p:childTnLst>
+                        <p:par>
+                          <p:cTn id="42" fill="hold">
+                            <p:stCondLst>
+                              <p:cond delay="0"/>
+                            </p:stCondLst>
+                            <p:childTnLst>
+                              <p:par>
+                                <p:cTn id="43" presetClass="entr" nodeType="clickEffect" presetSubtype="0" presetID="1" grpId="1" fill="hold">
+                                  <p:stCondLst>
+                                    <p:cond delay="0"/>
+                                  </p:stCondLst>
+                                  <p:iterate type="el" backwards="0">
+                                    <p:tmAbs val="0"/>
+                                  </p:iterate>
+                                  <p:childTnLst>
+                                    <p:set>
+                                      <p:cBhvr>
+                                        <p:cTn id="44" fill="hold"/>
+                                        <p:tgtEl>
+                                          <p:spTgt spid="57">
+                                            <p:txEl>
+                                              <p:pRg st="9" end="9"/>
+                                            </p:txEl>
+                                          </p:spTgt>
+                                        </p:tgtEl>
+                                        <p:attrNameLst>
+                                          <p:attrName>style.visibility</p:attrName>
+                                        </p:attrNameLst>
+                                      </p:cBhvr>
+                                      <p:to>
+                                        <p:strVal val="visible"/>
+                                      </p:to>
+                                    </p:set>
+                                  </p:childTnLst>
+                                </p:cTn>
+                              </p:par>
+                            </p:childTnLst>
+                          </p:cTn>
+                        </p:par>
+                      </p:childTnLst>
+                    </p:cTn>
+                  </p:par>
                   <p:par>
                     <p:cTn id="45" fill="hold">
                       <p:stCondLst>
@@ -7175,7 +8010,1975 @@
                                       <p:cBhvr>
                                         <p:cTn id="48" fill="hold"/>
                                         <p:tgtEl>
-                                          <p:spTgt spid="51">
+                                          <p:spTgt spid="57">
+                                            <p:txEl>
+                                              <p:pRg st="10" end="10"/>
+                                            </p:txEl>
+                                          </p:spTgt>
+                                        </p:tgtEl>
+                                        <p:attrNameLst>
+                                          <p:attrName>style.visibility</p:attrName>
+                                        </p:attrNameLst>
+                                      </p:cBhvr>
+                                      <p:to>
+                                        <p:strVal val="visible"/>
+                                      </p:to>
+                                    </p:set>
+                                  </p:childTnLst>
+                                </p:cTn>
+                              </p:par>
+                            </p:childTnLst>
+                          </p:cTn>
+                        </p:par>
+                      </p:childTnLst>
+                    </p:cTn>
+                  </p:par>
+                </p:childTnLst>
+              </p:cTn>
+              <p:prevCondLst>
+                <p:cond evt="onPrev">
+                  <p:tgtEl>
+                    <p:sldTgt/>
+                  </p:tgtEl>
+                </p:cond>
+              </p:prevCondLst>
+              <p:nextCondLst>
+                <p:cond evt="onNext">
+                  <p:tgtEl>
+                    <p:sldTgt/>
+                  </p:tgtEl>
+                </p:cond>
+              </p:nextCondLst>
+            </p:seq>
+          </p:childTnLst>
+        </p:cTn>
+      </p:par>
+    </p:tnLst>
+    <p:bldLst>
+      <p:bldP build="p" bldLvl="5" animBg="1" rev="0" advAuto="0" spid="57" grpId="1"/>
+    </p:bldLst>
+  </p:timing>
+</p:sld>
+</file>
+
+<file path=ppt/slides/slide6.xml><?xml version="1.0" encoding="utf-8"?>
+<p:sld xmlns:a="http://schemas.openxmlformats.org/drawingml/2006/main" xmlns:r="http://schemas.openxmlformats.org/officeDocument/2006/relationships" xmlns:p="http://schemas.openxmlformats.org/presentationml/2006/main" xmlns:m="http://schemas.openxmlformats.org/officeDocument/2006/math" xmlns:a14="http://schemas.microsoft.com/office/drawing/2010/main" showMasterSp="1" showMasterPhAnim="1">
+  <p:cSld>
+    <p:spTree>
+      <p:nvGrpSpPr>
+        <p:cNvPr id="1" name=""/>
+        <p:cNvGrpSpPr/>
+        <p:nvPr/>
+      </p:nvGrpSpPr>
+      <p:grpSpPr>
+        <a:xfrm>
+          <a:off x="0" y="0"/>
+          <a:ext cx="0" cy="0"/>
+          <a:chOff x="0" y="0"/>
+          <a:chExt cx="0" cy="0"/>
+        </a:xfrm>
+      </p:grpSpPr>
+      <p:sp>
+        <p:nvSpPr>
+          <p:cNvPr id="62" name="Algo 1a: Prime Factors"/>
+          <p:cNvSpPr txBox="1"/>
+          <p:nvPr>
+            <p:ph type="title"/>
+          </p:nvPr>
+        </p:nvSpPr>
+        <p:spPr>
+          <a:prstGeom prst="rect">
+            <a:avLst/>
+          </a:prstGeom>
+        </p:spPr>
+        <p:txBody>
+          <a:bodyPr/>
+          <a:lstStyle/>
+          <a:p>
+            <a:pPr/>
+            <a:r>
+              <a:t>Algo </a:t>
+            </a:r>
+            <a:r>
+              <a:rPr>
+                <a:latin typeface="Arial"/>
+                <a:ea typeface="Arial"/>
+                <a:cs typeface="Arial"/>
+                <a:sym typeface="Arial"/>
+              </a:rPr>
+              <a:t>1a</a:t>
+            </a:r>
+            <a:r>
+              <a:t>: Prime Factors</a:t>
+            </a:r>
+          </a:p>
+        </p:txBody>
+      </p:sp>
+      <p:sp>
+        <p:nvSpPr>
+          <p:cNvPr id="63" name="Given an integer n, find its prime factors…"/>
+          <p:cNvSpPr txBox="1"/>
+          <p:nvPr>
+            <p:ph type="body" idx="1"/>
+          </p:nvPr>
+        </p:nvSpPr>
+        <p:spPr>
+          <a:prstGeom prst="rect">
+            <a:avLst/>
+          </a:prstGeom>
+        </p:spPr>
+        <p:txBody>
+          <a:bodyPr/>
+          <a:lstStyle/>
+          <a:p>
+            <a:pPr/>
+            <a:r>
+              <a:t>Given an integer n, find its prime factors</a:t>
+            </a:r>
+          </a:p>
+          <a:p>
+            <a:pPr marL="0" indent="0">
+              <a:buSzTx/>
+              <a:buNone/>
+              <a:defRPr>
+                <a:latin typeface="Courier New"/>
+                <a:ea typeface="Courier New"/>
+                <a:cs typeface="Courier New"/>
+                <a:sym typeface="Courier New"/>
+              </a:defRPr>
+            </a:pPr>
+            <a:r>
+              <a:t>for </a:t>
+            </a:r>
+            <a:r>
+              <a:rPr>
+                <a:latin typeface="Gill Sans MT"/>
+                <a:ea typeface="Gill Sans MT"/>
+                <a:cs typeface="Gill Sans MT"/>
+                <a:sym typeface="Gill Sans MT"/>
+              </a:rPr>
+              <a:t>factor = 2 to n,</a:t>
+            </a:r>
+            <a:r>
+              <a:t> do</a:t>
+            </a:r>
+          </a:p>
+          <a:p>
+            <a:pPr lvl="2" marL="0" indent="457200">
+              <a:spcBef>
+                <a:spcPts val="600"/>
+              </a:spcBef>
+              <a:buSzTx/>
+              <a:buNone/>
+              <a:defRPr sz="3000">
+                <a:latin typeface="Courier New"/>
+                <a:ea typeface="Courier New"/>
+                <a:cs typeface="Courier New"/>
+                <a:sym typeface="Courier New"/>
+              </a:defRPr>
+            </a:pPr>
+            <a:r>
+              <a:t>while </a:t>
+            </a:r>
+            <a:r>
+              <a:rPr>
+                <a:latin typeface="Gill Sans MT"/>
+                <a:ea typeface="Gill Sans MT"/>
+                <a:cs typeface="Gill Sans MT"/>
+                <a:sym typeface="Gill Sans MT"/>
+              </a:rPr>
+              <a:t>remainder(n,factor) eq 0,</a:t>
+            </a:r>
+            <a:r>
+              <a:t> do</a:t>
+            </a:r>
+          </a:p>
+          <a:p>
+            <a:pPr lvl="4" marL="0" indent="914400">
+              <a:spcBef>
+                <a:spcPts val="600"/>
+              </a:spcBef>
+              <a:buSzTx/>
+              <a:buNone/>
+              <a:defRPr sz="3000">
+                <a:latin typeface="Courier New"/>
+                <a:ea typeface="Courier New"/>
+                <a:cs typeface="Courier New"/>
+                <a:sym typeface="Courier New"/>
+              </a:defRPr>
+            </a:pPr>
+            <a:r>
+              <a:t>print </a:t>
+            </a:r>
+            <a:r>
+              <a:rPr>
+                <a:latin typeface="Gill Sans MT"/>
+                <a:ea typeface="Gill Sans MT"/>
+                <a:cs typeface="Gill Sans MT"/>
+                <a:sym typeface="Gill Sans MT"/>
+              </a:rPr>
+              <a:t>factor</a:t>
+            </a:r>
+          </a:p>
+          <a:p>
+            <a:pPr lvl="4" marL="0" indent="914400">
+              <a:spcBef>
+                <a:spcPts val="600"/>
+              </a:spcBef>
+              <a:buSzTx/>
+              <a:buNone/>
+              <a:defRPr sz="3000">
+                <a:latin typeface="Gill Sans MT"/>
+                <a:ea typeface="Gill Sans MT"/>
+                <a:cs typeface="Gill Sans MT"/>
+                <a:sym typeface="Gill Sans MT"/>
+              </a:defRPr>
+            </a:pPr>
+            <a:r>
+              <a:t>replace n by n/factor</a:t>
+            </a:r>
+          </a:p>
+          <a:p>
+            <a:pPr lvl="2" marL="0" indent="457200">
+              <a:spcBef>
+                <a:spcPts val="600"/>
+              </a:spcBef>
+              <a:buSzTx/>
+              <a:buNone/>
+              <a:defRPr sz="3000">
+                <a:latin typeface="Courier New"/>
+                <a:ea typeface="Courier New"/>
+                <a:cs typeface="Courier New"/>
+                <a:sym typeface="Courier New"/>
+              </a:defRPr>
+            </a:pPr>
+            <a:r>
+              <a:t>done </a:t>
+            </a:r>
+            <a:r>
+              <a:rPr>
+                <a:latin typeface="Gill Sans MT"/>
+                <a:ea typeface="Gill Sans MT"/>
+                <a:cs typeface="Gill Sans MT"/>
+                <a:sym typeface="Gill Sans MT"/>
+              </a:rPr>
+              <a:t>//while</a:t>
+            </a:r>
+            <a:endParaRPr>
+              <a:latin typeface="Gill Sans MT"/>
+              <a:ea typeface="Gill Sans MT"/>
+              <a:cs typeface="Gill Sans MT"/>
+              <a:sym typeface="Gill Sans MT"/>
+            </a:endParaRPr>
+          </a:p>
+          <a:p>
+            <a:pPr marL="0" indent="0">
+              <a:spcBef>
+                <a:spcPts val="600"/>
+              </a:spcBef>
+              <a:buSzTx/>
+              <a:buNone/>
+              <a:defRPr sz="3000">
+                <a:latin typeface="Courier New"/>
+                <a:ea typeface="Courier New"/>
+                <a:cs typeface="Courier New"/>
+                <a:sym typeface="Courier New"/>
+              </a:defRPr>
+            </a:pPr>
+            <a:r>
+              <a:t>done </a:t>
+            </a:r>
+            <a:r>
+              <a:rPr>
+                <a:latin typeface="Gill Sans MT"/>
+                <a:ea typeface="Gill Sans MT"/>
+                <a:cs typeface="Gill Sans MT"/>
+                <a:sym typeface="Gill Sans MT"/>
+              </a:rPr>
+              <a:t>//for</a:t>
+            </a:r>
+          </a:p>
+          <a:p>
+            <a:pPr marL="0" indent="0">
+              <a:spcBef>
+                <a:spcPts val="600"/>
+              </a:spcBef>
+              <a:buSzTx/>
+              <a:buNone/>
+              <a:defRPr sz="3000">
+                <a:latin typeface="Courier New"/>
+                <a:ea typeface="Courier New"/>
+                <a:cs typeface="Courier New"/>
+                <a:sym typeface="Courier New"/>
+              </a:defRPr>
+            </a:pPr>
+          </a:p>
+          <a:p>
+            <a:pPr lvl="3" marL="0" indent="685800">
+              <a:spcBef>
+                <a:spcPts val="600"/>
+              </a:spcBef>
+              <a:buSzTx/>
+              <a:buNone/>
+              <a:defRPr sz="3000">
+                <a:latin typeface="Courier New"/>
+                <a:ea typeface="Courier New"/>
+                <a:cs typeface="Courier New"/>
+                <a:sym typeface="Courier New"/>
+              </a:defRPr>
+            </a:pPr>
+            <a:r>
+              <a:t> </a:t>
+            </a:r>
+          </a:p>
+        </p:txBody>
+      </p:sp>
+      <p:sp>
+        <p:nvSpPr>
+          <p:cNvPr id="64" name="Slide Number"/>
+          <p:cNvSpPr txBox="1"/>
+          <p:nvPr>
+            <p:ph type="sldNum" sz="quarter" idx="2"/>
+          </p:nvPr>
+        </p:nvSpPr>
+        <p:spPr>
+          <a:prstGeom prst="rect">
+            <a:avLst/>
+          </a:prstGeom>
+          <a:extLst>
+            <a:ext uri="{C572A759-6A51-4108-AA02-DFA0A04FC94B}">
+              <ma14:wrappingTextBoxFlag xmlns:ma14="http://schemas.microsoft.com/office/mac/drawingml/2011/main" val="1"/>
+            </a:ext>
+          </a:extLst>
+        </p:spPr>
+        <p:txBody>
+          <a:bodyPr/>
+          <a:lstStyle/>
+          <a:p>
+            <a:pPr/>
+            <a:fld id="{86CB4B4D-7CA3-9044-876B-883B54F8677D}" type="slidenum"/>
+          </a:p>
+        </p:txBody>
+      </p:sp>
+      <p:sp>
+        <p:nvSpPr>
+          <p:cNvPr id="65" name="DAA/Algorithm Practice Exercises"/>
+          <p:cNvSpPr txBox="1"/>
+          <p:nvPr/>
+        </p:nvSpPr>
+        <p:spPr>
+          <a:xfrm>
+            <a:off x="423212" y="6963885"/>
+            <a:ext cx="4471701" cy="431552"/>
+          </a:xfrm>
+          <a:prstGeom prst="rect">
+            <a:avLst/>
+          </a:prstGeom>
+          <a:ln w="12700">
+            <a:miter lim="400000"/>
+          </a:ln>
+          <a:extLst>
+            <a:ext uri="{C572A759-6A51-4108-AA02-DFA0A04FC94B}">
+              <ma14:wrappingTextBoxFlag xmlns:ma14="http://schemas.microsoft.com/office/mac/drawingml/2011/main" val="1"/>
+            </a:ext>
+          </a:extLst>
+        </p:spPr>
+        <p:txBody>
+          <a:bodyPr wrap="none" lIns="50800" tIns="50800" rIns="50800" bIns="50800" anchor="ctr">
+            <a:spAutoFit/>
+          </a:bodyPr>
+          <a:lstStyle>
+            <a:lvl1pPr>
+              <a:defRPr sz="2400"/>
+            </a:lvl1pPr>
+          </a:lstStyle>
+          <a:p>
+            <a:pPr/>
+            <a:r>
+              <a:t>DAA/Algorithm Practice Exercises</a:t>
+            </a:r>
+          </a:p>
+        </p:txBody>
+      </p:sp>
+      <p:sp>
+        <p:nvSpPr>
+          <p:cNvPr id="66" name="RPR/"/>
+          <p:cNvSpPr txBox="1"/>
+          <p:nvPr/>
+        </p:nvSpPr>
+        <p:spPr>
+          <a:xfrm>
+            <a:off x="7535212" y="6988206"/>
+            <a:ext cx="705605" cy="382910"/>
+          </a:xfrm>
+          <a:prstGeom prst="rect">
+            <a:avLst/>
+          </a:prstGeom>
+          <a:ln w="12700">
+            <a:miter lim="400000"/>
+          </a:ln>
+          <a:extLst>
+            <a:ext uri="{C572A759-6A51-4108-AA02-DFA0A04FC94B}">
+              <ma14:wrappingTextBoxFlag xmlns:ma14="http://schemas.microsoft.com/office/mac/drawingml/2011/main" val="1"/>
+            </a:ext>
+          </a:extLst>
+        </p:spPr>
+        <p:txBody>
+          <a:bodyPr wrap="none" lIns="50800" tIns="50800" rIns="50800" bIns="50800" anchor="ctr">
+            <a:spAutoFit/>
+          </a:bodyPr>
+          <a:lstStyle>
+            <a:lvl1pPr>
+              <a:defRPr sz="2000"/>
+            </a:lvl1pPr>
+          </a:lstStyle>
+          <a:p>
+            <a:pPr/>
+            <a:r>
+              <a:t>RPR/</a:t>
+            </a:r>
+          </a:p>
+        </p:txBody>
+      </p:sp>
+    </p:spTree>
+  </p:cSld>
+  <p:clrMapOvr>
+    <a:masterClrMapping/>
+  </p:clrMapOvr>
+  <p:transition xmlns:p14="http://schemas.microsoft.com/office/powerpoint/2010/main" spd="med" advClick="1"/>
+  <p:timing>
+    <p:tnLst>
+      <p:par>
+        <p:cTn id="1" nodeType="tmRoot" restart="never" dur="indefinite" fill="hold">
+          <p:childTnLst>
+            <p:seq concurrent="1" prevAc="none" nextAc="seek">
+              <p:cTn id="2" nodeType="mainSeq" dur="indefinite" fill="hold">
+                <p:childTnLst>
+                  <p:par>
+                    <p:cTn id="3" fill="hold">
+                      <p:stCondLst>
+                        <p:cond delay="indefinite"/>
+                      </p:stCondLst>
+                      <p:childTnLst>
+                        <p:par>
+                          <p:cTn id="4" fill="hold">
+                            <p:stCondLst>
+                              <p:cond delay="0"/>
+                            </p:stCondLst>
+                            <p:childTnLst>
+                              <p:par>
+                                <p:cTn id="5" presetClass="entr" nodeType="clickEffect" presetSubtype="0" presetID="1" grpId="1" fill="hold">
+                                  <p:stCondLst>
+                                    <p:cond delay="0"/>
+                                  </p:stCondLst>
+                                  <p:iterate type="el" backwards="0">
+                                    <p:tmAbs val="0"/>
+                                  </p:iterate>
+                                  <p:childTnLst>
+                                    <p:set>
+                                      <p:cBhvr>
+                                        <p:cTn id="6" fill="hold"/>
+                                        <p:tgtEl>
+                                          <p:spTgt spid="63">
+                                            <p:bg/>
+                                          </p:spTgt>
+                                        </p:tgtEl>
+                                        <p:attrNameLst>
+                                          <p:attrName>style.visibility</p:attrName>
+                                        </p:attrNameLst>
+                                      </p:cBhvr>
+                                      <p:to>
+                                        <p:strVal val="visible"/>
+                                      </p:to>
+                                    </p:set>
+                                  </p:childTnLst>
+                                </p:cTn>
+                              </p:par>
+                              <p:par>
+                                <p:cTn id="7" presetClass="entr" nodeType="withEffect" presetSubtype="0" presetID="1" grpId="1" fill="hold">
+                                  <p:stCondLst>
+                                    <p:cond delay="0"/>
+                                  </p:stCondLst>
+                                  <p:iterate type="el" backwards="0">
+                                    <p:tmAbs val="0"/>
+                                  </p:iterate>
+                                  <p:childTnLst>
+                                    <p:set>
+                                      <p:cBhvr>
+                                        <p:cTn id="8" fill="hold"/>
+                                        <p:tgtEl>
+                                          <p:spTgt spid="63">
+                                            <p:txEl>
+                                              <p:pRg st="0" end="0"/>
+                                            </p:txEl>
+                                          </p:spTgt>
+                                        </p:tgtEl>
+                                        <p:attrNameLst>
+                                          <p:attrName>style.visibility</p:attrName>
+                                        </p:attrNameLst>
+                                      </p:cBhvr>
+                                      <p:to>
+                                        <p:strVal val="visible"/>
+                                      </p:to>
+                                    </p:set>
+                                  </p:childTnLst>
+                                </p:cTn>
+                              </p:par>
+                            </p:childTnLst>
+                          </p:cTn>
+                        </p:par>
+                      </p:childTnLst>
+                    </p:cTn>
+                  </p:par>
+                  <p:par>
+                    <p:cTn id="9" fill="hold">
+                      <p:stCondLst>
+                        <p:cond delay="indefinite"/>
+                      </p:stCondLst>
+                      <p:childTnLst>
+                        <p:par>
+                          <p:cTn id="10" fill="hold">
+                            <p:stCondLst>
+                              <p:cond delay="0"/>
+                            </p:stCondLst>
+                            <p:childTnLst>
+                              <p:par>
+                                <p:cTn id="11" presetClass="entr" nodeType="clickEffect" presetSubtype="0" presetID="1" grpId="1" fill="hold">
+                                  <p:stCondLst>
+                                    <p:cond delay="0"/>
+                                  </p:stCondLst>
+                                  <p:iterate type="el" backwards="0">
+                                    <p:tmAbs val="0"/>
+                                  </p:iterate>
+                                  <p:childTnLst>
+                                    <p:set>
+                                      <p:cBhvr>
+                                        <p:cTn id="12" fill="hold"/>
+                                        <p:tgtEl>
+                                          <p:spTgt spid="63">
+                                            <p:txEl>
+                                              <p:pRg st="1" end="1"/>
+                                            </p:txEl>
+                                          </p:spTgt>
+                                        </p:tgtEl>
+                                        <p:attrNameLst>
+                                          <p:attrName>style.visibility</p:attrName>
+                                        </p:attrNameLst>
+                                      </p:cBhvr>
+                                      <p:to>
+                                        <p:strVal val="visible"/>
+                                      </p:to>
+                                    </p:set>
+                                  </p:childTnLst>
+                                </p:cTn>
+                              </p:par>
+                            </p:childTnLst>
+                          </p:cTn>
+                        </p:par>
+                      </p:childTnLst>
+                    </p:cTn>
+                  </p:par>
+                  <p:par>
+                    <p:cTn id="13" fill="hold">
+                      <p:stCondLst>
+                        <p:cond delay="indefinite"/>
+                      </p:stCondLst>
+                      <p:childTnLst>
+                        <p:par>
+                          <p:cTn id="14" fill="hold">
+                            <p:stCondLst>
+                              <p:cond delay="0"/>
+                            </p:stCondLst>
+                            <p:childTnLst>
+                              <p:par>
+                                <p:cTn id="15" presetClass="entr" nodeType="clickEffect" presetSubtype="0" presetID="1" grpId="1" fill="hold">
+                                  <p:stCondLst>
+                                    <p:cond delay="0"/>
+                                  </p:stCondLst>
+                                  <p:iterate type="el" backwards="0">
+                                    <p:tmAbs val="0"/>
+                                  </p:iterate>
+                                  <p:childTnLst>
+                                    <p:set>
+                                      <p:cBhvr>
+                                        <p:cTn id="16" fill="hold"/>
+                                        <p:tgtEl>
+                                          <p:spTgt spid="63">
+                                            <p:txEl>
+                                              <p:pRg st="2" end="2"/>
+                                            </p:txEl>
+                                          </p:spTgt>
+                                        </p:tgtEl>
+                                        <p:attrNameLst>
+                                          <p:attrName>style.visibility</p:attrName>
+                                        </p:attrNameLst>
+                                      </p:cBhvr>
+                                      <p:to>
+                                        <p:strVal val="visible"/>
+                                      </p:to>
+                                    </p:set>
+                                  </p:childTnLst>
+                                </p:cTn>
+                              </p:par>
+                            </p:childTnLst>
+                          </p:cTn>
+                        </p:par>
+                      </p:childTnLst>
+                    </p:cTn>
+                  </p:par>
+                  <p:par>
+                    <p:cTn id="17" fill="hold">
+                      <p:stCondLst>
+                        <p:cond delay="indefinite"/>
+                      </p:stCondLst>
+                      <p:childTnLst>
+                        <p:par>
+                          <p:cTn id="18" fill="hold">
+                            <p:stCondLst>
+                              <p:cond delay="0"/>
+                            </p:stCondLst>
+                            <p:childTnLst>
+                              <p:par>
+                                <p:cTn id="19" presetClass="entr" nodeType="clickEffect" presetSubtype="0" presetID="1" grpId="1" fill="hold">
+                                  <p:stCondLst>
+                                    <p:cond delay="0"/>
+                                  </p:stCondLst>
+                                  <p:iterate type="el" backwards="0">
+                                    <p:tmAbs val="0"/>
+                                  </p:iterate>
+                                  <p:childTnLst>
+                                    <p:set>
+                                      <p:cBhvr>
+                                        <p:cTn id="20" fill="hold"/>
+                                        <p:tgtEl>
+                                          <p:spTgt spid="63">
+                                            <p:txEl>
+                                              <p:pRg st="3" end="3"/>
+                                            </p:txEl>
+                                          </p:spTgt>
+                                        </p:tgtEl>
+                                        <p:attrNameLst>
+                                          <p:attrName>style.visibility</p:attrName>
+                                        </p:attrNameLst>
+                                      </p:cBhvr>
+                                      <p:to>
+                                        <p:strVal val="visible"/>
+                                      </p:to>
+                                    </p:set>
+                                  </p:childTnLst>
+                                </p:cTn>
+                              </p:par>
+                            </p:childTnLst>
+                          </p:cTn>
+                        </p:par>
+                      </p:childTnLst>
+                    </p:cTn>
+                  </p:par>
+                  <p:par>
+                    <p:cTn id="21" fill="hold">
+                      <p:stCondLst>
+                        <p:cond delay="indefinite"/>
+                      </p:stCondLst>
+                      <p:childTnLst>
+                        <p:par>
+                          <p:cTn id="22" fill="hold">
+                            <p:stCondLst>
+                              <p:cond delay="0"/>
+                            </p:stCondLst>
+                            <p:childTnLst>
+                              <p:par>
+                                <p:cTn id="23" presetClass="entr" nodeType="clickEffect" presetSubtype="0" presetID="1" grpId="1" fill="hold">
+                                  <p:stCondLst>
+                                    <p:cond delay="0"/>
+                                  </p:stCondLst>
+                                  <p:iterate type="el" backwards="0">
+                                    <p:tmAbs val="0"/>
+                                  </p:iterate>
+                                  <p:childTnLst>
+                                    <p:set>
+                                      <p:cBhvr>
+                                        <p:cTn id="24" fill="hold"/>
+                                        <p:tgtEl>
+                                          <p:spTgt spid="63">
+                                            <p:txEl>
+                                              <p:pRg st="4" end="4"/>
+                                            </p:txEl>
+                                          </p:spTgt>
+                                        </p:tgtEl>
+                                        <p:attrNameLst>
+                                          <p:attrName>style.visibility</p:attrName>
+                                        </p:attrNameLst>
+                                      </p:cBhvr>
+                                      <p:to>
+                                        <p:strVal val="visible"/>
+                                      </p:to>
+                                    </p:set>
+                                  </p:childTnLst>
+                                </p:cTn>
+                              </p:par>
+                            </p:childTnLst>
+                          </p:cTn>
+                        </p:par>
+                      </p:childTnLst>
+                    </p:cTn>
+                  </p:par>
+                  <p:par>
+                    <p:cTn id="25" fill="hold">
+                      <p:stCondLst>
+                        <p:cond delay="indefinite"/>
+                      </p:stCondLst>
+                      <p:childTnLst>
+                        <p:par>
+                          <p:cTn id="26" fill="hold">
+                            <p:stCondLst>
+                              <p:cond delay="0"/>
+                            </p:stCondLst>
+                            <p:childTnLst>
+                              <p:par>
+                                <p:cTn id="27" presetClass="entr" nodeType="clickEffect" presetSubtype="0" presetID="1" grpId="1" fill="hold">
+                                  <p:stCondLst>
+                                    <p:cond delay="0"/>
+                                  </p:stCondLst>
+                                  <p:iterate type="el" backwards="0">
+                                    <p:tmAbs val="0"/>
+                                  </p:iterate>
+                                  <p:childTnLst>
+                                    <p:set>
+                                      <p:cBhvr>
+                                        <p:cTn id="28" fill="hold"/>
+                                        <p:tgtEl>
+                                          <p:spTgt spid="63">
+                                            <p:txEl>
+                                              <p:pRg st="5" end="5"/>
+                                            </p:txEl>
+                                          </p:spTgt>
+                                        </p:tgtEl>
+                                        <p:attrNameLst>
+                                          <p:attrName>style.visibility</p:attrName>
+                                        </p:attrNameLst>
+                                      </p:cBhvr>
+                                      <p:to>
+                                        <p:strVal val="visible"/>
+                                      </p:to>
+                                    </p:set>
+                                  </p:childTnLst>
+                                </p:cTn>
+                              </p:par>
+                            </p:childTnLst>
+                          </p:cTn>
+                        </p:par>
+                      </p:childTnLst>
+                    </p:cTn>
+                  </p:par>
+                  <p:par>
+                    <p:cTn id="29" fill="hold">
+                      <p:stCondLst>
+                        <p:cond delay="indefinite"/>
+                      </p:stCondLst>
+                      <p:childTnLst>
+                        <p:par>
+                          <p:cTn id="30" fill="hold">
+                            <p:stCondLst>
+                              <p:cond delay="0"/>
+                            </p:stCondLst>
+                            <p:childTnLst>
+                              <p:par>
+                                <p:cTn id="31" presetClass="entr" nodeType="clickEffect" presetSubtype="0" presetID="1" grpId="1" fill="hold">
+                                  <p:stCondLst>
+                                    <p:cond delay="0"/>
+                                  </p:stCondLst>
+                                  <p:iterate type="el" backwards="0">
+                                    <p:tmAbs val="0"/>
+                                  </p:iterate>
+                                  <p:childTnLst>
+                                    <p:set>
+                                      <p:cBhvr>
+                                        <p:cTn id="32" fill="hold"/>
+                                        <p:tgtEl>
+                                          <p:spTgt spid="63">
+                                            <p:txEl>
+                                              <p:pRg st="6" end="6"/>
+                                            </p:txEl>
+                                          </p:spTgt>
+                                        </p:tgtEl>
+                                        <p:attrNameLst>
+                                          <p:attrName>style.visibility</p:attrName>
+                                        </p:attrNameLst>
+                                      </p:cBhvr>
+                                      <p:to>
+                                        <p:strVal val="visible"/>
+                                      </p:to>
+                                    </p:set>
+                                  </p:childTnLst>
+                                </p:cTn>
+                              </p:par>
+                            </p:childTnLst>
+                          </p:cTn>
+                        </p:par>
+                      </p:childTnLst>
+                    </p:cTn>
+                  </p:par>
+                  <p:par>
+                    <p:cTn id="33" fill="hold">
+                      <p:stCondLst>
+                        <p:cond delay="indefinite"/>
+                      </p:stCondLst>
+                      <p:childTnLst>
+                        <p:par>
+                          <p:cTn id="34" fill="hold">
+                            <p:stCondLst>
+                              <p:cond delay="0"/>
+                            </p:stCondLst>
+                            <p:childTnLst>
+                              <p:par>
+                                <p:cTn id="35" presetClass="entr" nodeType="clickEffect" presetSubtype="0" presetID="1" grpId="1" fill="hold">
+                                  <p:stCondLst>
+                                    <p:cond delay="0"/>
+                                  </p:stCondLst>
+                                  <p:iterate type="el" backwards="0">
+                                    <p:tmAbs val="0"/>
+                                  </p:iterate>
+                                  <p:childTnLst>
+                                    <p:set>
+                                      <p:cBhvr>
+                                        <p:cTn id="36" fill="hold"/>
+                                        <p:tgtEl>
+                                          <p:spTgt spid="63">
+                                            <p:txEl>
+                                              <p:pRg st="7" end="7"/>
+                                            </p:txEl>
+                                          </p:spTgt>
+                                        </p:tgtEl>
+                                        <p:attrNameLst>
+                                          <p:attrName>style.visibility</p:attrName>
+                                        </p:attrNameLst>
+                                      </p:cBhvr>
+                                      <p:to>
+                                        <p:strVal val="visible"/>
+                                      </p:to>
+                                    </p:set>
+                                  </p:childTnLst>
+                                </p:cTn>
+                              </p:par>
+                            </p:childTnLst>
+                          </p:cTn>
+                        </p:par>
+                      </p:childTnLst>
+                    </p:cTn>
+                  </p:par>
+                  <p:par>
+                    <p:cTn id="37" fill="hold">
+                      <p:stCondLst>
+                        <p:cond delay="indefinite"/>
+                      </p:stCondLst>
+                      <p:childTnLst>
+                        <p:par>
+                          <p:cTn id="38" fill="hold">
+                            <p:stCondLst>
+                              <p:cond delay="0"/>
+                            </p:stCondLst>
+                            <p:childTnLst>
+                              <p:par>
+                                <p:cTn id="39" presetClass="entr" nodeType="clickEffect" presetSubtype="0" presetID="1" grpId="1" fill="hold">
+                                  <p:stCondLst>
+                                    <p:cond delay="0"/>
+                                  </p:stCondLst>
+                                  <p:iterate type="el" backwards="0">
+                                    <p:tmAbs val="0"/>
+                                  </p:iterate>
+                                  <p:childTnLst>
+                                    <p:set>
+                                      <p:cBhvr>
+                                        <p:cTn id="40" fill="hold"/>
+                                        <p:tgtEl>
+                                          <p:spTgt spid="63">
+                                            <p:txEl>
+                                              <p:pRg st="8" end="8"/>
+                                            </p:txEl>
+                                          </p:spTgt>
+                                        </p:tgtEl>
+                                        <p:attrNameLst>
+                                          <p:attrName>style.visibility</p:attrName>
+                                        </p:attrNameLst>
+                                      </p:cBhvr>
+                                      <p:to>
+                                        <p:strVal val="visible"/>
+                                      </p:to>
+                                    </p:set>
+                                  </p:childTnLst>
+                                </p:cTn>
+                              </p:par>
+                            </p:childTnLst>
+                          </p:cTn>
+                        </p:par>
+                      </p:childTnLst>
+                    </p:cTn>
+                  </p:par>
+                </p:childTnLst>
+              </p:cTn>
+              <p:prevCondLst>
+                <p:cond evt="onPrev">
+                  <p:tgtEl>
+                    <p:sldTgt/>
+                  </p:tgtEl>
+                </p:cond>
+              </p:prevCondLst>
+              <p:nextCondLst>
+                <p:cond evt="onNext">
+                  <p:tgtEl>
+                    <p:sldTgt/>
+                  </p:tgtEl>
+                </p:cond>
+              </p:nextCondLst>
+            </p:seq>
+          </p:childTnLst>
+        </p:cTn>
+      </p:par>
+    </p:tnLst>
+    <p:bldLst>
+      <p:bldP build="p" bldLvl="5" animBg="1" rev="0" advAuto="0" spid="63" grpId="1"/>
+    </p:bldLst>
+  </p:timing>
+</p:sld>
+</file>
+
+<file path=ppt/slides/slide7.xml><?xml version="1.0" encoding="utf-8"?>
+<p:sld xmlns:a="http://schemas.openxmlformats.org/drawingml/2006/main" xmlns:r="http://schemas.openxmlformats.org/officeDocument/2006/relationships" xmlns:p="http://schemas.openxmlformats.org/presentationml/2006/main" xmlns:m="http://schemas.openxmlformats.org/officeDocument/2006/math" xmlns:a14="http://schemas.microsoft.com/office/drawing/2010/main" showMasterSp="1" showMasterPhAnim="1">
+  <p:cSld>
+    <p:spTree>
+      <p:nvGrpSpPr>
+        <p:cNvPr id="1" name=""/>
+        <p:cNvGrpSpPr/>
+        <p:nvPr/>
+      </p:nvGrpSpPr>
+      <p:grpSpPr>
+        <a:xfrm>
+          <a:off x="0" y="0"/>
+          <a:ext cx="0" cy="0"/>
+          <a:chOff x="0" y="0"/>
+          <a:chExt cx="0" cy="0"/>
+        </a:xfrm>
+      </p:grpSpPr>
+      <p:sp>
+        <p:nvSpPr>
+          <p:cNvPr id="68" name="Algo 1b: Prime Factors (improved)"/>
+          <p:cNvSpPr txBox="1"/>
+          <p:nvPr>
+            <p:ph type="title"/>
+          </p:nvPr>
+        </p:nvSpPr>
+        <p:spPr>
+          <a:xfrm>
+            <a:off x="762000" y="60325"/>
+            <a:ext cx="9097368" cy="952500"/>
+          </a:xfrm>
+          <a:prstGeom prst="rect">
+            <a:avLst/>
+          </a:prstGeom>
+        </p:spPr>
+        <p:txBody>
+          <a:bodyPr/>
+          <a:lstStyle/>
+          <a:p>
+            <a:pPr/>
+            <a:r>
+              <a:t>Algo </a:t>
+            </a:r>
+            <a:r>
+              <a:rPr>
+                <a:latin typeface="Courier New"/>
+                <a:ea typeface="Courier New"/>
+                <a:cs typeface="Courier New"/>
+                <a:sym typeface="Courier New"/>
+              </a:rPr>
+              <a:t>1b</a:t>
+            </a:r>
+            <a:r>
+              <a:t>: Prime Factors (improved)</a:t>
+            </a:r>
+          </a:p>
+        </p:txBody>
+      </p:sp>
+      <p:sp>
+        <p:nvSpPr>
+          <p:cNvPr id="69" name="Given an integer n, find its prime factors…"/>
+          <p:cNvSpPr txBox="1"/>
+          <p:nvPr>
+            <p:ph type="body" idx="1"/>
+          </p:nvPr>
+        </p:nvSpPr>
+        <p:spPr>
+          <a:xfrm>
+            <a:off x="426417" y="938113"/>
+            <a:ext cx="9307166" cy="5891610"/>
+          </a:xfrm>
+          <a:prstGeom prst="rect">
+            <a:avLst/>
+          </a:prstGeom>
+        </p:spPr>
+        <p:txBody>
+          <a:bodyPr/>
+          <a:lstStyle/>
+          <a:p>
+            <a:pPr/>
+            <a:r>
+              <a:t>Given an integer n, find its prime factors</a:t>
+            </a:r>
+          </a:p>
+          <a:p>
+            <a:pPr marL="0" indent="0">
+              <a:buSzTx/>
+              <a:buNone/>
+              <a:defRPr>
+                <a:latin typeface="Courier New"/>
+                <a:ea typeface="Courier New"/>
+                <a:cs typeface="Courier New"/>
+                <a:sym typeface="Courier New"/>
+              </a:defRPr>
+            </a:pPr>
+            <a:r>
+              <a:t>for </a:t>
+            </a:r>
+            <a:r>
+              <a:rPr>
+                <a:latin typeface="Gill Sans MT"/>
+                <a:ea typeface="Gill Sans MT"/>
+                <a:cs typeface="Gill Sans MT"/>
+                <a:sym typeface="Gill Sans MT"/>
+              </a:rPr>
+              <a:t>factor = 2 to sqrt(n)</a:t>
+            </a:r>
+            <a:r>
+              <a:t>, do</a:t>
+            </a:r>
+          </a:p>
+          <a:p>
+            <a:pPr lvl="2" marL="0" indent="457200">
+              <a:spcBef>
+                <a:spcPts val="600"/>
+              </a:spcBef>
+              <a:buSzTx/>
+              <a:buNone/>
+              <a:defRPr sz="3000">
+                <a:latin typeface="Courier New"/>
+                <a:ea typeface="Courier New"/>
+                <a:cs typeface="Courier New"/>
+                <a:sym typeface="Courier New"/>
+              </a:defRPr>
+            </a:pPr>
+            <a:r>
+              <a:t>while </a:t>
+            </a:r>
+            <a:r>
+              <a:rPr>
+                <a:latin typeface="Gill Sans MT"/>
+                <a:ea typeface="Gill Sans MT"/>
+                <a:cs typeface="Gill Sans MT"/>
+                <a:sym typeface="Gill Sans MT"/>
+              </a:rPr>
+              <a:t>remainder(n, factor)</a:t>
+            </a:r>
+            <a:r>
+              <a:t> eq 0, do</a:t>
+            </a:r>
+          </a:p>
+          <a:p>
+            <a:pPr lvl="4" marL="0" indent="914400">
+              <a:spcBef>
+                <a:spcPts val="600"/>
+              </a:spcBef>
+              <a:buSzTx/>
+              <a:buNone/>
+              <a:defRPr sz="3000">
+                <a:latin typeface="Courier New"/>
+                <a:ea typeface="Courier New"/>
+                <a:cs typeface="Courier New"/>
+                <a:sym typeface="Courier New"/>
+              </a:defRPr>
+            </a:pPr>
+            <a:r>
+              <a:t>print </a:t>
+            </a:r>
+            <a:r>
+              <a:rPr>
+                <a:latin typeface="Gill Sans MT"/>
+                <a:ea typeface="Gill Sans MT"/>
+                <a:cs typeface="Gill Sans MT"/>
+                <a:sym typeface="Gill Sans MT"/>
+              </a:rPr>
+              <a:t>factor</a:t>
+            </a:r>
+          </a:p>
+          <a:p>
+            <a:pPr lvl="4" marL="0" indent="914400">
+              <a:spcBef>
+                <a:spcPts val="600"/>
+              </a:spcBef>
+              <a:buSzTx/>
+              <a:buNone/>
+              <a:defRPr sz="3000">
+                <a:latin typeface="Courier New"/>
+                <a:ea typeface="Courier New"/>
+                <a:cs typeface="Courier New"/>
+                <a:sym typeface="Courier New"/>
+              </a:defRPr>
+            </a:pPr>
+            <a:r>
+              <a:rPr>
+                <a:latin typeface="Gill Sans MT"/>
+                <a:ea typeface="Gill Sans MT"/>
+                <a:cs typeface="Gill Sans MT"/>
+                <a:sym typeface="Gill Sans MT"/>
+              </a:rPr>
+              <a:t>replace</a:t>
+            </a:r>
+            <a:r>
+              <a:t> n </a:t>
+            </a:r>
+            <a:r>
+              <a:rPr>
+                <a:latin typeface="Gill Sans MT"/>
+                <a:ea typeface="Gill Sans MT"/>
+                <a:cs typeface="Gill Sans MT"/>
+                <a:sym typeface="Gill Sans MT"/>
+              </a:rPr>
+              <a:t>by</a:t>
+            </a:r>
+            <a:r>
+              <a:t> n/factor</a:t>
+            </a:r>
+          </a:p>
+          <a:p>
+            <a:pPr lvl="2" marL="0" indent="457200">
+              <a:spcBef>
+                <a:spcPts val="600"/>
+              </a:spcBef>
+              <a:buSzTx/>
+              <a:buNone/>
+              <a:defRPr sz="3000">
+                <a:latin typeface="Courier New"/>
+                <a:ea typeface="Courier New"/>
+                <a:cs typeface="Courier New"/>
+                <a:sym typeface="Courier New"/>
+              </a:defRPr>
+            </a:pPr>
+            <a:r>
+              <a:t>done </a:t>
+            </a:r>
+            <a:r>
+              <a:rPr>
+                <a:latin typeface="Gill Sans MT"/>
+                <a:ea typeface="Gill Sans MT"/>
+                <a:cs typeface="Gill Sans MT"/>
+                <a:sym typeface="Gill Sans MT"/>
+              </a:rPr>
+              <a:t>//while</a:t>
+            </a:r>
+          </a:p>
+          <a:p>
+            <a:pPr marL="0" indent="0">
+              <a:spcBef>
+                <a:spcPts val="600"/>
+              </a:spcBef>
+              <a:buSzTx/>
+              <a:buNone/>
+              <a:defRPr sz="3000">
+                <a:latin typeface="Courier New"/>
+                <a:ea typeface="Courier New"/>
+                <a:cs typeface="Courier New"/>
+                <a:sym typeface="Courier New"/>
+              </a:defRPr>
+            </a:pPr>
+            <a:r>
+              <a:t>done </a:t>
+            </a:r>
+            <a:r>
+              <a:rPr>
+                <a:latin typeface="Gill Sans MT"/>
+                <a:ea typeface="Gill Sans MT"/>
+                <a:cs typeface="Gill Sans MT"/>
+                <a:sym typeface="Gill Sans MT"/>
+              </a:rPr>
+              <a:t>// for</a:t>
+            </a:r>
+          </a:p>
+          <a:p>
+            <a:pPr marL="0" indent="0">
+              <a:spcBef>
+                <a:spcPts val="600"/>
+              </a:spcBef>
+              <a:buSzTx/>
+              <a:buNone/>
+              <a:defRPr sz="3000">
+                <a:latin typeface="Courier New"/>
+                <a:ea typeface="Courier New"/>
+                <a:cs typeface="Courier New"/>
+                <a:sym typeface="Courier New"/>
+              </a:defRPr>
+            </a:pPr>
+            <a:r>
+              <a:t>if </a:t>
+            </a:r>
+            <a:r>
+              <a:rPr>
+                <a:latin typeface="Gill Sans MT"/>
+                <a:ea typeface="Gill Sans MT"/>
+                <a:cs typeface="Gill Sans MT"/>
+                <a:sym typeface="Gill Sans MT"/>
+              </a:rPr>
+              <a:t>n is greater than </a:t>
+            </a:r>
+            <a:r>
+              <a:rPr>
+                <a:latin typeface="Arial"/>
+                <a:ea typeface="Arial"/>
+                <a:cs typeface="Arial"/>
+                <a:sym typeface="Arial"/>
+              </a:rPr>
+              <a:t>1</a:t>
+            </a:r>
+            <a:r>
+              <a:rPr>
+                <a:latin typeface="Gill Sans MT"/>
+                <a:ea typeface="Gill Sans MT"/>
+                <a:cs typeface="Gill Sans MT"/>
+                <a:sym typeface="Gill Sans MT"/>
+              </a:rPr>
+              <a:t>,</a:t>
+            </a:r>
+            <a:r>
+              <a:t> then</a:t>
+            </a:r>
+          </a:p>
+          <a:p>
+            <a:pPr lvl="2" marL="0" indent="457200">
+              <a:spcBef>
+                <a:spcPts val="600"/>
+              </a:spcBef>
+              <a:buSzTx/>
+              <a:buNone/>
+              <a:defRPr sz="3000">
+                <a:latin typeface="Courier New"/>
+                <a:ea typeface="Courier New"/>
+                <a:cs typeface="Courier New"/>
+                <a:sym typeface="Courier New"/>
+              </a:defRPr>
+            </a:pPr>
+            <a:r>
+              <a:t>print n</a:t>
+            </a:r>
+          </a:p>
+          <a:p>
+            <a:pPr marL="0" indent="0">
+              <a:spcBef>
+                <a:spcPts val="600"/>
+              </a:spcBef>
+              <a:buSzTx/>
+              <a:buNone/>
+              <a:defRPr sz="3000">
+                <a:latin typeface="Courier New"/>
+                <a:ea typeface="Courier New"/>
+                <a:cs typeface="Courier New"/>
+                <a:sym typeface="Courier New"/>
+              </a:defRPr>
+            </a:pPr>
+            <a:r>
+              <a:t>fi</a:t>
+            </a:r>
+          </a:p>
+          <a:p>
+            <a:pPr marL="0" indent="0">
+              <a:spcBef>
+                <a:spcPts val="600"/>
+              </a:spcBef>
+              <a:buSzTx/>
+              <a:buNone/>
+              <a:defRPr sz="3000">
+                <a:latin typeface="Courier New"/>
+                <a:ea typeface="Courier New"/>
+                <a:cs typeface="Courier New"/>
+                <a:sym typeface="Courier New"/>
+              </a:defRPr>
+            </a:pPr>
+            <a:r>
+              <a:t> </a:t>
+            </a:r>
+          </a:p>
+          <a:p>
+            <a:pPr lvl="3" marL="0" indent="685800">
+              <a:spcBef>
+                <a:spcPts val="600"/>
+              </a:spcBef>
+              <a:buSzTx/>
+              <a:buNone/>
+              <a:defRPr sz="3000">
+                <a:latin typeface="Courier New"/>
+                <a:ea typeface="Courier New"/>
+                <a:cs typeface="Courier New"/>
+                <a:sym typeface="Courier New"/>
+              </a:defRPr>
+            </a:pPr>
+            <a:r>
+              <a:t> </a:t>
+            </a:r>
+          </a:p>
+        </p:txBody>
+      </p:sp>
+      <p:sp>
+        <p:nvSpPr>
+          <p:cNvPr id="70" name="Slide Number"/>
+          <p:cNvSpPr txBox="1"/>
+          <p:nvPr>
+            <p:ph type="sldNum" sz="quarter" idx="2"/>
+          </p:nvPr>
+        </p:nvSpPr>
+        <p:spPr>
+          <a:prstGeom prst="rect">
+            <a:avLst/>
+          </a:prstGeom>
+          <a:extLst>
+            <a:ext uri="{C572A759-6A51-4108-AA02-DFA0A04FC94B}">
+              <ma14:wrappingTextBoxFlag xmlns:ma14="http://schemas.microsoft.com/office/mac/drawingml/2011/main" val="1"/>
+            </a:ext>
+          </a:extLst>
+        </p:spPr>
+        <p:txBody>
+          <a:bodyPr/>
+          <a:lstStyle/>
+          <a:p>
+            <a:pPr/>
+            <a:fld id="{86CB4B4D-7CA3-9044-876B-883B54F8677D}" type="slidenum"/>
+          </a:p>
+        </p:txBody>
+      </p:sp>
+      <p:sp>
+        <p:nvSpPr>
+          <p:cNvPr id="71" name="DAA/Algorithm Practice Exercises"/>
+          <p:cNvSpPr txBox="1"/>
+          <p:nvPr/>
+        </p:nvSpPr>
+        <p:spPr>
+          <a:xfrm>
+            <a:off x="423212" y="6963885"/>
+            <a:ext cx="4471701" cy="431552"/>
+          </a:xfrm>
+          <a:prstGeom prst="rect">
+            <a:avLst/>
+          </a:prstGeom>
+          <a:ln w="12700">
+            <a:miter lim="400000"/>
+          </a:ln>
+          <a:extLst>
+            <a:ext uri="{C572A759-6A51-4108-AA02-DFA0A04FC94B}">
+              <ma14:wrappingTextBoxFlag xmlns:ma14="http://schemas.microsoft.com/office/mac/drawingml/2011/main" val="1"/>
+            </a:ext>
+          </a:extLst>
+        </p:spPr>
+        <p:txBody>
+          <a:bodyPr wrap="none" lIns="50800" tIns="50800" rIns="50800" bIns="50800" anchor="ctr">
+            <a:spAutoFit/>
+          </a:bodyPr>
+          <a:lstStyle>
+            <a:lvl1pPr>
+              <a:defRPr sz="2400"/>
+            </a:lvl1pPr>
+          </a:lstStyle>
+          <a:p>
+            <a:pPr/>
+            <a:r>
+              <a:t>DAA/Algorithm Practice Exercises</a:t>
+            </a:r>
+          </a:p>
+        </p:txBody>
+      </p:sp>
+      <p:sp>
+        <p:nvSpPr>
+          <p:cNvPr id="72" name="RPR/"/>
+          <p:cNvSpPr txBox="1"/>
+          <p:nvPr/>
+        </p:nvSpPr>
+        <p:spPr>
+          <a:xfrm>
+            <a:off x="7535212" y="6988206"/>
+            <a:ext cx="705605" cy="382910"/>
+          </a:xfrm>
+          <a:prstGeom prst="rect">
+            <a:avLst/>
+          </a:prstGeom>
+          <a:ln w="12700">
+            <a:miter lim="400000"/>
+          </a:ln>
+          <a:extLst>
+            <a:ext uri="{C572A759-6A51-4108-AA02-DFA0A04FC94B}">
+              <ma14:wrappingTextBoxFlag xmlns:ma14="http://schemas.microsoft.com/office/mac/drawingml/2011/main" val="1"/>
+            </a:ext>
+          </a:extLst>
+        </p:spPr>
+        <p:txBody>
+          <a:bodyPr wrap="none" lIns="50800" tIns="50800" rIns="50800" bIns="50800" anchor="ctr">
+            <a:spAutoFit/>
+          </a:bodyPr>
+          <a:lstStyle>
+            <a:lvl1pPr>
+              <a:defRPr sz="2000"/>
+            </a:lvl1pPr>
+          </a:lstStyle>
+          <a:p>
+            <a:pPr/>
+            <a:r>
+              <a:t>RPR/</a:t>
+            </a:r>
+          </a:p>
+        </p:txBody>
+      </p:sp>
+    </p:spTree>
+  </p:cSld>
+  <p:clrMapOvr>
+    <a:masterClrMapping/>
+  </p:clrMapOvr>
+  <p:transition xmlns:p14="http://schemas.microsoft.com/office/powerpoint/2010/main" spd="med" advClick="1"/>
+  <p:timing>
+    <p:tnLst>
+      <p:par>
+        <p:cTn id="1" nodeType="tmRoot" restart="never" dur="indefinite" fill="hold">
+          <p:childTnLst>
+            <p:seq concurrent="1" prevAc="none" nextAc="seek">
+              <p:cTn id="2" nodeType="mainSeq" dur="indefinite" fill="hold">
+                <p:childTnLst>
+                  <p:par>
+                    <p:cTn id="3" fill="hold">
+                      <p:stCondLst>
+                        <p:cond delay="indefinite"/>
+                      </p:stCondLst>
+                      <p:childTnLst>
+                        <p:par>
+                          <p:cTn id="4" fill="hold">
+                            <p:stCondLst>
+                              <p:cond delay="0"/>
+                            </p:stCondLst>
+                            <p:childTnLst>
+                              <p:par>
+                                <p:cTn id="5" presetClass="entr" nodeType="clickEffect" presetSubtype="0" presetID="1" grpId="1" fill="hold">
+                                  <p:stCondLst>
+                                    <p:cond delay="0"/>
+                                  </p:stCondLst>
+                                  <p:iterate type="el" backwards="0">
+                                    <p:tmAbs val="0"/>
+                                  </p:iterate>
+                                  <p:childTnLst>
+                                    <p:set>
+                                      <p:cBhvr>
+                                        <p:cTn id="6" fill="hold"/>
+                                        <p:tgtEl>
+                                          <p:spTgt spid="69">
+                                            <p:bg/>
+                                          </p:spTgt>
+                                        </p:tgtEl>
+                                        <p:attrNameLst>
+                                          <p:attrName>style.visibility</p:attrName>
+                                        </p:attrNameLst>
+                                      </p:cBhvr>
+                                      <p:to>
+                                        <p:strVal val="visible"/>
+                                      </p:to>
+                                    </p:set>
+                                  </p:childTnLst>
+                                </p:cTn>
+                              </p:par>
+                              <p:par>
+                                <p:cTn id="7" presetClass="entr" nodeType="withEffect" presetSubtype="0" presetID="1" grpId="1" fill="hold">
+                                  <p:stCondLst>
+                                    <p:cond delay="0"/>
+                                  </p:stCondLst>
+                                  <p:iterate type="el" backwards="0">
+                                    <p:tmAbs val="0"/>
+                                  </p:iterate>
+                                  <p:childTnLst>
+                                    <p:set>
+                                      <p:cBhvr>
+                                        <p:cTn id="8" fill="hold"/>
+                                        <p:tgtEl>
+                                          <p:spTgt spid="69">
+                                            <p:txEl>
+                                              <p:pRg st="0" end="0"/>
+                                            </p:txEl>
+                                          </p:spTgt>
+                                        </p:tgtEl>
+                                        <p:attrNameLst>
+                                          <p:attrName>style.visibility</p:attrName>
+                                        </p:attrNameLst>
+                                      </p:cBhvr>
+                                      <p:to>
+                                        <p:strVal val="visible"/>
+                                      </p:to>
+                                    </p:set>
+                                  </p:childTnLst>
+                                </p:cTn>
+                              </p:par>
+                            </p:childTnLst>
+                          </p:cTn>
+                        </p:par>
+                      </p:childTnLst>
+                    </p:cTn>
+                  </p:par>
+                  <p:par>
+                    <p:cTn id="9" fill="hold">
+                      <p:stCondLst>
+                        <p:cond delay="indefinite"/>
+                      </p:stCondLst>
+                      <p:childTnLst>
+                        <p:par>
+                          <p:cTn id="10" fill="hold">
+                            <p:stCondLst>
+                              <p:cond delay="0"/>
+                            </p:stCondLst>
+                            <p:childTnLst>
+                              <p:par>
+                                <p:cTn id="11" presetClass="entr" nodeType="clickEffect" presetSubtype="0" presetID="1" grpId="1" fill="hold">
+                                  <p:stCondLst>
+                                    <p:cond delay="0"/>
+                                  </p:stCondLst>
+                                  <p:iterate type="el" backwards="0">
+                                    <p:tmAbs val="0"/>
+                                  </p:iterate>
+                                  <p:childTnLst>
+                                    <p:set>
+                                      <p:cBhvr>
+                                        <p:cTn id="12" fill="hold"/>
+                                        <p:tgtEl>
+                                          <p:spTgt spid="69">
+                                            <p:txEl>
+                                              <p:pRg st="1" end="1"/>
+                                            </p:txEl>
+                                          </p:spTgt>
+                                        </p:tgtEl>
+                                        <p:attrNameLst>
+                                          <p:attrName>style.visibility</p:attrName>
+                                        </p:attrNameLst>
+                                      </p:cBhvr>
+                                      <p:to>
+                                        <p:strVal val="visible"/>
+                                      </p:to>
+                                    </p:set>
+                                  </p:childTnLst>
+                                </p:cTn>
+                              </p:par>
+                            </p:childTnLst>
+                          </p:cTn>
+                        </p:par>
+                      </p:childTnLst>
+                    </p:cTn>
+                  </p:par>
+                  <p:par>
+                    <p:cTn id="13" fill="hold">
+                      <p:stCondLst>
+                        <p:cond delay="indefinite"/>
+                      </p:stCondLst>
+                      <p:childTnLst>
+                        <p:par>
+                          <p:cTn id="14" fill="hold">
+                            <p:stCondLst>
+                              <p:cond delay="0"/>
+                            </p:stCondLst>
+                            <p:childTnLst>
+                              <p:par>
+                                <p:cTn id="15" presetClass="entr" nodeType="clickEffect" presetSubtype="0" presetID="1" grpId="1" fill="hold">
+                                  <p:stCondLst>
+                                    <p:cond delay="0"/>
+                                  </p:stCondLst>
+                                  <p:iterate type="el" backwards="0">
+                                    <p:tmAbs val="0"/>
+                                  </p:iterate>
+                                  <p:childTnLst>
+                                    <p:set>
+                                      <p:cBhvr>
+                                        <p:cTn id="16" fill="hold"/>
+                                        <p:tgtEl>
+                                          <p:spTgt spid="69">
+                                            <p:txEl>
+                                              <p:pRg st="2" end="2"/>
+                                            </p:txEl>
+                                          </p:spTgt>
+                                        </p:tgtEl>
+                                        <p:attrNameLst>
+                                          <p:attrName>style.visibility</p:attrName>
+                                        </p:attrNameLst>
+                                      </p:cBhvr>
+                                      <p:to>
+                                        <p:strVal val="visible"/>
+                                      </p:to>
+                                    </p:set>
+                                  </p:childTnLst>
+                                </p:cTn>
+                              </p:par>
+                            </p:childTnLst>
+                          </p:cTn>
+                        </p:par>
+                      </p:childTnLst>
+                    </p:cTn>
+                  </p:par>
+                  <p:par>
+                    <p:cTn id="17" fill="hold">
+                      <p:stCondLst>
+                        <p:cond delay="indefinite"/>
+                      </p:stCondLst>
+                      <p:childTnLst>
+                        <p:par>
+                          <p:cTn id="18" fill="hold">
+                            <p:stCondLst>
+                              <p:cond delay="0"/>
+                            </p:stCondLst>
+                            <p:childTnLst>
+                              <p:par>
+                                <p:cTn id="19" presetClass="entr" nodeType="clickEffect" presetSubtype="0" presetID="1" grpId="1" fill="hold">
+                                  <p:stCondLst>
+                                    <p:cond delay="0"/>
+                                  </p:stCondLst>
+                                  <p:iterate type="el" backwards="0">
+                                    <p:tmAbs val="0"/>
+                                  </p:iterate>
+                                  <p:childTnLst>
+                                    <p:set>
+                                      <p:cBhvr>
+                                        <p:cTn id="20" fill="hold"/>
+                                        <p:tgtEl>
+                                          <p:spTgt spid="69">
+                                            <p:txEl>
+                                              <p:pRg st="3" end="3"/>
+                                            </p:txEl>
+                                          </p:spTgt>
+                                        </p:tgtEl>
+                                        <p:attrNameLst>
+                                          <p:attrName>style.visibility</p:attrName>
+                                        </p:attrNameLst>
+                                      </p:cBhvr>
+                                      <p:to>
+                                        <p:strVal val="visible"/>
+                                      </p:to>
+                                    </p:set>
+                                  </p:childTnLst>
+                                </p:cTn>
+                              </p:par>
+                            </p:childTnLst>
+                          </p:cTn>
+                        </p:par>
+                      </p:childTnLst>
+                    </p:cTn>
+                  </p:par>
+                  <p:par>
+                    <p:cTn id="21" fill="hold">
+                      <p:stCondLst>
+                        <p:cond delay="indefinite"/>
+                      </p:stCondLst>
+                      <p:childTnLst>
+                        <p:par>
+                          <p:cTn id="22" fill="hold">
+                            <p:stCondLst>
+                              <p:cond delay="0"/>
+                            </p:stCondLst>
+                            <p:childTnLst>
+                              <p:par>
+                                <p:cTn id="23" presetClass="entr" nodeType="clickEffect" presetSubtype="0" presetID="1" grpId="1" fill="hold">
+                                  <p:stCondLst>
+                                    <p:cond delay="0"/>
+                                  </p:stCondLst>
+                                  <p:iterate type="el" backwards="0">
+                                    <p:tmAbs val="0"/>
+                                  </p:iterate>
+                                  <p:childTnLst>
+                                    <p:set>
+                                      <p:cBhvr>
+                                        <p:cTn id="24" fill="hold"/>
+                                        <p:tgtEl>
+                                          <p:spTgt spid="69">
+                                            <p:txEl>
+                                              <p:pRg st="4" end="4"/>
+                                            </p:txEl>
+                                          </p:spTgt>
+                                        </p:tgtEl>
+                                        <p:attrNameLst>
+                                          <p:attrName>style.visibility</p:attrName>
+                                        </p:attrNameLst>
+                                      </p:cBhvr>
+                                      <p:to>
+                                        <p:strVal val="visible"/>
+                                      </p:to>
+                                    </p:set>
+                                  </p:childTnLst>
+                                </p:cTn>
+                              </p:par>
+                            </p:childTnLst>
+                          </p:cTn>
+                        </p:par>
+                      </p:childTnLst>
+                    </p:cTn>
+                  </p:par>
+                  <p:par>
+                    <p:cTn id="25" fill="hold">
+                      <p:stCondLst>
+                        <p:cond delay="indefinite"/>
+                      </p:stCondLst>
+                      <p:childTnLst>
+                        <p:par>
+                          <p:cTn id="26" fill="hold">
+                            <p:stCondLst>
+                              <p:cond delay="0"/>
+                            </p:stCondLst>
+                            <p:childTnLst>
+                              <p:par>
+                                <p:cTn id="27" presetClass="entr" nodeType="clickEffect" presetSubtype="0" presetID="1" grpId="1" fill="hold">
+                                  <p:stCondLst>
+                                    <p:cond delay="0"/>
+                                  </p:stCondLst>
+                                  <p:iterate type="el" backwards="0">
+                                    <p:tmAbs val="0"/>
+                                  </p:iterate>
+                                  <p:childTnLst>
+                                    <p:set>
+                                      <p:cBhvr>
+                                        <p:cTn id="28" fill="hold"/>
+                                        <p:tgtEl>
+                                          <p:spTgt spid="69">
+                                            <p:txEl>
+                                              <p:pRg st="5" end="5"/>
+                                            </p:txEl>
+                                          </p:spTgt>
+                                        </p:tgtEl>
+                                        <p:attrNameLst>
+                                          <p:attrName>style.visibility</p:attrName>
+                                        </p:attrNameLst>
+                                      </p:cBhvr>
+                                      <p:to>
+                                        <p:strVal val="visible"/>
+                                      </p:to>
+                                    </p:set>
+                                  </p:childTnLst>
+                                </p:cTn>
+                              </p:par>
+                            </p:childTnLst>
+                          </p:cTn>
+                        </p:par>
+                      </p:childTnLst>
+                    </p:cTn>
+                  </p:par>
+                  <p:par>
+                    <p:cTn id="29" fill="hold">
+                      <p:stCondLst>
+                        <p:cond delay="indefinite"/>
+                      </p:stCondLst>
+                      <p:childTnLst>
+                        <p:par>
+                          <p:cTn id="30" fill="hold">
+                            <p:stCondLst>
+                              <p:cond delay="0"/>
+                            </p:stCondLst>
+                            <p:childTnLst>
+                              <p:par>
+                                <p:cTn id="31" presetClass="entr" nodeType="clickEffect" presetSubtype="0" presetID="1" grpId="1" fill="hold">
+                                  <p:stCondLst>
+                                    <p:cond delay="0"/>
+                                  </p:stCondLst>
+                                  <p:iterate type="el" backwards="0">
+                                    <p:tmAbs val="0"/>
+                                  </p:iterate>
+                                  <p:childTnLst>
+                                    <p:set>
+                                      <p:cBhvr>
+                                        <p:cTn id="32" fill="hold"/>
+                                        <p:tgtEl>
+                                          <p:spTgt spid="69">
+                                            <p:txEl>
+                                              <p:pRg st="6" end="6"/>
+                                            </p:txEl>
+                                          </p:spTgt>
+                                        </p:tgtEl>
+                                        <p:attrNameLst>
+                                          <p:attrName>style.visibility</p:attrName>
+                                        </p:attrNameLst>
+                                      </p:cBhvr>
+                                      <p:to>
+                                        <p:strVal val="visible"/>
+                                      </p:to>
+                                    </p:set>
+                                  </p:childTnLst>
+                                </p:cTn>
+                              </p:par>
+                            </p:childTnLst>
+                          </p:cTn>
+                        </p:par>
+                      </p:childTnLst>
+                    </p:cTn>
+                  </p:par>
+                  <p:par>
+                    <p:cTn id="33" fill="hold">
+                      <p:stCondLst>
+                        <p:cond delay="indefinite"/>
+                      </p:stCondLst>
+                      <p:childTnLst>
+                        <p:par>
+                          <p:cTn id="34" fill="hold">
+                            <p:stCondLst>
+                              <p:cond delay="0"/>
+                            </p:stCondLst>
+                            <p:childTnLst>
+                              <p:par>
+                                <p:cTn id="35" presetClass="entr" nodeType="clickEffect" presetSubtype="0" presetID="1" grpId="1" fill="hold">
+                                  <p:stCondLst>
+                                    <p:cond delay="0"/>
+                                  </p:stCondLst>
+                                  <p:iterate type="el" backwards="0">
+                                    <p:tmAbs val="0"/>
+                                  </p:iterate>
+                                  <p:childTnLst>
+                                    <p:set>
+                                      <p:cBhvr>
+                                        <p:cTn id="36" fill="hold"/>
+                                        <p:tgtEl>
+                                          <p:spTgt spid="69">
+                                            <p:txEl>
+                                              <p:pRg st="7" end="7"/>
+                                            </p:txEl>
+                                          </p:spTgt>
+                                        </p:tgtEl>
+                                        <p:attrNameLst>
+                                          <p:attrName>style.visibility</p:attrName>
+                                        </p:attrNameLst>
+                                      </p:cBhvr>
+                                      <p:to>
+                                        <p:strVal val="visible"/>
+                                      </p:to>
+                                    </p:set>
+                                  </p:childTnLst>
+                                </p:cTn>
+                              </p:par>
+                            </p:childTnLst>
+                          </p:cTn>
+                        </p:par>
+                      </p:childTnLst>
+                    </p:cTn>
+                  </p:par>
+                  <p:par>
+                    <p:cTn id="37" fill="hold">
+                      <p:stCondLst>
+                        <p:cond delay="indefinite"/>
+                      </p:stCondLst>
+                      <p:childTnLst>
+                        <p:par>
+                          <p:cTn id="38" fill="hold">
+                            <p:stCondLst>
+                              <p:cond delay="0"/>
+                            </p:stCondLst>
+                            <p:childTnLst>
+                              <p:par>
+                                <p:cTn id="39" presetClass="entr" nodeType="clickEffect" presetSubtype="0" presetID="1" grpId="1" fill="hold">
+                                  <p:stCondLst>
+                                    <p:cond delay="0"/>
+                                  </p:stCondLst>
+                                  <p:iterate type="el" backwards="0">
+                                    <p:tmAbs val="0"/>
+                                  </p:iterate>
+                                  <p:childTnLst>
+                                    <p:set>
+                                      <p:cBhvr>
+                                        <p:cTn id="40" fill="hold"/>
+                                        <p:tgtEl>
+                                          <p:spTgt spid="69">
+                                            <p:txEl>
+                                              <p:pRg st="8" end="8"/>
+                                            </p:txEl>
+                                          </p:spTgt>
+                                        </p:tgtEl>
+                                        <p:attrNameLst>
+                                          <p:attrName>style.visibility</p:attrName>
+                                        </p:attrNameLst>
+                                      </p:cBhvr>
+                                      <p:to>
+                                        <p:strVal val="visible"/>
+                                      </p:to>
+                                    </p:set>
+                                  </p:childTnLst>
+                                </p:cTn>
+                              </p:par>
+                            </p:childTnLst>
+                          </p:cTn>
+                        </p:par>
+                      </p:childTnLst>
+                    </p:cTn>
+                  </p:par>
+                  <p:par>
+                    <p:cTn id="41" fill="hold">
+                      <p:stCondLst>
+                        <p:cond delay="indefinite"/>
+                      </p:stCondLst>
+                      <p:childTnLst>
+                        <p:par>
+                          <p:cTn id="42" fill="hold">
+                            <p:stCondLst>
+                              <p:cond delay="0"/>
+                            </p:stCondLst>
+                            <p:childTnLst>
+                              <p:par>
+                                <p:cTn id="43" presetClass="entr" nodeType="clickEffect" presetSubtype="0" presetID="1" grpId="1" fill="hold">
+                                  <p:stCondLst>
+                                    <p:cond delay="0"/>
+                                  </p:stCondLst>
+                                  <p:iterate type="el" backwards="0">
+                                    <p:tmAbs val="0"/>
+                                  </p:iterate>
+                                  <p:childTnLst>
+                                    <p:set>
+                                      <p:cBhvr>
+                                        <p:cTn id="44" fill="hold"/>
+                                        <p:tgtEl>
+                                          <p:spTgt spid="69">
+                                            <p:txEl>
+                                              <p:pRg st="9" end="9"/>
+                                            </p:txEl>
+                                          </p:spTgt>
+                                        </p:tgtEl>
+                                        <p:attrNameLst>
+                                          <p:attrName>style.visibility</p:attrName>
+                                        </p:attrNameLst>
+                                      </p:cBhvr>
+                                      <p:to>
+                                        <p:strVal val="visible"/>
+                                      </p:to>
+                                    </p:set>
+                                  </p:childTnLst>
+                                </p:cTn>
+                              </p:par>
+                            </p:childTnLst>
+                          </p:cTn>
+                        </p:par>
+                      </p:childTnLst>
+                    </p:cTn>
+                  </p:par>
+                  <p:par>
+                    <p:cTn id="45" fill="hold">
+                      <p:stCondLst>
+                        <p:cond delay="indefinite"/>
+                      </p:stCondLst>
+                      <p:childTnLst>
+                        <p:par>
+                          <p:cTn id="46" fill="hold">
+                            <p:stCondLst>
+                              <p:cond delay="0"/>
+                            </p:stCondLst>
+                            <p:childTnLst>
+                              <p:par>
+                                <p:cTn id="47" presetClass="entr" nodeType="clickEffect" presetSubtype="0" presetID="1" grpId="1" fill="hold">
+                                  <p:stCondLst>
+                                    <p:cond delay="0"/>
+                                  </p:stCondLst>
+                                  <p:iterate type="el" backwards="0">
+                                    <p:tmAbs val="0"/>
+                                  </p:iterate>
+                                  <p:childTnLst>
+                                    <p:set>
+                                      <p:cBhvr>
+                                        <p:cTn id="48" fill="hold"/>
+                                        <p:tgtEl>
+                                          <p:spTgt spid="69">
                                             <p:txEl>
                                               <p:pRg st="10" end="10"/>
                                             </p:txEl>
@@ -7223,7 +10026,7 @@
                                       <p:cBhvr>
                                         <p:cTn id="52" fill="hold"/>
                                         <p:tgtEl>
-                                          <p:spTgt spid="51">
+                                          <p:spTgt spid="69">
                                             <p:txEl>
                                               <p:pRg st="11" end="11"/>
                                             </p:txEl>
@@ -7268,561 +10071,9 @@
       </p:par>
     </p:tnLst>
     <p:bldLst>
-      <p:bldP build="p" bldLvl="5" animBg="1" rev="0" advAuto="0" spid="51" grpId="1"/>
+      <p:bldP build="p" bldLvl="5" animBg="1" rev="0" advAuto="0" spid="69" grpId="1"/>
     </p:bldLst>
   </p:timing>
-</p:sld>
-</file>
-
-<file path=ppt/slides/slide5.xml><?xml version="1.0" encoding="utf-8"?>
-<p:sld xmlns:a="http://schemas.openxmlformats.org/drawingml/2006/main" xmlns:r="http://schemas.openxmlformats.org/officeDocument/2006/relationships" xmlns:p="http://schemas.openxmlformats.org/presentationml/2006/main" xmlns:m="http://schemas.openxmlformats.org/officeDocument/2006/math" xmlns:a14="http://schemas.microsoft.com/office/drawing/2010/main" showMasterSp="1" showMasterPhAnim="1">
-  <p:cSld>
-    <p:spTree>
-      <p:nvGrpSpPr>
-        <p:cNvPr id="1" name=""/>
-        <p:cNvGrpSpPr/>
-        <p:nvPr/>
-      </p:nvGrpSpPr>
-      <p:grpSpPr>
-        <a:xfrm>
-          <a:off x="0" y="0"/>
-          <a:ext cx="0" cy="0"/>
-          <a:chOff x="0" y="0"/>
-          <a:chExt cx="0" cy="0"/>
-        </a:xfrm>
-      </p:grpSpPr>
-      <p:sp>
-        <p:nvSpPr>
-          <p:cNvPr id="56" name="Algo 02: Harmonic series"/>
-          <p:cNvSpPr txBox="1"/>
-          <p:nvPr>
-            <p:ph type="title"/>
-          </p:nvPr>
-        </p:nvSpPr>
-        <p:spPr>
-          <a:prstGeom prst="rect">
-            <a:avLst/>
-          </a:prstGeom>
-        </p:spPr>
-        <p:txBody>
-          <a:bodyPr/>
-          <a:lstStyle/>
-          <a:p>
-            <a:pPr/>
-            <a:r>
-              <a:t>Algo 02: Harmonic series</a:t>
-            </a:r>
-          </a:p>
-        </p:txBody>
-      </p:sp>
-      <p:sp>
-        <p:nvSpPr>
-          <p:cNvPr id="57" name="Print first n terms of harmonic series and its sum"/>
-          <p:cNvSpPr txBox="1"/>
-          <p:nvPr>
-            <p:ph type="body" idx="1"/>
-          </p:nvPr>
-        </p:nvSpPr>
-        <p:spPr>
-          <a:prstGeom prst="rect">
-            <a:avLst/>
-          </a:prstGeom>
-        </p:spPr>
-        <p:txBody>
-          <a:bodyPr/>
-          <a:lstStyle/>
-          <a:p>
-            <a:pPr/>
-            <a:r>
-              <a:t>Print first n terms of harmonic series and its sum</a:t>
-            </a:r>
-          </a:p>
-        </p:txBody>
-      </p:sp>
-      <p:sp>
-        <p:nvSpPr>
-          <p:cNvPr id="58" name="Slide Number"/>
-          <p:cNvSpPr txBox="1"/>
-          <p:nvPr>
-            <p:ph type="sldNum" sz="quarter" idx="2"/>
-          </p:nvPr>
-        </p:nvSpPr>
-        <p:spPr>
-          <a:prstGeom prst="rect">
-            <a:avLst/>
-          </a:prstGeom>
-          <a:extLst>
-            <a:ext uri="{C572A759-6A51-4108-AA02-DFA0A04FC94B}">
-              <ma14:wrappingTextBoxFlag xmlns:ma14="http://schemas.microsoft.com/office/mac/drawingml/2011/main" val="1"/>
-            </a:ext>
-          </a:extLst>
-        </p:spPr>
-        <p:txBody>
-          <a:bodyPr/>
-          <a:lstStyle/>
-          <a:p>
-            <a:pPr/>
-            <a:fld id="{86CB4B4D-7CA3-9044-876B-883B54F8677D}" type="slidenum"/>
-          </a:p>
-        </p:txBody>
-      </p:sp>
-      <p:sp>
-        <p:nvSpPr>
-          <p:cNvPr id="59" name="DAA/Algorithm Practice Exercises"/>
-          <p:cNvSpPr txBox="1"/>
-          <p:nvPr/>
-        </p:nvSpPr>
-        <p:spPr>
-          <a:xfrm>
-            <a:off x="423212" y="6963885"/>
-            <a:ext cx="4471701" cy="431552"/>
-          </a:xfrm>
-          <a:prstGeom prst="rect">
-            <a:avLst/>
-          </a:prstGeom>
-          <a:ln w="12700">
-            <a:miter lim="400000"/>
-          </a:ln>
-          <a:extLst>
-            <a:ext uri="{C572A759-6A51-4108-AA02-DFA0A04FC94B}">
-              <ma14:wrappingTextBoxFlag xmlns:ma14="http://schemas.microsoft.com/office/mac/drawingml/2011/main" val="1"/>
-            </a:ext>
-          </a:extLst>
-        </p:spPr>
-        <p:txBody>
-          <a:bodyPr wrap="none" lIns="50800" tIns="50800" rIns="50800" bIns="50800" anchor="ctr">
-            <a:spAutoFit/>
-          </a:bodyPr>
-          <a:lstStyle>
-            <a:lvl1pPr>
-              <a:defRPr sz="2400"/>
-            </a:lvl1pPr>
-          </a:lstStyle>
-          <a:p>
-            <a:pPr/>
-            <a:r>
-              <a:t>DAA/Algorithm Practice Exercises</a:t>
-            </a:r>
-          </a:p>
-        </p:txBody>
-      </p:sp>
-      <p:sp>
-        <p:nvSpPr>
-          <p:cNvPr id="60" name="RPR/"/>
-          <p:cNvSpPr txBox="1"/>
-          <p:nvPr/>
-        </p:nvSpPr>
-        <p:spPr>
-          <a:xfrm>
-            <a:off x="7535212" y="6988206"/>
-            <a:ext cx="705605" cy="382910"/>
-          </a:xfrm>
-          <a:prstGeom prst="rect">
-            <a:avLst/>
-          </a:prstGeom>
-          <a:ln w="12700">
-            <a:miter lim="400000"/>
-          </a:ln>
-          <a:extLst>
-            <a:ext uri="{C572A759-6A51-4108-AA02-DFA0A04FC94B}">
-              <ma14:wrappingTextBoxFlag xmlns:ma14="http://schemas.microsoft.com/office/mac/drawingml/2011/main" val="1"/>
-            </a:ext>
-          </a:extLst>
-        </p:spPr>
-        <p:txBody>
-          <a:bodyPr wrap="none" lIns="50800" tIns="50800" rIns="50800" bIns="50800" anchor="ctr">
-            <a:spAutoFit/>
-          </a:bodyPr>
-          <a:lstStyle>
-            <a:lvl1pPr>
-              <a:defRPr sz="2000"/>
-            </a:lvl1pPr>
-          </a:lstStyle>
-          <a:p>
-            <a:pPr/>
-            <a:r>
-              <a:t>RPR/</a:t>
-            </a:r>
-          </a:p>
-        </p:txBody>
-      </p:sp>
-    </p:spTree>
-  </p:cSld>
-  <p:clrMapOvr>
-    <a:masterClrMapping/>
-  </p:clrMapOvr>
-  <p:transition xmlns:p14="http://schemas.microsoft.com/office/powerpoint/2010/main" spd="med" advClick="1"/>
-</p:sld>
-</file>
-
-<file path=ppt/slides/slide6.xml><?xml version="1.0" encoding="utf-8"?>
-<p:sld xmlns:a="http://schemas.openxmlformats.org/drawingml/2006/main" xmlns:r="http://schemas.openxmlformats.org/officeDocument/2006/relationships" xmlns:p="http://schemas.openxmlformats.org/presentationml/2006/main" xmlns:m="http://schemas.openxmlformats.org/officeDocument/2006/math" xmlns:a14="http://schemas.microsoft.com/office/drawing/2010/main" showMasterSp="1" showMasterPhAnim="1">
-  <p:cSld>
-    <p:spTree>
-      <p:nvGrpSpPr>
-        <p:cNvPr id="1" name=""/>
-        <p:cNvGrpSpPr/>
-        <p:nvPr/>
-      </p:nvGrpSpPr>
-      <p:grpSpPr>
-        <a:xfrm>
-          <a:off x="0" y="0"/>
-          <a:ext cx="0" cy="0"/>
-          <a:chOff x="0" y="0"/>
-          <a:chExt cx="0" cy="0"/>
-        </a:xfrm>
-      </p:grpSpPr>
-      <p:sp>
-        <p:nvSpPr>
-          <p:cNvPr id="62" name="Algo 03: Binary Conversion"/>
-          <p:cNvSpPr txBox="1"/>
-          <p:nvPr>
-            <p:ph type="title"/>
-          </p:nvPr>
-        </p:nvSpPr>
-        <p:spPr>
-          <a:prstGeom prst="rect">
-            <a:avLst/>
-          </a:prstGeom>
-        </p:spPr>
-        <p:txBody>
-          <a:bodyPr/>
-          <a:lstStyle/>
-          <a:p>
-            <a:pPr/>
-            <a:r>
-              <a:t>Algo 03: Binary Conversion</a:t>
-            </a:r>
-          </a:p>
-        </p:txBody>
-      </p:sp>
-      <p:sp>
-        <p:nvSpPr>
-          <p:cNvPr id="63" name="Given number n, outputs its value in binary"/>
-          <p:cNvSpPr txBox="1"/>
-          <p:nvPr>
-            <p:ph type="body" idx="1"/>
-          </p:nvPr>
-        </p:nvSpPr>
-        <p:spPr>
-          <a:prstGeom prst="rect">
-            <a:avLst/>
-          </a:prstGeom>
-        </p:spPr>
-        <p:txBody>
-          <a:bodyPr/>
-          <a:lstStyle/>
-          <a:p>
-            <a:pPr/>
-            <a:r>
-              <a:t>Given number n, outputs its value in binary</a:t>
-            </a:r>
-          </a:p>
-        </p:txBody>
-      </p:sp>
-      <p:sp>
-        <p:nvSpPr>
-          <p:cNvPr id="64" name="Slide Number"/>
-          <p:cNvSpPr txBox="1"/>
-          <p:nvPr>
-            <p:ph type="sldNum" sz="quarter" idx="2"/>
-          </p:nvPr>
-        </p:nvSpPr>
-        <p:spPr>
-          <a:prstGeom prst="rect">
-            <a:avLst/>
-          </a:prstGeom>
-          <a:extLst>
-            <a:ext uri="{C572A759-6A51-4108-AA02-DFA0A04FC94B}">
-              <ma14:wrappingTextBoxFlag xmlns:ma14="http://schemas.microsoft.com/office/mac/drawingml/2011/main" val="1"/>
-            </a:ext>
-          </a:extLst>
-        </p:spPr>
-        <p:txBody>
-          <a:bodyPr/>
-          <a:lstStyle/>
-          <a:p>
-            <a:pPr/>
-            <a:fld id="{86CB4B4D-7CA3-9044-876B-883B54F8677D}" type="slidenum"/>
-          </a:p>
-        </p:txBody>
-      </p:sp>
-      <p:sp>
-        <p:nvSpPr>
-          <p:cNvPr id="65" name="DAA/Algorithm Practice Exercises"/>
-          <p:cNvSpPr txBox="1"/>
-          <p:nvPr/>
-        </p:nvSpPr>
-        <p:spPr>
-          <a:xfrm>
-            <a:off x="423212" y="6963885"/>
-            <a:ext cx="4471701" cy="431552"/>
-          </a:xfrm>
-          <a:prstGeom prst="rect">
-            <a:avLst/>
-          </a:prstGeom>
-          <a:ln w="12700">
-            <a:miter lim="400000"/>
-          </a:ln>
-          <a:extLst>
-            <a:ext uri="{C572A759-6A51-4108-AA02-DFA0A04FC94B}">
-              <ma14:wrappingTextBoxFlag xmlns:ma14="http://schemas.microsoft.com/office/mac/drawingml/2011/main" val="1"/>
-            </a:ext>
-          </a:extLst>
-        </p:spPr>
-        <p:txBody>
-          <a:bodyPr wrap="none" lIns="50800" tIns="50800" rIns="50800" bIns="50800" anchor="ctr">
-            <a:spAutoFit/>
-          </a:bodyPr>
-          <a:lstStyle>
-            <a:lvl1pPr>
-              <a:defRPr sz="2400"/>
-            </a:lvl1pPr>
-          </a:lstStyle>
-          <a:p>
-            <a:pPr/>
-            <a:r>
-              <a:t>DAA/Algorithm Practice Exercises</a:t>
-            </a:r>
-          </a:p>
-        </p:txBody>
-      </p:sp>
-      <p:sp>
-        <p:nvSpPr>
-          <p:cNvPr id="66" name="RPR/"/>
-          <p:cNvSpPr txBox="1"/>
-          <p:nvPr/>
-        </p:nvSpPr>
-        <p:spPr>
-          <a:xfrm>
-            <a:off x="7535212" y="6988206"/>
-            <a:ext cx="705605" cy="382910"/>
-          </a:xfrm>
-          <a:prstGeom prst="rect">
-            <a:avLst/>
-          </a:prstGeom>
-          <a:ln w="12700">
-            <a:miter lim="400000"/>
-          </a:ln>
-          <a:extLst>
-            <a:ext uri="{C572A759-6A51-4108-AA02-DFA0A04FC94B}">
-              <ma14:wrappingTextBoxFlag xmlns:ma14="http://schemas.microsoft.com/office/mac/drawingml/2011/main" val="1"/>
-            </a:ext>
-          </a:extLst>
-        </p:spPr>
-        <p:txBody>
-          <a:bodyPr wrap="none" lIns="50800" tIns="50800" rIns="50800" bIns="50800" anchor="ctr">
-            <a:spAutoFit/>
-          </a:bodyPr>
-          <a:lstStyle>
-            <a:lvl1pPr>
-              <a:defRPr sz="2000"/>
-            </a:lvl1pPr>
-          </a:lstStyle>
-          <a:p>
-            <a:pPr/>
-            <a:r>
-              <a:t>RPR/</a:t>
-            </a:r>
-          </a:p>
-        </p:txBody>
-      </p:sp>
-    </p:spTree>
-  </p:cSld>
-  <p:clrMapOvr>
-    <a:masterClrMapping/>
-  </p:clrMapOvr>
-  <p:transition xmlns:p14="http://schemas.microsoft.com/office/powerpoint/2010/main" spd="med" advClick="1"/>
-</p:sld>
-</file>
-
-<file path=ppt/slides/slide7.xml><?xml version="1.0" encoding="utf-8"?>
-<p:sld xmlns:a="http://schemas.openxmlformats.org/drawingml/2006/main" xmlns:r="http://schemas.openxmlformats.org/officeDocument/2006/relationships" xmlns:p="http://schemas.openxmlformats.org/presentationml/2006/main" xmlns:m="http://schemas.openxmlformats.org/officeDocument/2006/math" xmlns:a14="http://schemas.microsoft.com/office/drawing/2010/main" showMasterSp="1" showMasterPhAnim="1">
-  <p:cSld>
-    <p:spTree>
-      <p:nvGrpSpPr>
-        <p:cNvPr id="1" name=""/>
-        <p:cNvGrpSpPr/>
-        <p:nvPr/>
-      </p:nvGrpSpPr>
-      <p:grpSpPr>
-        <a:xfrm>
-          <a:off x="0" y="0"/>
-          <a:ext cx="0" cy="0"/>
-          <a:chOff x="0" y="0"/>
-          <a:chExt cx="0" cy="0"/>
-        </a:xfrm>
-      </p:grpSpPr>
-      <p:sp>
-        <p:nvSpPr>
-          <p:cNvPr id="68" name="Algo 04: Fibonacci Series"/>
-          <p:cNvSpPr txBox="1"/>
-          <p:nvPr>
-            <p:ph type="title"/>
-          </p:nvPr>
-        </p:nvSpPr>
-        <p:spPr>
-          <a:prstGeom prst="rect">
-            <a:avLst/>
-          </a:prstGeom>
-        </p:spPr>
-        <p:txBody>
-          <a:bodyPr/>
-          <a:lstStyle/>
-          <a:p>
-            <a:pPr/>
-            <a:r>
-              <a:t>Algo 04: Fibonacci Series</a:t>
-            </a:r>
-          </a:p>
-        </p:txBody>
-      </p:sp>
-      <p:sp>
-        <p:nvSpPr>
-          <p:cNvPr id="69" name="Print first n terms of Fibonacci series starting from 1, 1"/>
-          <p:cNvSpPr txBox="1"/>
-          <p:nvPr>
-            <p:ph type="body" idx="1"/>
-          </p:nvPr>
-        </p:nvSpPr>
-        <p:spPr>
-          <a:prstGeom prst="rect">
-            <a:avLst/>
-          </a:prstGeom>
-        </p:spPr>
-        <p:txBody>
-          <a:bodyPr/>
-          <a:lstStyle/>
-          <a:p>
-            <a:pPr/>
-            <a:r>
-              <a:t>Print first n terms of Fibonacci series starting from </a:t>
-            </a:r>
-            <a:r>
-              <a:rPr>
-                <a:latin typeface="Courier New"/>
-                <a:ea typeface="Courier New"/>
-                <a:cs typeface="Courier New"/>
-                <a:sym typeface="Courier New"/>
-              </a:rPr>
-              <a:t>1, 1</a:t>
-            </a:r>
-          </a:p>
-        </p:txBody>
-      </p:sp>
-      <p:sp>
-        <p:nvSpPr>
-          <p:cNvPr id="70" name="Slide Number"/>
-          <p:cNvSpPr txBox="1"/>
-          <p:nvPr>
-            <p:ph type="sldNum" sz="quarter" idx="2"/>
-          </p:nvPr>
-        </p:nvSpPr>
-        <p:spPr>
-          <a:prstGeom prst="rect">
-            <a:avLst/>
-          </a:prstGeom>
-          <a:extLst>
-            <a:ext uri="{C572A759-6A51-4108-AA02-DFA0A04FC94B}">
-              <ma14:wrappingTextBoxFlag xmlns:ma14="http://schemas.microsoft.com/office/mac/drawingml/2011/main" val="1"/>
-            </a:ext>
-          </a:extLst>
-        </p:spPr>
-        <p:txBody>
-          <a:bodyPr/>
-          <a:lstStyle/>
-          <a:p>
-            <a:pPr/>
-            <a:fld id="{86CB4B4D-7CA3-9044-876B-883B54F8677D}" type="slidenum"/>
-          </a:p>
-        </p:txBody>
-      </p:sp>
-      <p:sp>
-        <p:nvSpPr>
-          <p:cNvPr id="71" name="DAA/Algorithm Practice Exercises"/>
-          <p:cNvSpPr txBox="1"/>
-          <p:nvPr/>
-        </p:nvSpPr>
-        <p:spPr>
-          <a:xfrm>
-            <a:off x="423212" y="6963885"/>
-            <a:ext cx="4471701" cy="431552"/>
-          </a:xfrm>
-          <a:prstGeom prst="rect">
-            <a:avLst/>
-          </a:prstGeom>
-          <a:ln w="12700">
-            <a:miter lim="400000"/>
-          </a:ln>
-          <a:extLst>
-            <a:ext uri="{C572A759-6A51-4108-AA02-DFA0A04FC94B}">
-              <ma14:wrappingTextBoxFlag xmlns:ma14="http://schemas.microsoft.com/office/mac/drawingml/2011/main" val="1"/>
-            </a:ext>
-          </a:extLst>
-        </p:spPr>
-        <p:txBody>
-          <a:bodyPr wrap="none" lIns="50800" tIns="50800" rIns="50800" bIns="50800" anchor="ctr">
-            <a:spAutoFit/>
-          </a:bodyPr>
-          <a:lstStyle>
-            <a:lvl1pPr>
-              <a:defRPr sz="2400"/>
-            </a:lvl1pPr>
-          </a:lstStyle>
-          <a:p>
-            <a:pPr/>
-            <a:r>
-              <a:t>DAA/Algorithm Practice Exercises</a:t>
-            </a:r>
-          </a:p>
-        </p:txBody>
-      </p:sp>
-      <p:sp>
-        <p:nvSpPr>
-          <p:cNvPr id="72" name="RPR/"/>
-          <p:cNvSpPr txBox="1"/>
-          <p:nvPr/>
-        </p:nvSpPr>
-        <p:spPr>
-          <a:xfrm>
-            <a:off x="7535212" y="6988206"/>
-            <a:ext cx="705605" cy="382910"/>
-          </a:xfrm>
-          <a:prstGeom prst="rect">
-            <a:avLst/>
-          </a:prstGeom>
-          <a:ln w="12700">
-            <a:miter lim="400000"/>
-          </a:ln>
-          <a:extLst>
-            <a:ext uri="{C572A759-6A51-4108-AA02-DFA0A04FC94B}">
-              <ma14:wrappingTextBoxFlag xmlns:ma14="http://schemas.microsoft.com/office/mac/drawingml/2011/main" val="1"/>
-            </a:ext>
-          </a:extLst>
-        </p:spPr>
-        <p:txBody>
-          <a:bodyPr wrap="none" lIns="50800" tIns="50800" rIns="50800" bIns="50800" anchor="ctr">
-            <a:spAutoFit/>
-          </a:bodyPr>
-          <a:lstStyle>
-            <a:lvl1pPr>
-              <a:defRPr sz="2000"/>
-            </a:lvl1pPr>
-          </a:lstStyle>
-          <a:p>
-            <a:pPr/>
-            <a:r>
-              <a:t>RPR/</a:t>
-            </a:r>
-          </a:p>
-        </p:txBody>
-      </p:sp>
-    </p:spTree>
-  </p:cSld>
-  <p:clrMapOvr>
-    <a:masterClrMapping/>
-  </p:clrMapOvr>
-  <p:transition xmlns:p14="http://schemas.microsoft.com/office/powerpoint/2010/main" spd="med" advClick="1"/>
 </p:sld>
 </file>
 
@@ -7845,7 +10096,7 @@
       </p:grpSpPr>
       <p:sp>
         <p:nvSpPr>
-          <p:cNvPr id="74" name="Algo 05: Ramanujan 1729"/>
+          <p:cNvPr id="74" name="Algo 02: Harmonic series"/>
           <p:cNvSpPr txBox="1"/>
           <p:nvPr>
             <p:ph type="title"/>
@@ -7862,20 +10113,24 @@
           <a:p>
             <a:pPr/>
             <a:r>
-              <a:t>Algo 05: Ramanujan 1729</a:t>
+              <a:t>Algo 02: Harmonic series</a:t>
             </a:r>
           </a:p>
         </p:txBody>
       </p:sp>
       <p:sp>
         <p:nvSpPr>
-          <p:cNvPr id="75" name="Given n, find all possible values of a, b, c and d such that a3+b3=c3+d3 ≤ n,e.g.…"/>
+          <p:cNvPr id="75" name="Print first n terms of harmonic series and its sum…"/>
           <p:cNvSpPr txBox="1"/>
           <p:nvPr>
             <p:ph type="body" idx="1"/>
           </p:nvPr>
         </p:nvSpPr>
         <p:spPr>
+          <a:xfrm>
+            <a:off x="887784" y="938113"/>
+            <a:ext cx="8934832" cy="5891610"/>
+          </a:xfrm>
           <a:prstGeom prst="rect">
             <a:avLst/>
           </a:prstGeom>
@@ -7886,7 +10141,7 @@
           <a:p>
             <a:pPr/>
             <a:r>
-              <a:t>Given n, find all possible values of a, b, c and d such that </a:t>
+              <a:t>Print first </a:t>
             </a:r>
             <a:r>
               <a:rPr>
@@ -7895,80 +10150,53 @@
                 <a:cs typeface="Courier New"/>
                 <a:sym typeface="Courier New"/>
               </a:rPr>
-              <a:t>a</a:t>
-            </a:r>
-            <a:r>
-              <a:rPr baseline="31999">
-                <a:latin typeface="Courier New"/>
-                <a:ea typeface="Courier New"/>
-                <a:cs typeface="Courier New"/>
-                <a:sym typeface="Courier New"/>
-              </a:rPr>
-              <a:t>3</a:t>
-            </a:r>
-            <a:r>
-              <a:rPr>
-                <a:latin typeface="Courier New"/>
-                <a:ea typeface="Courier New"/>
-                <a:cs typeface="Courier New"/>
-                <a:sym typeface="Courier New"/>
-              </a:rPr>
-              <a:t>+b</a:t>
-            </a:r>
-            <a:r>
-              <a:rPr baseline="31999">
-                <a:latin typeface="Courier New"/>
-                <a:ea typeface="Courier New"/>
-                <a:cs typeface="Courier New"/>
-                <a:sym typeface="Courier New"/>
-              </a:rPr>
-              <a:t>3</a:t>
-            </a:r>
-            <a:r>
-              <a:rPr>
-                <a:latin typeface="Courier New"/>
-                <a:ea typeface="Courier New"/>
-                <a:cs typeface="Courier New"/>
-                <a:sym typeface="Courier New"/>
-              </a:rPr>
-              <a:t>=c</a:t>
-            </a:r>
-            <a:r>
-              <a:rPr baseline="31999">
-                <a:latin typeface="Courier New"/>
-                <a:ea typeface="Courier New"/>
-                <a:cs typeface="Courier New"/>
-                <a:sym typeface="Courier New"/>
-              </a:rPr>
-              <a:t>3</a:t>
-            </a:r>
-            <a:r>
-              <a:rPr>
-                <a:latin typeface="Courier New"/>
-                <a:ea typeface="Courier New"/>
-                <a:cs typeface="Courier New"/>
-                <a:sym typeface="Courier New"/>
-              </a:rPr>
-              <a:t>+d</a:t>
-            </a:r>
-            <a:r>
-              <a:rPr baseline="31999">
-                <a:latin typeface="Courier New"/>
-                <a:ea typeface="Courier New"/>
-                <a:cs typeface="Courier New"/>
-                <a:sym typeface="Courier New"/>
-              </a:rPr>
-              <a:t>3</a:t>
-            </a:r>
-            <a:r>
-              <a:rPr>
-                <a:latin typeface="Courier New"/>
-                <a:ea typeface="Courier New"/>
-                <a:cs typeface="Courier New"/>
-                <a:sym typeface="Courier New"/>
-              </a:rPr>
-              <a:t> ≤ n,</a:t>
-            </a:r>
+              <a:t>n</a:t>
+            </a:r>
+            <a:r>
+              <a:t> terms of harmonic series and its sum</a:t>
+            </a:r>
+          </a:p>
+          <a:p>
+            <a:pPr marL="0" indent="0">
+              <a:buSzTx/>
+              <a:buNone/>
+              <a:defRPr>
+                <a:latin typeface="Courier New"/>
+                <a:ea typeface="Courier New"/>
+                <a:cs typeface="Courier New"/>
+                <a:sym typeface="Courier New"/>
+              </a:defRPr>
+            </a:pPr>
+            <a:r>
+              <a:t>print “1/1”</a:t>
+            </a:r>
+          </a:p>
+          <a:p>
+            <a:pPr marL="0" indent="0">
+              <a:buSzTx/>
+              <a:buNone/>
+              <a:defRPr>
+                <a:latin typeface="Courier New"/>
+                <a:ea typeface="Courier New"/>
+                <a:cs typeface="Courier New"/>
+                <a:sym typeface="Courier New"/>
+              </a:defRPr>
+            </a:pPr>
+            <a:r>
+              <a:t>sum = 1.0</a:t>
+            </a:r>
+          </a:p>
+          <a:p>
+            <a:pPr marL="0" indent="0">
+              <a:buSzTx/>
+              <a:buNone/>
+              <a:defRPr>
+                <a:latin typeface="Courier New"/>
+                <a:ea typeface="Courier New"/>
+                <a:cs typeface="Courier New"/>
+                <a:sym typeface="Courier New"/>
+              </a:defRPr>
+            </a:pPr>
             <a:r>
               <a:rPr>
                 <a:latin typeface="Gill Sans MT"/>
@@ -7976,7 +10204,112 @@
                 <a:cs typeface="Gill Sans MT"/>
                 <a:sym typeface="Gill Sans MT"/>
               </a:rPr>
-              <a:t>e.g.</a:t>
+              <a:t>for</a:t>
+            </a:r>
+            <a:r>
+              <a:t> num = 2</a:t>
+            </a:r>
+            <a:r>
+              <a:rPr>
+                <a:latin typeface="Gill Sans MT"/>
+                <a:ea typeface="Gill Sans MT"/>
+                <a:cs typeface="Gill Sans MT"/>
+                <a:sym typeface="Gill Sans MT"/>
+              </a:rPr>
+              <a:t> to </a:t>
+            </a:r>
+            <a:r>
+              <a:t>n, </a:t>
+            </a:r>
+            <a:r>
+              <a:rPr>
+                <a:latin typeface="Gill Sans MT"/>
+                <a:ea typeface="Gill Sans MT"/>
+                <a:cs typeface="Gill Sans MT"/>
+                <a:sym typeface="Gill Sans MT"/>
+              </a:rPr>
+              <a:t>do</a:t>
+            </a:r>
+          </a:p>
+          <a:p>
+            <a:pPr lvl="2" marL="0" indent="457200">
+              <a:spcBef>
+                <a:spcPts val="700"/>
+              </a:spcBef>
+              <a:buSzTx/>
+              <a:buNone/>
+              <a:defRPr sz="3200">
+                <a:latin typeface="Courier New"/>
+                <a:ea typeface="Courier New"/>
+                <a:cs typeface="Courier New"/>
+                <a:sym typeface="Courier New"/>
+              </a:defRPr>
+            </a:pPr>
+            <a:r>
+              <a:rPr>
+                <a:latin typeface="Gill Sans MT"/>
+                <a:ea typeface="Gill Sans MT"/>
+                <a:cs typeface="Gill Sans MT"/>
+                <a:sym typeface="Gill Sans MT"/>
+              </a:rPr>
+              <a:t>print</a:t>
+            </a:r>
+            <a:r>
+              <a:t> “1/“, num</a:t>
+            </a:r>
+          </a:p>
+          <a:p>
+            <a:pPr lvl="2" marL="0" indent="457200">
+              <a:spcBef>
+                <a:spcPts val="700"/>
+              </a:spcBef>
+              <a:buSzTx/>
+              <a:buNone/>
+              <a:defRPr sz="3200">
+                <a:latin typeface="Courier New"/>
+                <a:ea typeface="Courier New"/>
+                <a:cs typeface="Courier New"/>
+                <a:sym typeface="Courier New"/>
+              </a:defRPr>
+            </a:pPr>
+            <a:r>
+              <a:t>sum = sum + 1/num</a:t>
+            </a:r>
+          </a:p>
+          <a:p>
+            <a:pPr marL="0" indent="0">
+              <a:spcBef>
+                <a:spcPts val="600"/>
+              </a:spcBef>
+              <a:buSzTx/>
+              <a:buNone/>
+              <a:defRPr sz="3000">
+                <a:latin typeface="Courier New"/>
+                <a:ea typeface="Courier New"/>
+                <a:cs typeface="Courier New"/>
+                <a:sym typeface="Courier New"/>
+              </a:defRPr>
+            </a:pPr>
+            <a:r>
+              <a:rPr>
+                <a:latin typeface="Gill Sans MT"/>
+                <a:ea typeface="Gill Sans MT"/>
+                <a:cs typeface="Gill Sans MT"/>
+                <a:sym typeface="Gill Sans MT"/>
+              </a:rPr>
+              <a:t>done</a:t>
+            </a:r>
+            <a:r>
+              <a:t> </a:t>
+            </a:r>
+            <a:r>
+              <a:rPr>
+                <a:latin typeface="Gill Sans MT"/>
+                <a:ea typeface="Gill Sans MT"/>
+                <a:cs typeface="Gill Sans MT"/>
+                <a:sym typeface="Gill Sans MT"/>
+              </a:rPr>
+              <a:t>// for</a:t>
             </a:r>
             <a:endParaRPr>
               <a:latin typeface="Gill Sans MT"/>
@@ -7986,7 +10319,7 @@
             </a:endParaRPr>
           </a:p>
           <a:p>
-            <a:pPr lvl="3" marL="0" indent="685800">
+            <a:pPr marL="0" indent="0">
               <a:spcBef>
                 <a:spcPts val="600"/>
               </a:spcBef>
@@ -8000,458 +10333,16 @@
               </a:defRPr>
             </a:pPr>
             <a:r>
-              <a:t>1</a:t>
-            </a:r>
-            <a:r>
-              <a:rPr baseline="31999"/>
-              <a:t>3</a:t>
-            </a:r>
-            <a:r>
-              <a:t>+12</a:t>
-            </a:r>
-            <a:r>
-              <a:rPr baseline="31999"/>
-              <a:t>3 </a:t>
-            </a:r>
-            <a:r>
-              <a:t>= 10</a:t>
-            </a:r>
-            <a:r>
-              <a:rPr baseline="31999"/>
-              <a:t>3</a:t>
-            </a:r>
-            <a:r>
-              <a:t>+9</a:t>
-            </a:r>
-            <a:r>
-              <a:rPr baseline="31999"/>
-              <a:t>3 </a:t>
-            </a:r>
-            <a:r>
-              <a:t>= 1729</a:t>
-            </a:r>
-          </a:p>
-          <a:p>
-            <a:pPr marL="342246" indent="-302558">
-              <a:spcBef>
-                <a:spcPts val="600"/>
-              </a:spcBef>
-              <a:defRPr sz="3000">
+              <a:rPr>
                 <a:latin typeface="Gill Sans MT"/>
                 <a:ea typeface="Gill Sans MT"/>
                 <a:cs typeface="Gill Sans MT"/>
                 <a:sym typeface="Gill Sans MT"/>
-              </a:defRPr>
-            </a:pPr>
-            <a:r>
-              <a:t>How should you proceed.</a:t>
-            </a:r>
-          </a:p>
-          <a:p>
-            <a:pPr lvl="1" marL="663178" indent="-267890">
-              <a:buChar char="•"/>
-              <a:defRPr>
-                <a:latin typeface="Gill Sans MT"/>
-                <a:ea typeface="Gill Sans MT"/>
-                <a:cs typeface="Gill Sans MT"/>
-                <a:sym typeface="Gill Sans MT"/>
-              </a:defRPr>
-            </a:pPr>
-            <a:r>
-              <a:t>Need 4 for loops</a:t>
-            </a:r>
-          </a:p>
-          <a:p>
-            <a:pPr lvl="1" marL="663178" indent="-267890">
-              <a:buChar char="•"/>
-              <a:defRPr>
-                <a:latin typeface="Gill Sans MT"/>
-                <a:ea typeface="Gill Sans MT"/>
-                <a:cs typeface="Gill Sans MT"/>
-                <a:sym typeface="Gill Sans MT"/>
-              </a:defRPr>
-            </a:pPr>
-            <a:r>
-              <a:t>First : </a:t>
-            </a:r>
-            <a:r>
-              <a:rPr>
-                <a:latin typeface="Courier New"/>
-                <a:ea typeface="Courier New"/>
-                <a:cs typeface="Courier New"/>
-                <a:sym typeface="Courier New"/>
-              </a:rPr>
-              <a:t>a=1</a:t>
-            </a:r>
-            <a:r>
-              <a:t> to </a:t>
-            </a:r>
-            <a:r>
-              <a:rPr>
-                <a:latin typeface="Courier New"/>
-                <a:ea typeface="Courier New"/>
-                <a:cs typeface="Courier New"/>
-                <a:sym typeface="Courier New"/>
-              </a:rPr>
-              <a:t>n</a:t>
-            </a:r>
-            <a:r>
-              <a:rPr baseline="31999">
-                <a:latin typeface="Courier New"/>
-                <a:ea typeface="Courier New"/>
-                <a:cs typeface="Courier New"/>
-                <a:sym typeface="Courier New"/>
-              </a:rPr>
-              <a:t>1/3</a:t>
-            </a:r>
-            <a:endParaRPr baseline="31999">
-              <a:latin typeface="Courier New"/>
-              <a:ea typeface="Courier New"/>
-              <a:cs typeface="Courier New"/>
-              <a:sym typeface="Courier New"/>
-            </a:endParaRPr>
-          </a:p>
-          <a:p>
-            <a:pPr lvl="1" marL="663178" indent="-267890">
-              <a:buChar char="•"/>
-              <a:defRPr>
-                <a:latin typeface="Gill Sans MT"/>
-                <a:ea typeface="Gill Sans MT"/>
-                <a:cs typeface="Gill Sans MT"/>
-                <a:sym typeface="Gill Sans MT"/>
-              </a:defRPr>
-            </a:pPr>
-            <a:r>
-              <a:t>Second: </a:t>
-            </a:r>
-            <a:r>
-              <a:rPr>
-                <a:latin typeface="Courier New"/>
-                <a:ea typeface="Courier New"/>
-                <a:cs typeface="Courier New"/>
-                <a:sym typeface="Courier New"/>
-              </a:rPr>
-              <a:t>b=a</a:t>
-            </a:r>
-            <a:r>
-              <a:t> to </a:t>
-            </a:r>
-            <a:r>
-              <a:rPr>
-                <a:latin typeface="Courier New"/>
-                <a:ea typeface="Courier New"/>
-                <a:cs typeface="Courier New"/>
-                <a:sym typeface="Courier New"/>
-              </a:rPr>
-              <a:t>n</a:t>
-            </a:r>
-            <a:r>
-              <a:rPr baseline="31999">
-                <a:latin typeface="Courier New"/>
-                <a:ea typeface="Courier New"/>
-                <a:cs typeface="Courier New"/>
-                <a:sym typeface="Courier New"/>
-              </a:rPr>
-              <a:t>1/3 </a:t>
-            </a:r>
-            <a:r>
-              <a:t>and</a:t>
-            </a:r>
-            <a:r>
-              <a:rPr>
-                <a:latin typeface="Courier New"/>
-                <a:ea typeface="Courier New"/>
-                <a:cs typeface="Courier New"/>
-                <a:sym typeface="Courier New"/>
-              </a:rPr>
-              <a:t> a</a:t>
-            </a:r>
-            <a:r>
-              <a:rPr baseline="31999">
-                <a:latin typeface="Courier New"/>
-                <a:ea typeface="Courier New"/>
-                <a:cs typeface="Courier New"/>
-                <a:sym typeface="Courier New"/>
-              </a:rPr>
-              <a:t>3</a:t>
-            </a:r>
-            <a:r>
-              <a:rPr>
-                <a:latin typeface="Courier New"/>
-                <a:ea typeface="Courier New"/>
-                <a:cs typeface="Courier New"/>
-                <a:sym typeface="Courier New"/>
-              </a:rPr>
-              <a:t>+b</a:t>
-            </a:r>
-            <a:r>
-              <a:rPr baseline="31999">
-                <a:latin typeface="Courier New"/>
-                <a:ea typeface="Courier New"/>
-                <a:cs typeface="Courier New"/>
-                <a:sym typeface="Courier New"/>
-              </a:rPr>
-              <a:t>3</a:t>
-            </a:r>
-            <a:r>
-              <a:rPr>
-                <a:latin typeface="Courier New"/>
-                <a:ea typeface="Courier New"/>
-                <a:cs typeface="Courier New"/>
-                <a:sym typeface="Courier New"/>
-              </a:rPr>
-              <a:t>&lt;=n</a:t>
-            </a:r>
-          </a:p>
-          <a:p>
-            <a:pPr lvl="1" marL="663178" indent="-267890">
-              <a:buChar char="•"/>
-              <a:defRPr>
-                <a:latin typeface="Gill Sans MT"/>
-                <a:ea typeface="Gill Sans MT"/>
-                <a:cs typeface="Gill Sans MT"/>
-                <a:sym typeface="Gill Sans MT"/>
-              </a:defRPr>
-            </a:pPr>
-            <a:r>
-              <a:t>Third: c=a+1 to </a:t>
-            </a:r>
-            <a:r>
-              <a:rPr>
-                <a:latin typeface="Courier New"/>
-                <a:ea typeface="Courier New"/>
-                <a:cs typeface="Courier New"/>
-                <a:sym typeface="Courier New"/>
-              </a:rPr>
-              <a:t>n</a:t>
-            </a:r>
-            <a:r>
-              <a:rPr baseline="31999">
-                <a:latin typeface="Courier New"/>
-                <a:ea typeface="Courier New"/>
-                <a:cs typeface="Courier New"/>
-                <a:sym typeface="Courier New"/>
-              </a:rPr>
-              <a:t>1/3</a:t>
-            </a:r>
-          </a:p>
-          <a:p>
-            <a:pPr lvl="1" marL="663178" indent="-267890">
-              <a:buChar char="•"/>
-              <a:defRPr>
-                <a:latin typeface="Gill Sans MT"/>
-                <a:ea typeface="Gill Sans MT"/>
-                <a:cs typeface="Gill Sans MT"/>
-                <a:sym typeface="Gill Sans MT"/>
-              </a:defRPr>
-            </a:pPr>
-            <a:r>
-              <a:t>Fourth: d=c to </a:t>
-            </a:r>
-            <a:r>
-              <a:rPr>
-                <a:latin typeface="Courier New"/>
-                <a:ea typeface="Courier New"/>
-                <a:cs typeface="Courier New"/>
-                <a:sym typeface="Courier New"/>
-              </a:rPr>
-              <a:t>n</a:t>
-            </a:r>
-            <a:r>
-              <a:rPr baseline="31999">
-                <a:latin typeface="Courier New"/>
-                <a:ea typeface="Courier New"/>
-                <a:cs typeface="Courier New"/>
-                <a:sym typeface="Courier New"/>
-              </a:rPr>
-              <a:t>1/3 </a:t>
-            </a:r>
-            <a:r>
-              <a:t>and </a:t>
-            </a:r>
-            <a:r>
-              <a:rPr>
-                <a:latin typeface="Courier New"/>
-                <a:ea typeface="Courier New"/>
-                <a:cs typeface="Courier New"/>
-                <a:sym typeface="Courier New"/>
-              </a:rPr>
-              <a:t>c</a:t>
-            </a:r>
-            <a:r>
-              <a:rPr baseline="31999">
-                <a:latin typeface="Courier New"/>
-                <a:ea typeface="Courier New"/>
-                <a:cs typeface="Courier New"/>
-                <a:sym typeface="Courier New"/>
-              </a:rPr>
-              <a:t>3</a:t>
-            </a:r>
-            <a:r>
-              <a:rPr>
-                <a:latin typeface="Courier New"/>
-                <a:ea typeface="Courier New"/>
-                <a:cs typeface="Courier New"/>
-                <a:sym typeface="Courier New"/>
-              </a:rPr>
-              <a:t>+d</a:t>
-            </a:r>
-            <a:r>
-              <a:rPr baseline="31999">
-                <a:latin typeface="Courier New"/>
-                <a:ea typeface="Courier New"/>
-                <a:cs typeface="Courier New"/>
-                <a:sym typeface="Courier New"/>
-              </a:rPr>
-              <a:t>3</a:t>
-            </a:r>
-            <a:r>
-              <a:rPr>
-                <a:latin typeface="Courier New"/>
-                <a:ea typeface="Courier New"/>
-                <a:cs typeface="Courier New"/>
-                <a:sym typeface="Courier New"/>
-              </a:rPr>
-              <a:t> &lt; a</a:t>
-            </a:r>
-            <a:r>
-              <a:rPr baseline="31999">
-                <a:latin typeface="Courier New"/>
-                <a:ea typeface="Courier New"/>
-                <a:cs typeface="Courier New"/>
-                <a:sym typeface="Courier New"/>
-              </a:rPr>
-              <a:t>3</a:t>
-            </a:r>
-            <a:r>
-              <a:rPr>
-                <a:latin typeface="Courier New"/>
-                <a:ea typeface="Courier New"/>
-                <a:cs typeface="Courier New"/>
-                <a:sym typeface="Courier New"/>
-              </a:rPr>
-              <a:t>+b</a:t>
-            </a:r>
-            <a:r>
-              <a:rPr baseline="31999">
-                <a:latin typeface="Courier New"/>
-                <a:ea typeface="Courier New"/>
-                <a:cs typeface="Courier New"/>
-                <a:sym typeface="Courier New"/>
-              </a:rPr>
-              <a:t>3</a:t>
-            </a:r>
-          </a:p>
-          <a:p>
-            <a:pPr lvl="1" marL="663178" indent="-267890">
-              <a:buChar char="•"/>
-              <a:defRPr>
-                <a:latin typeface="Gill Sans MT"/>
-                <a:ea typeface="Gill Sans MT"/>
-                <a:cs typeface="Gill Sans MT"/>
-                <a:sym typeface="Gill Sans MT"/>
-              </a:defRPr>
-            </a:pPr>
-            <a:r>
-              <a:t>Output line:</a:t>
-            </a:r>
-          </a:p>
-          <a:p>
-            <a:pPr lvl="3" marL="1554616" indent="-244928">
-              <a:spcBef>
-                <a:spcPts val="600"/>
-              </a:spcBef>
-              <a:buChar char="•"/>
-              <a:defRPr sz="3000">
-                <a:latin typeface="Gill Sans MT"/>
-                <a:ea typeface="Gill Sans MT"/>
-                <a:cs typeface="Gill Sans MT"/>
-                <a:sym typeface="Gill Sans MT"/>
-              </a:defRPr>
-            </a:pPr>
-            <a:r>
-              <a:rPr>
-                <a:latin typeface="Courier New"/>
-                <a:ea typeface="Courier New"/>
-                <a:cs typeface="Courier New"/>
-                <a:sym typeface="Courier New"/>
-              </a:rPr>
-              <a:t>c</a:t>
-            </a:r>
-            <a:r>
-              <a:rPr baseline="31999">
-                <a:latin typeface="Courier New"/>
-                <a:ea typeface="Courier New"/>
-                <a:cs typeface="Courier New"/>
-                <a:sym typeface="Courier New"/>
-              </a:rPr>
-              <a:t>3</a:t>
-            </a:r>
-            <a:r>
-              <a:rPr>
-                <a:latin typeface="Courier New"/>
-                <a:ea typeface="Courier New"/>
-                <a:cs typeface="Courier New"/>
-                <a:sym typeface="Courier New"/>
-              </a:rPr>
-              <a:t>+d</a:t>
-            </a:r>
-            <a:r>
-              <a:rPr baseline="31999">
-                <a:latin typeface="Courier New"/>
-                <a:ea typeface="Courier New"/>
-                <a:cs typeface="Courier New"/>
-                <a:sym typeface="Courier New"/>
-              </a:rPr>
-              <a:t>3</a:t>
-            </a:r>
-            <a:r>
-              <a:rPr>
-                <a:latin typeface="Courier New"/>
-                <a:ea typeface="Courier New"/>
-                <a:cs typeface="Courier New"/>
-                <a:sym typeface="Courier New"/>
-              </a:rPr>
-              <a:t> </a:t>
-            </a:r>
-            <a:r>
-              <a:t>equals</a:t>
-            </a:r>
-            <a:r>
-              <a:rPr>
-                <a:latin typeface="Courier New"/>
-                <a:ea typeface="Courier New"/>
-                <a:cs typeface="Courier New"/>
-                <a:sym typeface="Courier New"/>
-              </a:rPr>
-              <a:t> a</a:t>
-            </a:r>
-            <a:r>
-              <a:rPr baseline="31999">
-                <a:latin typeface="Courier New"/>
-                <a:ea typeface="Courier New"/>
-                <a:cs typeface="Courier New"/>
-                <a:sym typeface="Courier New"/>
-              </a:rPr>
-              <a:t>3</a:t>
-            </a:r>
-            <a:r>
-              <a:rPr>
-                <a:latin typeface="Courier New"/>
-                <a:ea typeface="Courier New"/>
-                <a:cs typeface="Courier New"/>
-                <a:sym typeface="Courier New"/>
-              </a:rPr>
-              <a:t>+b</a:t>
-            </a:r>
-            <a:r>
-              <a:rPr baseline="31999">
-                <a:latin typeface="Courier New"/>
-                <a:ea typeface="Courier New"/>
-                <a:cs typeface="Courier New"/>
-                <a:sym typeface="Courier New"/>
-              </a:rPr>
-              <a:t>3</a:t>
+              </a:rPr>
+              <a:t>print</a:t>
+            </a:r>
+            <a:r>
+              <a:t> sum</a:t>
             </a:r>
           </a:p>
         </p:txBody>
@@ -8569,547 +10460,6 @@
     <a:masterClrMapping/>
   </p:clrMapOvr>
   <p:transition xmlns:p14="http://schemas.microsoft.com/office/powerpoint/2010/main" spd="med" advClick="1"/>
-  <p:timing>
-    <p:tnLst>
-      <p:par>
-        <p:cTn id="1" nodeType="tmRoot" restart="never" dur="indefinite" fill="hold">
-          <p:childTnLst>
-            <p:seq concurrent="1" prevAc="none" nextAc="seek">
-              <p:cTn id="2" nodeType="mainSeq" dur="indefinite" fill="hold">
-                <p:childTnLst>
-                  <p:par>
-                    <p:cTn id="3" fill="hold">
-                      <p:stCondLst>
-                        <p:cond delay="indefinite"/>
-                      </p:stCondLst>
-                      <p:childTnLst>
-                        <p:par>
-                          <p:cTn id="4" fill="hold">
-                            <p:stCondLst>
-                              <p:cond delay="0"/>
-                            </p:stCondLst>
-                            <p:childTnLst>
-                              <p:par>
-                                <p:cTn id="5" presetClass="entr" nodeType="clickEffect" presetSubtype="0" presetID="1" grpId="1" fill="hold">
-                                  <p:stCondLst>
-                                    <p:cond delay="0"/>
-                                  </p:stCondLst>
-                                  <p:iterate type="el" backwards="0">
-                                    <p:tmAbs val="0"/>
-                                  </p:iterate>
-                                  <p:childTnLst>
-                                    <p:set>
-                                      <p:cBhvr>
-                                        <p:cTn id="6" fill="hold"/>
-                                        <p:tgtEl>
-                                          <p:spTgt spid="75">
-                                            <p:bg/>
-                                          </p:spTgt>
-                                        </p:tgtEl>
-                                        <p:attrNameLst>
-                                          <p:attrName>style.visibility</p:attrName>
-                                        </p:attrNameLst>
-                                      </p:cBhvr>
-                                      <p:to>
-                                        <p:strVal val="visible"/>
-                                      </p:to>
-                                    </p:set>
-                                  </p:childTnLst>
-                                </p:cTn>
-                              </p:par>
-                              <p:par>
-                                <p:cTn id="7" presetClass="entr" nodeType="withEffect" presetSubtype="0" presetID="1" grpId="1" fill="hold">
-                                  <p:stCondLst>
-                                    <p:cond delay="0"/>
-                                  </p:stCondLst>
-                                  <p:iterate type="el" backwards="0">
-                                    <p:tmAbs val="0"/>
-                                  </p:iterate>
-                                  <p:childTnLst>
-                                    <p:set>
-                                      <p:cBhvr>
-                                        <p:cTn id="8" fill="hold"/>
-                                        <p:tgtEl>
-                                          <p:spTgt spid="75">
-                                            <p:txEl>
-                                              <p:pRg st="0" end="0"/>
-                                            </p:txEl>
-                                          </p:spTgt>
-                                        </p:tgtEl>
-                                        <p:attrNameLst>
-                                          <p:attrName>style.visibility</p:attrName>
-                                        </p:attrNameLst>
-                                      </p:cBhvr>
-                                      <p:to>
-                                        <p:strVal val="visible"/>
-                                      </p:to>
-                                    </p:set>
-                                  </p:childTnLst>
-                                </p:cTn>
-                              </p:par>
-                            </p:childTnLst>
-                          </p:cTn>
-                        </p:par>
-                      </p:childTnLst>
-                    </p:cTn>
-                  </p:par>
-                  <p:par>
-                    <p:cTn id="9" fill="hold">
-                      <p:stCondLst>
-                        <p:cond delay="indefinite"/>
-                      </p:stCondLst>
-                      <p:childTnLst>
-                        <p:par>
-                          <p:cTn id="10" fill="hold">
-                            <p:stCondLst>
-                              <p:cond delay="0"/>
-                            </p:stCondLst>
-                            <p:childTnLst>
-                              <p:par>
-                                <p:cTn id="11" presetClass="entr" nodeType="clickEffect" presetSubtype="0" presetID="1" grpId="1" fill="hold">
-                                  <p:stCondLst>
-                                    <p:cond delay="0"/>
-                                  </p:stCondLst>
-                                  <p:iterate type="el" backwards="0">
-                                    <p:tmAbs val="0"/>
-                                  </p:iterate>
-                                  <p:childTnLst>
-                                    <p:set>
-                                      <p:cBhvr>
-                                        <p:cTn id="12" fill="hold"/>
-                                        <p:tgtEl>
-                                          <p:spTgt spid="75">
-                                            <p:txEl>
-                                              <p:pRg st="1" end="1"/>
-                                            </p:txEl>
-                                          </p:spTgt>
-                                        </p:tgtEl>
-                                        <p:attrNameLst>
-                                          <p:attrName>style.visibility</p:attrName>
-                                        </p:attrNameLst>
-                                      </p:cBhvr>
-                                      <p:to>
-                                        <p:strVal val="visible"/>
-                                      </p:to>
-                                    </p:set>
-                                  </p:childTnLst>
-                                </p:cTn>
-                              </p:par>
-                            </p:childTnLst>
-                          </p:cTn>
-                        </p:par>
-                      </p:childTnLst>
-                    </p:cTn>
-                  </p:par>
-                  <p:par>
-                    <p:cTn id="13" fill="hold">
-                      <p:stCondLst>
-                        <p:cond delay="indefinite"/>
-                      </p:stCondLst>
-                      <p:childTnLst>
-                        <p:par>
-                          <p:cTn id="14" fill="hold">
-                            <p:stCondLst>
-                              <p:cond delay="0"/>
-                            </p:stCondLst>
-                            <p:childTnLst>
-                              <p:par>
-                                <p:cTn id="15" presetClass="entr" nodeType="clickEffect" presetSubtype="0" presetID="1" grpId="1" fill="hold">
-                                  <p:stCondLst>
-                                    <p:cond delay="0"/>
-                                  </p:stCondLst>
-                                  <p:iterate type="el" backwards="0">
-                                    <p:tmAbs val="0"/>
-                                  </p:iterate>
-                                  <p:childTnLst>
-                                    <p:set>
-                                      <p:cBhvr>
-                                        <p:cTn id="16" fill="hold"/>
-                                        <p:tgtEl>
-                                          <p:spTgt spid="75">
-                                            <p:txEl>
-                                              <p:pRg st="2" end="2"/>
-                                            </p:txEl>
-                                          </p:spTgt>
-                                        </p:tgtEl>
-                                        <p:attrNameLst>
-                                          <p:attrName>style.visibility</p:attrName>
-                                        </p:attrNameLst>
-                                      </p:cBhvr>
-                                      <p:to>
-                                        <p:strVal val="visible"/>
-                                      </p:to>
-                                    </p:set>
-                                  </p:childTnLst>
-                                </p:cTn>
-                              </p:par>
-                            </p:childTnLst>
-                          </p:cTn>
-                        </p:par>
-                      </p:childTnLst>
-                    </p:cTn>
-                  </p:par>
-                  <p:par>
-                    <p:cTn id="17" fill="hold">
-                      <p:stCondLst>
-                        <p:cond delay="indefinite"/>
-                      </p:stCondLst>
-                      <p:childTnLst>
-                        <p:par>
-                          <p:cTn id="18" fill="hold">
-                            <p:stCondLst>
-                              <p:cond delay="0"/>
-                            </p:stCondLst>
-                            <p:childTnLst>
-                              <p:par>
-                                <p:cTn id="19" presetClass="entr" nodeType="clickEffect" presetSubtype="0" presetID="1" grpId="1" fill="hold">
-                                  <p:stCondLst>
-                                    <p:cond delay="0"/>
-                                  </p:stCondLst>
-                                  <p:iterate type="el" backwards="0">
-                                    <p:tmAbs val="0"/>
-                                  </p:iterate>
-                                  <p:childTnLst>
-                                    <p:set>
-                                      <p:cBhvr>
-                                        <p:cTn id="20" fill="hold"/>
-                                        <p:tgtEl>
-                                          <p:spTgt spid="75">
-                                            <p:txEl>
-                                              <p:pRg st="3" end="3"/>
-                                            </p:txEl>
-                                          </p:spTgt>
-                                        </p:tgtEl>
-                                        <p:attrNameLst>
-                                          <p:attrName>style.visibility</p:attrName>
-                                        </p:attrNameLst>
-                                      </p:cBhvr>
-                                      <p:to>
-                                        <p:strVal val="visible"/>
-                                      </p:to>
-                                    </p:set>
-                                  </p:childTnLst>
-                                </p:cTn>
-                              </p:par>
-                            </p:childTnLst>
-                          </p:cTn>
-                        </p:par>
-                      </p:childTnLst>
-                    </p:cTn>
-                  </p:par>
-                  <p:par>
-                    <p:cTn id="21" fill="hold">
-                      <p:stCondLst>
-                        <p:cond delay="indefinite"/>
-                      </p:stCondLst>
-                      <p:childTnLst>
-                        <p:par>
-                          <p:cTn id="22" fill="hold">
-                            <p:stCondLst>
-                              <p:cond delay="0"/>
-                            </p:stCondLst>
-                            <p:childTnLst>
-                              <p:par>
-                                <p:cTn id="23" presetClass="entr" nodeType="clickEffect" presetSubtype="0" presetID="1" grpId="1" fill="hold">
-                                  <p:stCondLst>
-                                    <p:cond delay="0"/>
-                                  </p:stCondLst>
-                                  <p:iterate type="el" backwards="0">
-                                    <p:tmAbs val="0"/>
-                                  </p:iterate>
-                                  <p:childTnLst>
-                                    <p:set>
-                                      <p:cBhvr>
-                                        <p:cTn id="24" fill="hold"/>
-                                        <p:tgtEl>
-                                          <p:spTgt spid="75">
-                                            <p:txEl>
-                                              <p:pRg st="4" end="4"/>
-                                            </p:txEl>
-                                          </p:spTgt>
-                                        </p:tgtEl>
-                                        <p:attrNameLst>
-                                          <p:attrName>style.visibility</p:attrName>
-                                        </p:attrNameLst>
-                                      </p:cBhvr>
-                                      <p:to>
-                                        <p:strVal val="visible"/>
-                                      </p:to>
-                                    </p:set>
-                                  </p:childTnLst>
-                                </p:cTn>
-                              </p:par>
-                            </p:childTnLst>
-                          </p:cTn>
-                        </p:par>
-                      </p:childTnLst>
-                    </p:cTn>
-                  </p:par>
-                  <p:par>
-                    <p:cTn id="25" fill="hold">
-                      <p:stCondLst>
-                        <p:cond delay="indefinite"/>
-                      </p:stCondLst>
-                      <p:childTnLst>
-                        <p:par>
-                          <p:cTn id="26" fill="hold">
-                            <p:stCondLst>
-                              <p:cond delay="0"/>
-                            </p:stCondLst>
-                            <p:childTnLst>
-                              <p:par>
-                                <p:cTn id="27" presetClass="entr" nodeType="clickEffect" presetSubtype="0" presetID="1" grpId="1" fill="hold">
-                                  <p:stCondLst>
-                                    <p:cond delay="0"/>
-                                  </p:stCondLst>
-                                  <p:iterate type="el" backwards="0">
-                                    <p:tmAbs val="0"/>
-                                  </p:iterate>
-                                  <p:childTnLst>
-                                    <p:set>
-                                      <p:cBhvr>
-                                        <p:cTn id="28" fill="hold"/>
-                                        <p:tgtEl>
-                                          <p:spTgt spid="75">
-                                            <p:txEl>
-                                              <p:pRg st="5" end="5"/>
-                                            </p:txEl>
-                                          </p:spTgt>
-                                        </p:tgtEl>
-                                        <p:attrNameLst>
-                                          <p:attrName>style.visibility</p:attrName>
-                                        </p:attrNameLst>
-                                      </p:cBhvr>
-                                      <p:to>
-                                        <p:strVal val="visible"/>
-                                      </p:to>
-                                    </p:set>
-                                  </p:childTnLst>
-                                </p:cTn>
-                              </p:par>
-                            </p:childTnLst>
-                          </p:cTn>
-                        </p:par>
-                      </p:childTnLst>
-                    </p:cTn>
-                  </p:par>
-                  <p:par>
-                    <p:cTn id="29" fill="hold">
-                      <p:stCondLst>
-                        <p:cond delay="indefinite"/>
-                      </p:stCondLst>
-                      <p:childTnLst>
-                        <p:par>
-                          <p:cTn id="30" fill="hold">
-                            <p:stCondLst>
-                              <p:cond delay="0"/>
-                            </p:stCondLst>
-                            <p:childTnLst>
-                              <p:par>
-                                <p:cTn id="31" presetClass="entr" nodeType="clickEffect" presetSubtype="0" presetID="1" grpId="1" fill="hold">
-                                  <p:stCondLst>
-                                    <p:cond delay="0"/>
-                                  </p:stCondLst>
-                                  <p:iterate type="el" backwards="0">
-                                    <p:tmAbs val="0"/>
-                                  </p:iterate>
-                                  <p:childTnLst>
-                                    <p:set>
-                                      <p:cBhvr>
-                                        <p:cTn id="32" fill="hold"/>
-                                        <p:tgtEl>
-                                          <p:spTgt spid="75">
-                                            <p:txEl>
-                                              <p:pRg st="6" end="6"/>
-                                            </p:txEl>
-                                          </p:spTgt>
-                                        </p:tgtEl>
-                                        <p:attrNameLst>
-                                          <p:attrName>style.visibility</p:attrName>
-                                        </p:attrNameLst>
-                                      </p:cBhvr>
-                                      <p:to>
-                                        <p:strVal val="visible"/>
-                                      </p:to>
-                                    </p:set>
-                                  </p:childTnLst>
-                                </p:cTn>
-                              </p:par>
-                            </p:childTnLst>
-                          </p:cTn>
-                        </p:par>
-                      </p:childTnLst>
-                    </p:cTn>
-                  </p:par>
-                  <p:par>
-                    <p:cTn id="33" fill="hold">
-                      <p:stCondLst>
-                        <p:cond delay="indefinite"/>
-                      </p:stCondLst>
-                      <p:childTnLst>
-                        <p:par>
-                          <p:cTn id="34" fill="hold">
-                            <p:stCondLst>
-                              <p:cond delay="0"/>
-                            </p:stCondLst>
-                            <p:childTnLst>
-                              <p:par>
-                                <p:cTn id="35" presetClass="entr" nodeType="clickEffect" presetSubtype="0" presetID="1" grpId="1" fill="hold">
-                                  <p:stCondLst>
-                                    <p:cond delay="0"/>
-                                  </p:stCondLst>
-                                  <p:iterate type="el" backwards="0">
-                                    <p:tmAbs val="0"/>
-                                  </p:iterate>
-                                  <p:childTnLst>
-                                    <p:set>
-                                      <p:cBhvr>
-                                        <p:cTn id="36" fill="hold"/>
-                                        <p:tgtEl>
-                                          <p:spTgt spid="75">
-                                            <p:txEl>
-                                              <p:pRg st="7" end="7"/>
-                                            </p:txEl>
-                                          </p:spTgt>
-                                        </p:tgtEl>
-                                        <p:attrNameLst>
-                                          <p:attrName>style.visibility</p:attrName>
-                                        </p:attrNameLst>
-                                      </p:cBhvr>
-                                      <p:to>
-                                        <p:strVal val="visible"/>
-                                      </p:to>
-                                    </p:set>
-                                  </p:childTnLst>
-                                </p:cTn>
-                              </p:par>
-                            </p:childTnLst>
-                          </p:cTn>
-                        </p:par>
-                      </p:childTnLst>
-                    </p:cTn>
-                  </p:par>
-                  <p:par>
-                    <p:cTn id="37" fill="hold">
-                      <p:stCondLst>
-                        <p:cond delay="indefinite"/>
-                      </p:stCondLst>
-                      <p:childTnLst>
-                        <p:par>
-                          <p:cTn id="38" fill="hold">
-                            <p:stCondLst>
-                              <p:cond delay="0"/>
-                            </p:stCondLst>
-                            <p:childTnLst>
-                              <p:par>
-                                <p:cTn id="39" presetClass="entr" nodeType="clickEffect" presetSubtype="0" presetID="1" grpId="1" fill="hold">
-                                  <p:stCondLst>
-                                    <p:cond delay="0"/>
-                                  </p:stCondLst>
-                                  <p:iterate type="el" backwards="0">
-                                    <p:tmAbs val="0"/>
-                                  </p:iterate>
-                                  <p:childTnLst>
-                                    <p:set>
-                                      <p:cBhvr>
-                                        <p:cTn id="40" fill="hold"/>
-                                        <p:tgtEl>
-                                          <p:spTgt spid="75">
-                                            <p:txEl>
-                                              <p:pRg st="8" end="8"/>
-                                            </p:txEl>
-                                          </p:spTgt>
-                                        </p:tgtEl>
-                                        <p:attrNameLst>
-                                          <p:attrName>style.visibility</p:attrName>
-                                        </p:attrNameLst>
-                                      </p:cBhvr>
-                                      <p:to>
-                                        <p:strVal val="visible"/>
-                                      </p:to>
-                                    </p:set>
-                                  </p:childTnLst>
-                                </p:cTn>
-                              </p:par>
-                            </p:childTnLst>
-                          </p:cTn>
-                        </p:par>
-                      </p:childTnLst>
-                    </p:cTn>
-                  </p:par>
-                  <p:par>
-                    <p:cTn id="41" fill="hold">
-                      <p:stCondLst>
-                        <p:cond delay="indefinite"/>
-                      </p:stCondLst>
-                      <p:childTnLst>
-                        <p:par>
-                          <p:cTn id="42" fill="hold">
-                            <p:stCondLst>
-                              <p:cond delay="0"/>
-                            </p:stCondLst>
-                            <p:childTnLst>
-                              <p:par>
-                                <p:cTn id="43" presetClass="entr" nodeType="clickEffect" presetSubtype="0" presetID="1" grpId="1" fill="hold">
-                                  <p:stCondLst>
-                                    <p:cond delay="0"/>
-                                  </p:stCondLst>
-                                  <p:iterate type="el" backwards="0">
-                                    <p:tmAbs val="0"/>
-                                  </p:iterate>
-                                  <p:childTnLst>
-                                    <p:set>
-                                      <p:cBhvr>
-                                        <p:cTn id="44" fill="hold"/>
-                                        <p:tgtEl>
-                                          <p:spTgt spid="75">
-                                            <p:txEl>
-                                              <p:pRg st="9" end="9"/>
-                                            </p:txEl>
-                                          </p:spTgt>
-                                        </p:tgtEl>
-                                        <p:attrNameLst>
-                                          <p:attrName>style.visibility</p:attrName>
-                                        </p:attrNameLst>
-                                      </p:cBhvr>
-                                      <p:to>
-                                        <p:strVal val="visible"/>
-                                      </p:to>
-                                    </p:set>
-                                  </p:childTnLst>
-                                </p:cTn>
-                              </p:par>
-                            </p:childTnLst>
-                          </p:cTn>
-                        </p:par>
-                      </p:childTnLst>
-                    </p:cTn>
-                  </p:par>
-                </p:childTnLst>
-              </p:cTn>
-              <p:prevCondLst>
-                <p:cond evt="onPrev">
-                  <p:tgtEl>
-                    <p:sldTgt/>
-                  </p:tgtEl>
-                </p:cond>
-              </p:prevCondLst>
-              <p:nextCondLst>
-                <p:cond evt="onNext">
-                  <p:tgtEl>
-                    <p:sldTgt/>
-                  </p:tgtEl>
-                </p:cond>
-              </p:nextCondLst>
-            </p:seq>
-          </p:childTnLst>
-        </p:cTn>
-      </p:par>
-    </p:tnLst>
-    <p:bldLst>
-      <p:bldP build="p" bldLvl="5" animBg="1" rev="0" advAuto="0" spid="75" grpId="1"/>
-    </p:bldLst>
-  </p:timing>
 </p:sld>
 </file>
 
@@ -9132,7 +10482,7 @@
       </p:grpSpPr>
       <p:sp>
         <p:nvSpPr>
-          <p:cNvPr id="80" name="Algo 05: Ramanujan 1729"/>
+          <p:cNvPr id="80" name="Algo 03: Binary Conversion"/>
           <p:cNvSpPr txBox="1"/>
           <p:nvPr>
             <p:ph type="title"/>
@@ -9149,14 +10499,14 @@
           <a:p>
             <a:pPr/>
             <a:r>
-              <a:t>Algo 05: Ramanujan 1729</a:t>
+              <a:t>Algo 03: Binary Conversion</a:t>
             </a:r>
           </a:p>
         </p:txBody>
       </p:sp>
       <p:sp>
         <p:nvSpPr>
-          <p:cNvPr id="81" name="for a=1; a3 ≤ n; a++…"/>
+          <p:cNvPr id="81" name="Given number n, outputs its value in binary…"/>
           <p:cNvSpPr txBox="1"/>
           <p:nvPr>
             <p:ph type="body" idx="1"/>
@@ -9171,135 +10521,45 @@
           <a:bodyPr/>
           <a:lstStyle/>
           <a:p>
+            <a:pPr/>
+            <a:r>
+              <a:t>Given number </a:t>
+            </a:r>
+            <a:r>
+              <a:rPr>
+                <a:latin typeface="Courier New"/>
+                <a:ea typeface="Courier New"/>
+                <a:cs typeface="Courier New"/>
+                <a:sym typeface="Courier New"/>
+              </a:rPr>
+              <a:t>n</a:t>
+            </a:r>
+            <a:r>
+              <a:t>, outputs its value in binary</a:t>
+            </a:r>
+          </a:p>
+          <a:p>
             <a:pPr marL="0" indent="0">
-              <a:spcBef>
-                <a:spcPts val="600"/>
-              </a:spcBef>
-              <a:buSzTx/>
-              <a:buNone/>
-              <a:defRPr sz="3000">
-                <a:latin typeface="Gill Sans MT"/>
-                <a:ea typeface="Gill Sans MT"/>
-                <a:cs typeface="Gill Sans MT"/>
-                <a:sym typeface="Gill Sans MT"/>
-              </a:defRPr>
-            </a:pPr>
-            <a:r>
-              <a:t>for </a:t>
-            </a:r>
-            <a:r>
-              <a:rPr>
-                <a:latin typeface="Courier New"/>
-                <a:ea typeface="Courier New"/>
-                <a:cs typeface="Courier New"/>
-                <a:sym typeface="Courier New"/>
-              </a:rPr>
-              <a:t>a=1; a</a:t>
-            </a:r>
-            <a:r>
-              <a:rPr baseline="31999">
-                <a:latin typeface="Courier New"/>
-                <a:ea typeface="Courier New"/>
-                <a:cs typeface="Courier New"/>
-                <a:sym typeface="Courier New"/>
-              </a:rPr>
-              <a:t>3</a:t>
-            </a:r>
-            <a:r>
-              <a:t> </a:t>
-            </a:r>
-            <a:r>
-              <a:rPr>
-                <a:latin typeface="Courier New"/>
-                <a:ea typeface="Courier New"/>
-                <a:cs typeface="Courier New"/>
-                <a:sym typeface="Courier New"/>
-              </a:rPr>
-              <a:t>≤ n; a++</a:t>
-            </a:r>
-            <a:r>
-              <a:t> </a:t>
-            </a:r>
-          </a:p>
-          <a:p>
-            <a:pPr lvl="1" marL="0" indent="228600">
               <a:buSzTx/>
               <a:buNone/>
               <a:defRPr>
-                <a:latin typeface="Gill Sans MT"/>
-                <a:ea typeface="Gill Sans MT"/>
-                <a:cs typeface="Gill Sans MT"/>
-                <a:sym typeface="Gill Sans MT"/>
+                <a:latin typeface="Courier New"/>
+                <a:ea typeface="Courier New"/>
+                <a:cs typeface="Courier New"/>
+                <a:sym typeface="Courier New"/>
               </a:defRPr>
             </a:pPr>
             <a:r>
-              <a:t>for </a:t>
-            </a:r>
-            <a:r>
-              <a:rPr>
-                <a:latin typeface="Courier New"/>
-                <a:ea typeface="Courier New"/>
-                <a:cs typeface="Courier New"/>
-                <a:sym typeface="Courier New"/>
-              </a:rPr>
-              <a:t>b=a; a</a:t>
-            </a:r>
-            <a:r>
-              <a:rPr baseline="31999">
-                <a:latin typeface="Courier New"/>
-                <a:ea typeface="Courier New"/>
-                <a:cs typeface="Courier New"/>
-                <a:sym typeface="Courier New"/>
-              </a:rPr>
-              <a:t>3</a:t>
-            </a:r>
-            <a:r>
-              <a:rPr>
-                <a:latin typeface="Courier New"/>
-                <a:ea typeface="Courier New"/>
-                <a:cs typeface="Courier New"/>
-                <a:sym typeface="Courier New"/>
-              </a:rPr>
-              <a:t>+b</a:t>
-            </a:r>
-            <a:r>
-              <a:rPr baseline="31999">
-                <a:latin typeface="Courier New"/>
-                <a:ea typeface="Courier New"/>
-                <a:cs typeface="Courier New"/>
-                <a:sym typeface="Courier New"/>
-              </a:rPr>
-              <a:t>3</a:t>
-            </a:r>
-            <a:r>
-              <a:t> </a:t>
-            </a:r>
-            <a:r>
-              <a:rPr>
-                <a:latin typeface="Courier New"/>
-                <a:ea typeface="Courier New"/>
-                <a:cs typeface="Courier New"/>
-                <a:sym typeface="Courier New"/>
-              </a:rPr>
-              <a:t>≤ n; b++</a:t>
-            </a:r>
-          </a:p>
-          <a:p>
-            <a:pPr lvl="2" marL="0" indent="457200">
-              <a:spcBef>
-                <a:spcPts val="600"/>
-              </a:spcBef>
+              <a:t>binstr = ""</a:t>
+            </a:r>
+          </a:p>
+          <a:p>
+            <a:pPr marL="0" indent="0">
               <a:buSzTx/>
               <a:buNone/>
-              <a:defRPr sz="3000">
-                <a:latin typeface="Gill Sans MT"/>
-                <a:ea typeface="Gill Sans MT"/>
-                <a:cs typeface="Gill Sans MT"/>
-                <a:sym typeface="Gill Sans MT"/>
-              </a:defRPr>
             </a:pPr>
             <a:r>
-              <a:t>for </a:t>
+              <a:t>while </a:t>
             </a:r>
             <a:r>
               <a:rPr>
@@ -9308,52 +10568,16 @@
                 <a:cs typeface="Courier New"/>
                 <a:sym typeface="Courier New"/>
               </a:rPr>
-              <a:t>c=a+1; c</a:t>
-            </a:r>
-            <a:r>
-              <a:rPr baseline="31999">
-                <a:latin typeface="Courier New"/>
-                <a:ea typeface="Courier New"/>
-                <a:cs typeface="Courier New"/>
-                <a:sym typeface="Courier New"/>
-              </a:rPr>
-              <a:t>3</a:t>
-            </a:r>
-            <a:r>
-              <a:t> </a:t>
-            </a:r>
-            <a:r>
-              <a:rPr>
-                <a:latin typeface="Courier New"/>
-                <a:ea typeface="Courier New"/>
-                <a:cs typeface="Courier New"/>
-                <a:sym typeface="Courier New"/>
-              </a:rPr>
-              <a:t>≤ n; c++</a:t>
-            </a:r>
-            <a:endParaRPr>
-              <a:latin typeface="Courier New"/>
-              <a:ea typeface="Courier New"/>
-              <a:cs typeface="Courier New"/>
-              <a:sym typeface="Courier New"/>
-            </a:endParaRPr>
-          </a:p>
-          <a:p>
-            <a:pPr lvl="3" marL="0" indent="685800">
-              <a:spcBef>
-                <a:spcPts val="600"/>
-              </a:spcBef>
+              <a:t>number &gt; 0:</a:t>
+            </a:r>
+          </a:p>
+          <a:p>
+            <a:pPr marL="0" indent="0">
               <a:buSzTx/>
               <a:buNone/>
-              <a:defRPr sz="3000">
-                <a:latin typeface="Gill Sans MT"/>
-                <a:ea typeface="Gill Sans MT"/>
-                <a:cs typeface="Gill Sans MT"/>
-                <a:sym typeface="Gill Sans MT"/>
-              </a:defRPr>
             </a:pPr>
             <a:r>
-              <a:t>for </a:t>
+              <a:t>  </a:t>
             </a:r>
             <a:r>
               <a:rPr>
@@ -9362,112 +10586,16 @@
                 <a:cs typeface="Courier New"/>
                 <a:sym typeface="Courier New"/>
               </a:rPr>
-              <a:t>d=c;</a:t>
-            </a:r>
-            <a:r>
-              <a:t> </a:t>
-            </a:r>
-            <a:r>
-              <a:rPr>
-                <a:latin typeface="Courier New"/>
-                <a:ea typeface="Courier New"/>
-                <a:cs typeface="Courier New"/>
-                <a:sym typeface="Courier New"/>
-              </a:rPr>
-              <a:t>c</a:t>
-            </a:r>
-            <a:r>
-              <a:rPr baseline="31999">
-                <a:latin typeface="Courier New"/>
-                <a:ea typeface="Courier New"/>
-                <a:cs typeface="Courier New"/>
-                <a:sym typeface="Courier New"/>
-              </a:rPr>
-              <a:t>3</a:t>
-            </a:r>
-            <a:r>
-              <a:rPr>
-                <a:latin typeface="Courier New"/>
-                <a:ea typeface="Courier New"/>
-                <a:cs typeface="Courier New"/>
-                <a:sym typeface="Courier New"/>
-              </a:rPr>
-              <a:t>+d</a:t>
-            </a:r>
-            <a:r>
-              <a:rPr baseline="31999">
-                <a:latin typeface="Courier New"/>
-                <a:ea typeface="Courier New"/>
-                <a:cs typeface="Courier New"/>
-                <a:sym typeface="Courier New"/>
-              </a:rPr>
-              <a:t>3</a:t>
-            </a:r>
-            <a:r>
-              <a:t> </a:t>
-            </a:r>
-            <a:r>
-              <a:rPr>
-                <a:latin typeface="Courier New"/>
-                <a:ea typeface="Courier New"/>
-                <a:cs typeface="Courier New"/>
-                <a:sym typeface="Courier New"/>
-              </a:rPr>
-              <a:t>≤ a</a:t>
-            </a:r>
-            <a:r>
-              <a:rPr baseline="31999">
-                <a:latin typeface="Courier New"/>
-                <a:ea typeface="Courier New"/>
-                <a:cs typeface="Courier New"/>
-                <a:sym typeface="Courier New"/>
-              </a:rPr>
-              <a:t>3</a:t>
-            </a:r>
-            <a:r>
-              <a:rPr>
-                <a:latin typeface="Courier New"/>
-                <a:ea typeface="Courier New"/>
-                <a:cs typeface="Courier New"/>
-                <a:sym typeface="Courier New"/>
-              </a:rPr>
-              <a:t>+b</a:t>
-            </a:r>
-            <a:r>
-              <a:rPr baseline="31999">
-                <a:latin typeface="Courier New"/>
-                <a:ea typeface="Courier New"/>
-                <a:cs typeface="Courier New"/>
-                <a:sym typeface="Courier New"/>
-              </a:rPr>
-              <a:t>3</a:t>
-            </a:r>
-            <a:r>
-              <a:rPr>
-                <a:latin typeface="Courier New"/>
-                <a:ea typeface="Courier New"/>
-                <a:cs typeface="Courier New"/>
-                <a:sym typeface="Courier New"/>
-              </a:rPr>
-              <a:t>; d++</a:t>
-            </a:r>
-          </a:p>
-          <a:p>
-            <a:pPr lvl="4" marL="0" indent="914400">
-              <a:spcBef>
-                <a:spcPts val="600"/>
-              </a:spcBef>
+              <a:t>remainder = number % 2</a:t>
+            </a:r>
+          </a:p>
+          <a:p>
+            <a:pPr marL="0" indent="0">
               <a:buSzTx/>
               <a:buNone/>
-              <a:defRPr sz="3000">
-                <a:latin typeface="Gill Sans MT"/>
-                <a:ea typeface="Gill Sans MT"/>
-                <a:cs typeface="Gill Sans MT"/>
-                <a:sym typeface="Gill Sans MT"/>
-              </a:defRPr>
             </a:pPr>
             <a:r>
-              <a:t>if </a:t>
+              <a:t>  </a:t>
             </a:r>
             <a:r>
               <a:rPr>
@@ -9476,91 +10604,16 @@
                 <a:cs typeface="Courier New"/>
                 <a:sym typeface="Courier New"/>
               </a:rPr>
-              <a:t>c</a:t>
-            </a:r>
-            <a:r>
-              <a:rPr baseline="31999">
-                <a:latin typeface="Courier New"/>
-                <a:ea typeface="Courier New"/>
-                <a:cs typeface="Courier New"/>
-                <a:sym typeface="Courier New"/>
-              </a:rPr>
-              <a:t>3</a:t>
-            </a:r>
-            <a:r>
-              <a:rPr>
-                <a:latin typeface="Courier New"/>
-                <a:ea typeface="Courier New"/>
-                <a:cs typeface="Courier New"/>
-                <a:sym typeface="Courier New"/>
-              </a:rPr>
-              <a:t>+d</a:t>
-            </a:r>
-            <a:r>
-              <a:rPr baseline="31999">
-                <a:latin typeface="Courier New"/>
-                <a:ea typeface="Courier New"/>
-                <a:cs typeface="Courier New"/>
-                <a:sym typeface="Courier New"/>
-              </a:rPr>
-              <a:t>3</a:t>
-            </a:r>
-            <a:r>
-              <a:rPr>
-                <a:latin typeface="Courier New"/>
-                <a:ea typeface="Courier New"/>
-                <a:cs typeface="Courier New"/>
-                <a:sym typeface="Courier New"/>
-              </a:rPr>
-              <a:t> == a</a:t>
-            </a:r>
-            <a:r>
-              <a:rPr baseline="31999">
-                <a:latin typeface="Courier New"/>
-                <a:ea typeface="Courier New"/>
-                <a:cs typeface="Courier New"/>
-                <a:sym typeface="Courier New"/>
-              </a:rPr>
-              <a:t>3</a:t>
-            </a:r>
-            <a:r>
-              <a:rPr>
-                <a:latin typeface="Courier New"/>
-                <a:ea typeface="Courier New"/>
-                <a:cs typeface="Courier New"/>
-                <a:sym typeface="Courier New"/>
-              </a:rPr>
-              <a:t>+b</a:t>
-            </a:r>
-            <a:r>
-              <a:rPr baseline="31999">
-                <a:latin typeface="Courier New"/>
-                <a:ea typeface="Courier New"/>
-                <a:cs typeface="Courier New"/>
-                <a:sym typeface="Courier New"/>
-              </a:rPr>
-              <a:t>3</a:t>
-            </a:r>
-            <a:r>
-              <a:t> then</a:t>
-            </a:r>
-          </a:p>
-          <a:p>
-            <a:pPr lvl="5" marL="0" indent="1143000">
-              <a:spcBef>
-                <a:spcPts val="600"/>
-              </a:spcBef>
+              <a:t>binstr = str(remainder) + binstr</a:t>
+            </a:r>
+          </a:p>
+          <a:p>
+            <a:pPr marL="0" indent="0">
               <a:buSzTx/>
               <a:buNone/>
-              <a:defRPr sz="3000">
-                <a:latin typeface="Gill Sans MT"/>
-                <a:ea typeface="Gill Sans MT"/>
-                <a:cs typeface="Gill Sans MT"/>
-                <a:sym typeface="Gill Sans MT"/>
-              </a:defRPr>
             </a:pPr>
             <a:r>
-              <a:t>print </a:t>
+              <a:t>  </a:t>
             </a:r>
             <a:r>
               <a:rPr>
@@ -9569,16 +10622,16 @@
                 <a:cs typeface="Courier New"/>
                 <a:sym typeface="Courier New"/>
               </a:rPr>
-              <a:t>a</a:t>
-            </a:r>
-            <a:r>
-              <a:rPr baseline="31999">
-                <a:latin typeface="Courier New"/>
-                <a:ea typeface="Courier New"/>
-                <a:cs typeface="Courier New"/>
-                <a:sym typeface="Courier New"/>
-              </a:rPr>
-              <a:t>3 </a:t>
+              <a:t>number = number // 2</a:t>
+            </a:r>
+          </a:p>
+          <a:p>
+            <a:pPr marL="0" indent="0">
+              <a:buSzTx/>
+              <a:buNone/>
+            </a:pPr>
+            <a:r>
+              <a:t>print(</a:t>
             </a:r>
             <a:r>
               <a:rPr>
@@ -9587,52 +10640,10 @@
                 <a:cs typeface="Courier New"/>
                 <a:sym typeface="Courier New"/>
               </a:rPr>
-              <a:t>+ b</a:t>
-            </a:r>
-            <a:r>
-              <a:rPr baseline="31999">
-                <a:latin typeface="Courier New"/>
-                <a:ea typeface="Courier New"/>
-                <a:cs typeface="Courier New"/>
-                <a:sym typeface="Courier New"/>
-              </a:rPr>
-              <a:t>3 </a:t>
-            </a:r>
-            <a:r>
-              <a:rPr>
-                <a:latin typeface="Courier New"/>
-                <a:ea typeface="Courier New"/>
-                <a:cs typeface="Courier New"/>
-                <a:sym typeface="Courier New"/>
-              </a:rPr>
-              <a:t>= c</a:t>
-            </a:r>
-            <a:r>
-              <a:rPr baseline="31999">
-                <a:latin typeface="Courier New"/>
-                <a:ea typeface="Courier New"/>
-                <a:cs typeface="Courier New"/>
-                <a:sym typeface="Courier New"/>
-              </a:rPr>
-              <a:t>3 </a:t>
-            </a:r>
-            <a:r>
-              <a:rPr>
-                <a:latin typeface="Courier New"/>
-                <a:ea typeface="Courier New"/>
-                <a:cs typeface="Courier New"/>
-                <a:sym typeface="Courier New"/>
-              </a:rPr>
-              <a:t>+ d</a:t>
-            </a:r>
-            <a:r>
-              <a:rPr baseline="31999">
-                <a:latin typeface="Courier New"/>
-                <a:ea typeface="Courier New"/>
-                <a:cs typeface="Courier New"/>
-                <a:sym typeface="Courier New"/>
-              </a:rPr>
-              <a:t>3</a:t>
+              <a:t>binstr</a:t>
+            </a:r>
+            <a:r>
+              <a:t>)</a:t>
             </a:r>
           </a:p>
         </p:txBody>
@@ -9750,355 +10761,6 @@
     <a:masterClrMapping/>
   </p:clrMapOvr>
   <p:transition xmlns:p14="http://schemas.microsoft.com/office/powerpoint/2010/main" spd="med" advClick="1"/>
-  <p:timing>
-    <p:tnLst>
-      <p:par>
-        <p:cTn id="1" nodeType="tmRoot" restart="never" dur="indefinite" fill="hold">
-          <p:childTnLst>
-            <p:seq concurrent="1" prevAc="none" nextAc="seek">
-              <p:cTn id="2" nodeType="mainSeq" dur="indefinite" fill="hold">
-                <p:childTnLst>
-                  <p:par>
-                    <p:cTn id="3" fill="hold">
-                      <p:stCondLst>
-                        <p:cond delay="indefinite"/>
-                      </p:stCondLst>
-                      <p:childTnLst>
-                        <p:par>
-                          <p:cTn id="4" fill="hold">
-                            <p:stCondLst>
-                              <p:cond delay="0"/>
-                            </p:stCondLst>
-                            <p:childTnLst>
-                              <p:par>
-                                <p:cTn id="5" presetClass="entr" nodeType="clickEffect" presetSubtype="0" presetID="1" grpId="1" fill="hold">
-                                  <p:stCondLst>
-                                    <p:cond delay="0"/>
-                                  </p:stCondLst>
-                                  <p:iterate type="el" backwards="0">
-                                    <p:tmAbs val="0"/>
-                                  </p:iterate>
-                                  <p:childTnLst>
-                                    <p:set>
-                                      <p:cBhvr>
-                                        <p:cTn id="6" fill="hold"/>
-                                        <p:tgtEl>
-                                          <p:spTgt spid="81">
-                                            <p:bg/>
-                                          </p:spTgt>
-                                        </p:tgtEl>
-                                        <p:attrNameLst>
-                                          <p:attrName>style.visibility</p:attrName>
-                                        </p:attrNameLst>
-                                      </p:cBhvr>
-                                      <p:to>
-                                        <p:strVal val="visible"/>
-                                      </p:to>
-                                    </p:set>
-                                  </p:childTnLst>
-                                </p:cTn>
-                              </p:par>
-                              <p:par>
-                                <p:cTn id="7" presetClass="entr" nodeType="withEffect" presetSubtype="0" presetID="1" grpId="1" fill="hold">
-                                  <p:stCondLst>
-                                    <p:cond delay="0"/>
-                                  </p:stCondLst>
-                                  <p:iterate type="el" backwards="0">
-                                    <p:tmAbs val="0"/>
-                                  </p:iterate>
-                                  <p:childTnLst>
-                                    <p:set>
-                                      <p:cBhvr>
-                                        <p:cTn id="8" fill="hold"/>
-                                        <p:tgtEl>
-                                          <p:spTgt spid="81">
-                                            <p:txEl>
-                                              <p:pRg st="0" end="0"/>
-                                            </p:txEl>
-                                          </p:spTgt>
-                                        </p:tgtEl>
-                                        <p:attrNameLst>
-                                          <p:attrName>style.visibility</p:attrName>
-                                        </p:attrNameLst>
-                                      </p:cBhvr>
-                                      <p:to>
-                                        <p:strVal val="visible"/>
-                                      </p:to>
-                                    </p:set>
-                                  </p:childTnLst>
-                                </p:cTn>
-                              </p:par>
-                            </p:childTnLst>
-                          </p:cTn>
-                        </p:par>
-                      </p:childTnLst>
-                    </p:cTn>
-                  </p:par>
-                  <p:par>
-                    <p:cTn id="9" fill="hold">
-                      <p:stCondLst>
-                        <p:cond delay="indefinite"/>
-                      </p:stCondLst>
-                      <p:childTnLst>
-                        <p:par>
-                          <p:cTn id="10" fill="hold">
-                            <p:stCondLst>
-                              <p:cond delay="0"/>
-                            </p:stCondLst>
-                            <p:childTnLst>
-                              <p:par>
-                                <p:cTn id="11" presetClass="entr" nodeType="clickEffect" presetSubtype="0" presetID="1" grpId="1" fill="hold">
-                                  <p:stCondLst>
-                                    <p:cond delay="0"/>
-                                  </p:stCondLst>
-                                  <p:iterate type="el" backwards="0">
-                                    <p:tmAbs val="0"/>
-                                  </p:iterate>
-                                  <p:childTnLst>
-                                    <p:set>
-                                      <p:cBhvr>
-                                        <p:cTn id="12" fill="hold"/>
-                                        <p:tgtEl>
-                                          <p:spTgt spid="81">
-                                            <p:txEl>
-                                              <p:pRg st="1" end="1"/>
-                                            </p:txEl>
-                                          </p:spTgt>
-                                        </p:tgtEl>
-                                        <p:attrNameLst>
-                                          <p:attrName>style.visibility</p:attrName>
-                                        </p:attrNameLst>
-                                      </p:cBhvr>
-                                      <p:to>
-                                        <p:strVal val="visible"/>
-                                      </p:to>
-                                    </p:set>
-                                  </p:childTnLst>
-                                </p:cTn>
-                              </p:par>
-                            </p:childTnLst>
-                          </p:cTn>
-                        </p:par>
-                      </p:childTnLst>
-                    </p:cTn>
-                  </p:par>
-                  <p:par>
-                    <p:cTn id="13" fill="hold">
-                      <p:stCondLst>
-                        <p:cond delay="indefinite"/>
-                      </p:stCondLst>
-                      <p:childTnLst>
-                        <p:par>
-                          <p:cTn id="14" fill="hold">
-                            <p:stCondLst>
-                              <p:cond delay="0"/>
-                            </p:stCondLst>
-                            <p:childTnLst>
-                              <p:par>
-                                <p:cTn id="15" presetClass="entr" nodeType="clickEffect" presetSubtype="0" presetID="1" grpId="1" fill="hold">
-                                  <p:stCondLst>
-                                    <p:cond delay="0"/>
-                                  </p:stCondLst>
-                                  <p:iterate type="el" backwards="0">
-                                    <p:tmAbs val="0"/>
-                                  </p:iterate>
-                                  <p:childTnLst>
-                                    <p:set>
-                                      <p:cBhvr>
-                                        <p:cTn id="16" fill="hold"/>
-                                        <p:tgtEl>
-                                          <p:spTgt spid="81">
-                                            <p:txEl>
-                                              <p:pRg st="2" end="2"/>
-                                            </p:txEl>
-                                          </p:spTgt>
-                                        </p:tgtEl>
-                                        <p:attrNameLst>
-                                          <p:attrName>style.visibility</p:attrName>
-                                        </p:attrNameLst>
-                                      </p:cBhvr>
-                                      <p:to>
-                                        <p:strVal val="visible"/>
-                                      </p:to>
-                                    </p:set>
-                                  </p:childTnLst>
-                                </p:cTn>
-                              </p:par>
-                            </p:childTnLst>
-                          </p:cTn>
-                        </p:par>
-                      </p:childTnLst>
-                    </p:cTn>
-                  </p:par>
-                  <p:par>
-                    <p:cTn id="17" fill="hold">
-                      <p:stCondLst>
-                        <p:cond delay="indefinite"/>
-                      </p:stCondLst>
-                      <p:childTnLst>
-                        <p:par>
-                          <p:cTn id="18" fill="hold">
-                            <p:stCondLst>
-                              <p:cond delay="0"/>
-                            </p:stCondLst>
-                            <p:childTnLst>
-                              <p:par>
-                                <p:cTn id="19" presetClass="entr" nodeType="clickEffect" presetSubtype="0" presetID="1" grpId="1" fill="hold">
-                                  <p:stCondLst>
-                                    <p:cond delay="0"/>
-                                  </p:stCondLst>
-                                  <p:iterate type="el" backwards="0">
-                                    <p:tmAbs val="0"/>
-                                  </p:iterate>
-                                  <p:childTnLst>
-                                    <p:set>
-                                      <p:cBhvr>
-                                        <p:cTn id="20" fill="hold"/>
-                                        <p:tgtEl>
-                                          <p:spTgt spid="81">
-                                            <p:txEl>
-                                              <p:pRg st="3" end="3"/>
-                                            </p:txEl>
-                                          </p:spTgt>
-                                        </p:tgtEl>
-                                        <p:attrNameLst>
-                                          <p:attrName>style.visibility</p:attrName>
-                                        </p:attrNameLst>
-                                      </p:cBhvr>
-                                      <p:to>
-                                        <p:strVal val="visible"/>
-                                      </p:to>
-                                    </p:set>
-                                  </p:childTnLst>
-                                </p:cTn>
-                              </p:par>
-                            </p:childTnLst>
-                          </p:cTn>
-                        </p:par>
-                      </p:childTnLst>
-                    </p:cTn>
-                  </p:par>
-                  <p:par>
-                    <p:cTn id="21" fill="hold">
-                      <p:stCondLst>
-                        <p:cond delay="indefinite"/>
-                      </p:stCondLst>
-                      <p:childTnLst>
-                        <p:par>
-                          <p:cTn id="22" fill="hold">
-                            <p:stCondLst>
-                              <p:cond delay="0"/>
-                            </p:stCondLst>
-                            <p:childTnLst>
-                              <p:par>
-                                <p:cTn id="23" presetClass="entr" nodeType="clickEffect" presetSubtype="0" presetID="1" grpId="1" fill="hold">
-                                  <p:stCondLst>
-                                    <p:cond delay="0"/>
-                                  </p:stCondLst>
-                                  <p:iterate type="el" backwards="0">
-                                    <p:tmAbs val="0"/>
-                                  </p:iterate>
-                                  <p:childTnLst>
-                                    <p:set>
-                                      <p:cBhvr>
-                                        <p:cTn id="24" fill="hold"/>
-                                        <p:tgtEl>
-                                          <p:spTgt spid="81">
-                                            <p:txEl>
-                                              <p:pRg st="4" end="4"/>
-                                            </p:txEl>
-                                          </p:spTgt>
-                                        </p:tgtEl>
-                                        <p:attrNameLst>
-                                          <p:attrName>style.visibility</p:attrName>
-                                        </p:attrNameLst>
-                                      </p:cBhvr>
-                                      <p:to>
-                                        <p:strVal val="visible"/>
-                                      </p:to>
-                                    </p:set>
-                                  </p:childTnLst>
-                                </p:cTn>
-                              </p:par>
-                            </p:childTnLst>
-                          </p:cTn>
-                        </p:par>
-                      </p:childTnLst>
-                    </p:cTn>
-                  </p:par>
-                  <p:par>
-                    <p:cTn id="25" fill="hold">
-                      <p:stCondLst>
-                        <p:cond delay="indefinite"/>
-                      </p:stCondLst>
-                      <p:childTnLst>
-                        <p:par>
-                          <p:cTn id="26" fill="hold">
-                            <p:stCondLst>
-                              <p:cond delay="0"/>
-                            </p:stCondLst>
-                            <p:childTnLst>
-                              <p:par>
-                                <p:cTn id="27" presetClass="entr" nodeType="clickEffect" presetSubtype="0" presetID="1" grpId="1" fill="hold">
-                                  <p:stCondLst>
-                                    <p:cond delay="0"/>
-                                  </p:stCondLst>
-                                  <p:iterate type="el" backwards="0">
-                                    <p:tmAbs val="0"/>
-                                  </p:iterate>
-                                  <p:childTnLst>
-                                    <p:set>
-                                      <p:cBhvr>
-                                        <p:cTn id="28" fill="hold"/>
-                                        <p:tgtEl>
-                                          <p:spTgt spid="81">
-                                            <p:txEl>
-                                              <p:pRg st="5" end="5"/>
-                                            </p:txEl>
-                                          </p:spTgt>
-                                        </p:tgtEl>
-                                        <p:attrNameLst>
-                                          <p:attrName>style.visibility</p:attrName>
-                                        </p:attrNameLst>
-                                      </p:cBhvr>
-                                      <p:to>
-                                        <p:strVal val="visible"/>
-                                      </p:to>
-                                    </p:set>
-                                  </p:childTnLst>
-                                </p:cTn>
-                              </p:par>
-                            </p:childTnLst>
-                          </p:cTn>
-                        </p:par>
-                      </p:childTnLst>
-                    </p:cTn>
-                  </p:par>
-                </p:childTnLst>
-              </p:cTn>
-              <p:prevCondLst>
-                <p:cond evt="onPrev">
-                  <p:tgtEl>
-                    <p:sldTgt/>
-                  </p:tgtEl>
-                </p:cond>
-              </p:prevCondLst>
-              <p:nextCondLst>
-                <p:cond evt="onNext">
-                  <p:tgtEl>
-                    <p:sldTgt/>
-                  </p:tgtEl>
-                </p:cond>
-              </p:nextCondLst>
-            </p:seq>
-          </p:childTnLst>
-        </p:cTn>
-      </p:par>
-    </p:tnLst>
-    <p:bldLst>
-      <p:bldP build="p" bldLvl="5" animBg="1" rev="0" advAuto="0" spid="81" grpId="1"/>
-    </p:bldLst>
-  </p:timing>
 </p:sld>
 </file>
 
